--- a/Presentations/IoT Milestone 1.pptx
+++ b/Presentations/IoT Milestone 1.pptx
@@ -1,25 +1,25 @@
 
 <file path=ppt/presentation.xml><?xml version="1.0" encoding="utf-8"?>
-<p:presentation xmlns:a="http://schemas.openxmlformats.org/drawingml/2006/main" xmlns:r="http://schemas.openxmlformats.org/officeDocument/2006/relationships" xmlns:p="http://schemas.openxmlformats.org/presentationml/2006/main" strictFirstAndLastChars="0" saveSubsetFonts="1" autoCompressPictures="0">
+<p:presentation xmlns:a="http://schemas.openxmlformats.org/drawingml/2006/main" xmlns:r="http://schemas.openxmlformats.org/officeDocument/2006/relationships" xmlns:mc="http://schemas.openxmlformats.org/markup-compatibility/2006" xmlns:mv="urn:schemas-microsoft-com:mac:vml" xmlns:p="http://schemas.openxmlformats.org/presentationml/2006/main" xmlns:c="http://schemas.openxmlformats.org/drawingml/2006/chart" xmlns:dgm="http://schemas.openxmlformats.org/drawingml/2006/diagram" xmlns:o="urn:schemas-microsoft-com:office:office" xmlns:v="urn:schemas-microsoft-com:vml" xmlns:pvml="urn:schemas-microsoft-com:office:powerpoint" xmlns:com="http://schemas.openxmlformats.org/drawingml/2006/compatibility" xmlns:p14="http://schemas.microsoft.com/office/powerpoint/2010/main" xmlns:p15="http://schemas.microsoft.com/office/powerpoint/2012/main" xmlns:ahyp="http://schemas.microsoft.com/office/drawing/2018/hyperlinkcolor" autoCompressPictures="0" strictFirstAndLastChars="0" saveSubsetFonts="1">
   <p:sldMasterIdLst>
-    <p:sldMasterId id="2147483659" r:id="rId1"/>
+    <p:sldMasterId id="2147483659" r:id="rId4"/>
   </p:sldMasterIdLst>
   <p:notesMasterIdLst>
-    <p:notesMasterId r:id="rId9"/>
+    <p:notesMasterId r:id="rId5"/>
   </p:notesMasterIdLst>
   <p:sldIdLst>
-    <p:sldId id="256" r:id="rId2"/>
-    <p:sldId id="257" r:id="rId3"/>
-    <p:sldId id="258" r:id="rId4"/>
-    <p:sldId id="259" r:id="rId5"/>
-    <p:sldId id="261" r:id="rId6"/>
-    <p:sldId id="263" r:id="rId7"/>
-    <p:sldId id="264" r:id="rId8"/>
+    <p:sldId id="256" r:id="rId6"/>
+    <p:sldId id="257" r:id="rId7"/>
+    <p:sldId id="258" r:id="rId8"/>
+    <p:sldId id="259" r:id="rId9"/>
+    <p:sldId id="260" r:id="rId10"/>
+    <p:sldId id="261" r:id="rId11"/>
+    <p:sldId id="262" r:id="rId12"/>
   </p:sldIdLst>
-  <p:sldSz cx="9144000" cy="5143500" type="screen16x9"/>
+  <p:sldSz cy="5143500" cx="9144000"/>
   <p:notesSz cx="6858000" cy="9144000"/>
   <p:defaultTextStyle>
-    <a:defPPr marR="0" lvl="0" algn="l" rtl="0">
+    <a:defPPr lvl="0" marR="0" rtl="0" algn="l">
       <a:lnSpc>
         <a:spcPct val="100000"/>
       </a:lnSpc>
@@ -30,7 +30,7 @@
         <a:spcPts val="0"/>
       </a:spcAft>
     </a:defPPr>
-    <a:lvl1pPr marR="0" lvl="0" algn="l" rtl="0">
+    <a:lvl1pPr lvl="0" marR="0" rtl="0" algn="l">
       <a:lnSpc>
         <a:spcPct val="100000"/>
       </a:lnSpc>
@@ -44,7 +44,7 @@
         <a:srgbClr val="000000"/>
       </a:buClr>
       <a:buFont typeface="Arial"/>
-      <a:defRPr sz="1400" b="0" i="0" u="none" strike="noStrike" cap="none">
+      <a:defRPr b="0" i="0" sz="1400" u="none" cap="none" strike="noStrike">
         <a:solidFill>
           <a:srgbClr val="000000"/>
         </a:solidFill>
@@ -54,7 +54,7 @@
         <a:sym typeface="Arial"/>
       </a:defRPr>
     </a:lvl1pPr>
-    <a:lvl2pPr marR="0" lvl="1" algn="l" rtl="0">
+    <a:lvl2pPr lvl="1" marR="0" rtl="0" algn="l">
       <a:lnSpc>
         <a:spcPct val="100000"/>
       </a:lnSpc>
@@ -68,7 +68,7 @@
         <a:srgbClr val="000000"/>
       </a:buClr>
       <a:buFont typeface="Arial"/>
-      <a:defRPr sz="1400" b="0" i="0" u="none" strike="noStrike" cap="none">
+      <a:defRPr b="0" i="0" sz="1400" u="none" cap="none" strike="noStrike">
         <a:solidFill>
           <a:srgbClr val="000000"/>
         </a:solidFill>
@@ -78,7 +78,7 @@
         <a:sym typeface="Arial"/>
       </a:defRPr>
     </a:lvl2pPr>
-    <a:lvl3pPr marR="0" lvl="2" algn="l" rtl="0">
+    <a:lvl3pPr lvl="2" marR="0" rtl="0" algn="l">
       <a:lnSpc>
         <a:spcPct val="100000"/>
       </a:lnSpc>
@@ -92,7 +92,7 @@
         <a:srgbClr val="000000"/>
       </a:buClr>
       <a:buFont typeface="Arial"/>
-      <a:defRPr sz="1400" b="0" i="0" u="none" strike="noStrike" cap="none">
+      <a:defRPr b="0" i="0" sz="1400" u="none" cap="none" strike="noStrike">
         <a:solidFill>
           <a:srgbClr val="000000"/>
         </a:solidFill>
@@ -102,7 +102,7 @@
         <a:sym typeface="Arial"/>
       </a:defRPr>
     </a:lvl3pPr>
-    <a:lvl4pPr marR="0" lvl="3" algn="l" rtl="0">
+    <a:lvl4pPr lvl="3" marR="0" rtl="0" algn="l">
       <a:lnSpc>
         <a:spcPct val="100000"/>
       </a:lnSpc>
@@ -116,7 +116,7 @@
         <a:srgbClr val="000000"/>
       </a:buClr>
       <a:buFont typeface="Arial"/>
-      <a:defRPr sz="1400" b="0" i="0" u="none" strike="noStrike" cap="none">
+      <a:defRPr b="0" i="0" sz="1400" u="none" cap="none" strike="noStrike">
         <a:solidFill>
           <a:srgbClr val="000000"/>
         </a:solidFill>
@@ -126,7 +126,7 @@
         <a:sym typeface="Arial"/>
       </a:defRPr>
     </a:lvl4pPr>
-    <a:lvl5pPr marR="0" lvl="4" algn="l" rtl="0">
+    <a:lvl5pPr lvl="4" marR="0" rtl="0" algn="l">
       <a:lnSpc>
         <a:spcPct val="100000"/>
       </a:lnSpc>
@@ -140,7 +140,7 @@
         <a:srgbClr val="000000"/>
       </a:buClr>
       <a:buFont typeface="Arial"/>
-      <a:defRPr sz="1400" b="0" i="0" u="none" strike="noStrike" cap="none">
+      <a:defRPr b="0" i="0" sz="1400" u="none" cap="none" strike="noStrike">
         <a:solidFill>
           <a:srgbClr val="000000"/>
         </a:solidFill>
@@ -150,7 +150,7 @@
         <a:sym typeface="Arial"/>
       </a:defRPr>
     </a:lvl5pPr>
-    <a:lvl6pPr marR="0" lvl="5" algn="l" rtl="0">
+    <a:lvl6pPr lvl="5" marR="0" rtl="0" algn="l">
       <a:lnSpc>
         <a:spcPct val="100000"/>
       </a:lnSpc>
@@ -164,7 +164,7 @@
         <a:srgbClr val="000000"/>
       </a:buClr>
       <a:buFont typeface="Arial"/>
-      <a:defRPr sz="1400" b="0" i="0" u="none" strike="noStrike" cap="none">
+      <a:defRPr b="0" i="0" sz="1400" u="none" cap="none" strike="noStrike">
         <a:solidFill>
           <a:srgbClr val="000000"/>
         </a:solidFill>
@@ -174,7 +174,7 @@
         <a:sym typeface="Arial"/>
       </a:defRPr>
     </a:lvl6pPr>
-    <a:lvl7pPr marR="0" lvl="6" algn="l" rtl="0">
+    <a:lvl7pPr lvl="6" marR="0" rtl="0" algn="l">
       <a:lnSpc>
         <a:spcPct val="100000"/>
       </a:lnSpc>
@@ -188,7 +188,7 @@
         <a:srgbClr val="000000"/>
       </a:buClr>
       <a:buFont typeface="Arial"/>
-      <a:defRPr sz="1400" b="0" i="0" u="none" strike="noStrike" cap="none">
+      <a:defRPr b="0" i="0" sz="1400" u="none" cap="none" strike="noStrike">
         <a:solidFill>
           <a:srgbClr val="000000"/>
         </a:solidFill>
@@ -198,7 +198,7 @@
         <a:sym typeface="Arial"/>
       </a:defRPr>
     </a:lvl7pPr>
-    <a:lvl8pPr marR="0" lvl="7" algn="l" rtl="0">
+    <a:lvl8pPr lvl="7" marR="0" rtl="0" algn="l">
       <a:lnSpc>
         <a:spcPct val="100000"/>
       </a:lnSpc>
@@ -212,7 +212,7 @@
         <a:srgbClr val="000000"/>
       </a:buClr>
       <a:buFont typeface="Arial"/>
-      <a:defRPr sz="1400" b="0" i="0" u="none" strike="noStrike" cap="none">
+      <a:defRPr b="0" i="0" sz="1400" u="none" cap="none" strike="noStrike">
         <a:solidFill>
           <a:srgbClr val="000000"/>
         </a:solidFill>
@@ -222,7 +222,7 @@
         <a:sym typeface="Arial"/>
       </a:defRPr>
     </a:lvl8pPr>
-    <a:lvl9pPr marR="0" lvl="8" algn="l" rtl="0">
+    <a:lvl9pPr lvl="8" marR="0" rtl="0" algn="l">
       <a:lnSpc>
         <a:spcPct val="100000"/>
       </a:lnSpc>
@@ -236,7 +236,7 @@
         <a:srgbClr val="000000"/>
       </a:buClr>
       <a:buFont typeface="Arial"/>
-      <a:defRPr sz="1400" b="0" i="0" u="none" strike="noStrike" cap="none">
+      <a:defRPr b="0" i="0" sz="1400" u="none" cap="none" strike="noStrike">
         <a:solidFill>
           <a:srgbClr val="000000"/>
         </a:solidFill>
@@ -249,7 +249,7 @@
   </p:defaultTextStyle>
   <p:extLst>
     <p:ext uri="{EFAFB233-063F-42B5-8137-9DF3F51BA10A}">
-      <p15:sldGuideLst xmlns:p15="http://schemas.microsoft.com/office/powerpoint/2012/main">
+      <p15:sldGuideLst>
         <p15:guide id="1" orient="horz" pos="1620">
           <p15:clr>
             <a:srgbClr val="A4A3A4"/>
@@ -267,16 +267,11 @@
 </file>
 
 <file path=ppt/notesMasters/notesMaster1.xml><?xml version="1.0" encoding="utf-8"?>
-<p:notesMaster xmlns:a="http://schemas.openxmlformats.org/drawingml/2006/main" xmlns:r="http://schemas.openxmlformats.org/officeDocument/2006/relationships" xmlns:p="http://schemas.openxmlformats.org/presentationml/2006/main">
+<p:notesMaster xmlns:a="http://schemas.openxmlformats.org/drawingml/2006/main" xmlns:r="http://schemas.openxmlformats.org/officeDocument/2006/relationships" xmlns:mc="http://schemas.openxmlformats.org/markup-compatibility/2006" xmlns:mv="urn:schemas-microsoft-com:mac:vml" xmlns:p="http://schemas.openxmlformats.org/presentationml/2006/main" xmlns:c="http://schemas.openxmlformats.org/drawingml/2006/chart" xmlns:dgm="http://schemas.openxmlformats.org/drawingml/2006/diagram" xmlns:o="urn:schemas-microsoft-com:office:office" xmlns:v="urn:schemas-microsoft-com:vml" xmlns:pvml="urn:schemas-microsoft-com:office:powerpoint" xmlns:com="http://schemas.openxmlformats.org/drawingml/2006/compatibility" xmlns:p14="http://schemas.microsoft.com/office/powerpoint/2010/main" xmlns:p15="http://schemas.microsoft.com/office/powerpoint/2012/main" xmlns:ahyp="http://schemas.microsoft.com/office/drawing/2018/hyperlinkcolor">
   <p:cSld>
-    <p:bg>
-      <p:bgRef idx="1001">
-        <a:schemeClr val="bg1"/>
-      </p:bgRef>
-    </p:bg>
     <p:spTree>
       <p:nvGrpSpPr>
-        <p:cNvPr id="1" name="Shape 2"/>
+        <p:cNvPr id="2" name="Shape 2"/>
         <p:cNvGrpSpPr/>
         <p:nvPr/>
       </p:nvGrpSpPr>
@@ -291,11 +286,9 @@
       <p:sp>
         <p:nvSpPr>
           <p:cNvPr id="3" name="Google Shape;3;n"/>
-          <p:cNvSpPr>
-            <a:spLocks noGrp="1" noRot="1" noChangeAspect="1"/>
-          </p:cNvSpPr>
+          <p:cNvSpPr/>
           <p:nvPr>
-            <p:ph type="sldImg" idx="2"/>
+            <p:ph idx="2" type="sldImg"/>
           </p:nvPr>
         </p:nvSpPr>
         <p:spPr>
@@ -304,13 +297,9 @@
             <a:ext cx="6096075" cy="3429000"/>
           </a:xfrm>
           <a:custGeom>
-            <a:avLst/>
-            <a:gdLst/>
-            <a:ahLst/>
-            <a:cxnLst/>
-            <a:rect l="l" t="t" r="r" b="b"/>
+            <a:rect b="b" l="l" r="r" t="t"/>
             <a:pathLst>
-              <a:path w="120000" h="120000" extrusionOk="0">
+              <a:path extrusionOk="0" h="120000" w="120000">
                 <a:moveTo>
                   <a:pt x="0" y="0"/>
                 </a:moveTo>
@@ -328,25 +317,23 @@
             </a:pathLst>
           </a:custGeom>
           <a:noFill/>
-          <a:ln w="9525" cap="flat" cmpd="sng">
+          <a:ln cap="flat" cmpd="sng" w="9525">
             <a:solidFill>
               <a:srgbClr val="000000"/>
             </a:solidFill>
             <a:prstDash val="solid"/>
             <a:round/>
-            <a:headEnd type="none" w="sm" len="sm"/>
-            <a:tailEnd type="none" w="sm" len="sm"/>
+            <a:headEnd len="sm" w="sm" type="none"/>
+            <a:tailEnd len="sm" w="sm" type="none"/>
           </a:ln>
         </p:spPr>
       </p:sp>
       <p:sp>
         <p:nvSpPr>
           <p:cNvPr id="4" name="Google Shape;4;n"/>
-          <p:cNvSpPr txBox="1">
-            <a:spLocks noGrp="1"/>
-          </p:cNvSpPr>
+          <p:cNvSpPr txBox="1"/>
           <p:nvPr>
-            <p:ph type="body" idx="1"/>
+            <p:ph idx="1" type="body"/>
           </p:nvPr>
         </p:nvSpPr>
         <p:spPr>
@@ -363,11 +350,11 @@
           </a:ln>
         </p:spPr>
         <p:txBody>
-          <a:bodyPr spcFirstLastPara="1" wrap="square" lIns="91425" tIns="91425" rIns="91425" bIns="91425" anchor="t" anchorCtr="0">
+          <a:bodyPr anchorCtr="0" anchor="t" bIns="91425" lIns="91425" spcFirstLastPara="1" rIns="91425" wrap="square" tIns="91425">
             <a:noAutofit/>
           </a:bodyPr>
           <a:lstStyle>
-            <a:lvl1pPr marL="457200" lvl="0" indent="-298450">
+            <a:lvl1pPr indent="-298450" lvl="0" marL="457200">
               <a:spcBef>
                 <a:spcPts val="0"/>
               </a:spcBef>
@@ -378,7 +365,7 @@
               <a:buChar char="●"/>
               <a:defRPr sz="1100"/>
             </a:lvl1pPr>
-            <a:lvl2pPr marL="914400" lvl="1" indent="-298450">
+            <a:lvl2pPr indent="-298450" lvl="1" marL="914400">
               <a:spcBef>
                 <a:spcPts val="0"/>
               </a:spcBef>
@@ -389,7 +376,7 @@
               <a:buChar char="○"/>
               <a:defRPr sz="1100"/>
             </a:lvl2pPr>
-            <a:lvl3pPr marL="1371600" lvl="2" indent="-298450">
+            <a:lvl3pPr indent="-298450" lvl="2" marL="1371600">
               <a:spcBef>
                 <a:spcPts val="0"/>
               </a:spcBef>
@@ -400,7 +387,7 @@
               <a:buChar char="■"/>
               <a:defRPr sz="1100"/>
             </a:lvl3pPr>
-            <a:lvl4pPr marL="1828800" lvl="3" indent="-298450">
+            <a:lvl4pPr indent="-298450" lvl="3" marL="1828800">
               <a:spcBef>
                 <a:spcPts val="0"/>
               </a:spcBef>
@@ -411,7 +398,7 @@
               <a:buChar char="●"/>
               <a:defRPr sz="1100"/>
             </a:lvl4pPr>
-            <a:lvl5pPr marL="2286000" lvl="4" indent="-298450">
+            <a:lvl5pPr indent="-298450" lvl="4" marL="2286000">
               <a:spcBef>
                 <a:spcPts val="0"/>
               </a:spcBef>
@@ -422,7 +409,7 @@
               <a:buChar char="○"/>
               <a:defRPr sz="1100"/>
             </a:lvl5pPr>
-            <a:lvl6pPr marL="2743200" lvl="5" indent="-298450">
+            <a:lvl6pPr indent="-298450" lvl="5" marL="2743200">
               <a:spcBef>
                 <a:spcPts val="0"/>
               </a:spcBef>
@@ -433,7 +420,7 @@
               <a:buChar char="■"/>
               <a:defRPr sz="1100"/>
             </a:lvl6pPr>
-            <a:lvl7pPr marL="3200400" lvl="6" indent="-298450">
+            <a:lvl7pPr indent="-298450" lvl="6" marL="3200400">
               <a:spcBef>
                 <a:spcPts val="0"/>
               </a:spcBef>
@@ -444,7 +431,7 @@
               <a:buChar char="●"/>
               <a:defRPr sz="1100"/>
             </a:lvl7pPr>
-            <a:lvl8pPr marL="3657600" lvl="7" indent="-298450">
+            <a:lvl8pPr indent="-298450" lvl="7" marL="3657600">
               <a:spcBef>
                 <a:spcPts val="0"/>
               </a:spcBef>
@@ -455,7 +442,7 @@
               <a:buChar char="○"/>
               <a:defRPr sz="1100"/>
             </a:lvl8pPr>
-            <a:lvl9pPr marL="4114800" lvl="8" indent="-298450">
+            <a:lvl9pPr indent="-298450" lvl="8" marL="4114800">
               <a:spcBef>
                 <a:spcPts val="0"/>
               </a:spcBef>
@@ -467,16 +454,14 @@
               <a:defRPr sz="1100"/>
             </a:lvl9pPr>
           </a:lstStyle>
-          <a:p>
-            <a:endParaRPr/>
-          </a:p>
+          <a:p/>
         </p:txBody>
       </p:sp>
     </p:spTree>
   </p:cSld>
-  <p:clrMap bg1="lt1" tx1="dk1" bg2="dk2" tx2="lt2" accent1="accent1" accent2="accent2" accent3="accent3" accent4="accent4" accent5="accent5" accent6="accent6" hlink="hlink" folHlink="folHlink"/>
+  <p:clrMap accent1="accent1" accent2="accent2" accent3="accent3" accent4="accent4" accent5="accent5" accent6="accent6" bg1="lt1" bg2="dk2" tx1="dk1" tx2="lt2" folHlink="folHlink" hlink="hlink"/>
   <p:notesStyle>
-    <a:defPPr marR="0" lvl="0" algn="l" rtl="0">
+    <a:defPPr lvl="0" marR="0" rtl="0" algn="l">
       <a:lnSpc>
         <a:spcPct val="100000"/>
       </a:lnSpc>
@@ -487,7 +472,7 @@
         <a:spcPts val="0"/>
       </a:spcAft>
     </a:defPPr>
-    <a:lvl1pPr marR="0" lvl="0" algn="l" rtl="0">
+    <a:lvl1pPr lvl="0" marR="0" rtl="0" algn="l">
       <a:lnSpc>
         <a:spcPct val="100000"/>
       </a:lnSpc>
@@ -501,7 +486,7 @@
         <a:srgbClr val="000000"/>
       </a:buClr>
       <a:buFont typeface="Arial"/>
-      <a:defRPr sz="1400" b="0" i="0" u="none" strike="noStrike" cap="none">
+      <a:defRPr b="0" i="0" sz="1400" u="none" cap="none" strike="noStrike">
         <a:solidFill>
           <a:srgbClr val="000000"/>
         </a:solidFill>
@@ -511,7 +496,7 @@
         <a:sym typeface="Arial"/>
       </a:defRPr>
     </a:lvl1pPr>
-    <a:lvl2pPr marR="0" lvl="1" algn="l" rtl="0">
+    <a:lvl2pPr lvl="1" marR="0" rtl="0" algn="l">
       <a:lnSpc>
         <a:spcPct val="100000"/>
       </a:lnSpc>
@@ -525,7 +510,7 @@
         <a:srgbClr val="000000"/>
       </a:buClr>
       <a:buFont typeface="Arial"/>
-      <a:defRPr sz="1400" b="0" i="0" u="none" strike="noStrike" cap="none">
+      <a:defRPr b="0" i="0" sz="1400" u="none" cap="none" strike="noStrike">
         <a:solidFill>
           <a:srgbClr val="000000"/>
         </a:solidFill>
@@ -535,7 +520,7 @@
         <a:sym typeface="Arial"/>
       </a:defRPr>
     </a:lvl2pPr>
-    <a:lvl3pPr marR="0" lvl="2" algn="l" rtl="0">
+    <a:lvl3pPr lvl="2" marR="0" rtl="0" algn="l">
       <a:lnSpc>
         <a:spcPct val="100000"/>
       </a:lnSpc>
@@ -549,7 +534,7 @@
         <a:srgbClr val="000000"/>
       </a:buClr>
       <a:buFont typeface="Arial"/>
-      <a:defRPr sz="1400" b="0" i="0" u="none" strike="noStrike" cap="none">
+      <a:defRPr b="0" i="0" sz="1400" u="none" cap="none" strike="noStrike">
         <a:solidFill>
           <a:srgbClr val="000000"/>
         </a:solidFill>
@@ -559,7 +544,7 @@
         <a:sym typeface="Arial"/>
       </a:defRPr>
     </a:lvl3pPr>
-    <a:lvl4pPr marR="0" lvl="3" algn="l" rtl="0">
+    <a:lvl4pPr lvl="3" marR="0" rtl="0" algn="l">
       <a:lnSpc>
         <a:spcPct val="100000"/>
       </a:lnSpc>
@@ -573,7 +558,7 @@
         <a:srgbClr val="000000"/>
       </a:buClr>
       <a:buFont typeface="Arial"/>
-      <a:defRPr sz="1400" b="0" i="0" u="none" strike="noStrike" cap="none">
+      <a:defRPr b="0" i="0" sz="1400" u="none" cap="none" strike="noStrike">
         <a:solidFill>
           <a:srgbClr val="000000"/>
         </a:solidFill>
@@ -583,7 +568,7 @@
         <a:sym typeface="Arial"/>
       </a:defRPr>
     </a:lvl4pPr>
-    <a:lvl5pPr marR="0" lvl="4" algn="l" rtl="0">
+    <a:lvl5pPr lvl="4" marR="0" rtl="0" algn="l">
       <a:lnSpc>
         <a:spcPct val="100000"/>
       </a:lnSpc>
@@ -597,7 +582,7 @@
         <a:srgbClr val="000000"/>
       </a:buClr>
       <a:buFont typeface="Arial"/>
-      <a:defRPr sz="1400" b="0" i="0" u="none" strike="noStrike" cap="none">
+      <a:defRPr b="0" i="0" sz="1400" u="none" cap="none" strike="noStrike">
         <a:solidFill>
           <a:srgbClr val="000000"/>
         </a:solidFill>
@@ -607,7 +592,7 @@
         <a:sym typeface="Arial"/>
       </a:defRPr>
     </a:lvl5pPr>
-    <a:lvl6pPr marR="0" lvl="5" algn="l" rtl="0">
+    <a:lvl6pPr lvl="5" marR="0" rtl="0" algn="l">
       <a:lnSpc>
         <a:spcPct val="100000"/>
       </a:lnSpc>
@@ -621,7 +606,7 @@
         <a:srgbClr val="000000"/>
       </a:buClr>
       <a:buFont typeface="Arial"/>
-      <a:defRPr sz="1400" b="0" i="0" u="none" strike="noStrike" cap="none">
+      <a:defRPr b="0" i="0" sz="1400" u="none" cap="none" strike="noStrike">
         <a:solidFill>
           <a:srgbClr val="000000"/>
         </a:solidFill>
@@ -631,7 +616,7 @@
         <a:sym typeface="Arial"/>
       </a:defRPr>
     </a:lvl6pPr>
-    <a:lvl7pPr marR="0" lvl="6" algn="l" rtl="0">
+    <a:lvl7pPr lvl="6" marR="0" rtl="0" algn="l">
       <a:lnSpc>
         <a:spcPct val="100000"/>
       </a:lnSpc>
@@ -645,7 +630,7 @@
         <a:srgbClr val="000000"/>
       </a:buClr>
       <a:buFont typeface="Arial"/>
-      <a:defRPr sz="1400" b="0" i="0" u="none" strike="noStrike" cap="none">
+      <a:defRPr b="0" i="0" sz="1400" u="none" cap="none" strike="noStrike">
         <a:solidFill>
           <a:srgbClr val="000000"/>
         </a:solidFill>
@@ -655,7 +640,7 @@
         <a:sym typeface="Arial"/>
       </a:defRPr>
     </a:lvl7pPr>
-    <a:lvl8pPr marR="0" lvl="7" algn="l" rtl="0">
+    <a:lvl8pPr lvl="7" marR="0" rtl="0" algn="l">
       <a:lnSpc>
         <a:spcPct val="100000"/>
       </a:lnSpc>
@@ -669,7 +654,7 @@
         <a:srgbClr val="000000"/>
       </a:buClr>
       <a:buFont typeface="Arial"/>
-      <a:defRPr sz="1400" b="0" i="0" u="none" strike="noStrike" cap="none">
+      <a:defRPr b="0" i="0" sz="1400" u="none" cap="none" strike="noStrike">
         <a:solidFill>
           <a:srgbClr val="000000"/>
         </a:solidFill>
@@ -679,7 +664,7 @@
         <a:sym typeface="Arial"/>
       </a:defRPr>
     </a:lvl8pPr>
-    <a:lvl9pPr marR="0" lvl="8" algn="l" rtl="0">
+    <a:lvl9pPr lvl="8" marR="0" rtl="0" algn="l">
       <a:lnSpc>
         <a:spcPct val="100000"/>
       </a:lnSpc>
@@ -693,7 +678,7 @@
         <a:srgbClr val="000000"/>
       </a:buClr>
       <a:buFont typeface="Arial"/>
-      <a:defRPr sz="1400" b="0" i="0" u="none" strike="noStrike" cap="none">
+      <a:defRPr b="0" i="0" sz="1400" u="none" cap="none" strike="noStrike">
         <a:solidFill>
           <a:srgbClr val="000000"/>
         </a:solidFill>
@@ -708,11 +693,11 @@
 </file>
 
 <file path=ppt/notesSlides/notesSlide1.xml><?xml version="1.0" encoding="utf-8"?>
-<p:notes xmlns:a="http://schemas.openxmlformats.org/drawingml/2006/main" xmlns:r="http://schemas.openxmlformats.org/officeDocument/2006/relationships" xmlns:p="http://schemas.openxmlformats.org/presentationml/2006/main" showMasterSp="0" showMasterPhAnim="0">
+<p:notes xmlns:a="http://schemas.openxmlformats.org/drawingml/2006/main" xmlns:r="http://schemas.openxmlformats.org/officeDocument/2006/relationships" xmlns:mc="http://schemas.openxmlformats.org/markup-compatibility/2006" xmlns:mv="urn:schemas-microsoft-com:mac:vml" xmlns:p="http://schemas.openxmlformats.org/presentationml/2006/main" xmlns:c="http://schemas.openxmlformats.org/drawingml/2006/chart" xmlns:dgm="http://schemas.openxmlformats.org/drawingml/2006/diagram" xmlns:o="urn:schemas-microsoft-com:office:office" xmlns:v="urn:schemas-microsoft-com:vml" xmlns:pvml="urn:schemas-microsoft-com:office:powerpoint" xmlns:com="http://schemas.openxmlformats.org/drawingml/2006/compatibility" xmlns:p14="http://schemas.microsoft.com/office/powerpoint/2010/main" xmlns:p15="http://schemas.microsoft.com/office/powerpoint/2012/main" xmlns:ahyp="http://schemas.microsoft.com/office/drawing/2018/hyperlinkcolor" showMasterPhAnim="0" showMasterSp="0">
   <p:cSld>
     <p:spTree>
       <p:nvGrpSpPr>
-        <p:cNvPr id="1" name="Shape 50"/>
+        <p:cNvPr id="50" name="Shape 50"/>
         <p:cNvGrpSpPr/>
         <p:nvPr/>
       </p:nvGrpSpPr>
@@ -727,11 +712,9 @@
       <p:sp>
         <p:nvSpPr>
           <p:cNvPr id="51" name="Google Shape;51;p:notes"/>
-          <p:cNvSpPr>
-            <a:spLocks noGrp="1" noRot="1" noChangeAspect="1"/>
-          </p:cNvSpPr>
+          <p:cNvSpPr/>
           <p:nvPr>
-            <p:ph type="sldImg" idx="2"/>
+            <p:ph idx="2" type="sldImg"/>
           </p:nvPr>
         </p:nvSpPr>
         <p:spPr>
@@ -740,13 +723,9 @@
             <a:ext cx="6096075" cy="3429000"/>
           </a:xfrm>
           <a:custGeom>
-            <a:avLst/>
-            <a:gdLst/>
-            <a:ahLst/>
-            <a:cxnLst/>
-            <a:rect l="l" t="t" r="r" b="b"/>
+            <a:rect b="b" l="l" r="r" t="t"/>
             <a:pathLst>
-              <a:path w="120000" h="120000" extrusionOk="0">
+              <a:path extrusionOk="0" h="120000" w="120000">
                 <a:moveTo>
                   <a:pt x="0" y="0"/>
                 </a:moveTo>
@@ -768,11 +747,9 @@
       <p:sp>
         <p:nvSpPr>
           <p:cNvPr id="52" name="Google Shape;52;p:notes"/>
-          <p:cNvSpPr txBox="1">
-            <a:spLocks noGrp="1"/>
-          </p:cNvSpPr>
+          <p:cNvSpPr txBox="1"/>
           <p:nvPr>
-            <p:ph type="body" idx="1"/>
+            <p:ph idx="1" type="body"/>
           </p:nvPr>
         </p:nvSpPr>
         <p:spPr>
@@ -785,20 +762,23 @@
           </a:prstGeom>
         </p:spPr>
         <p:txBody>
-          <a:bodyPr spcFirstLastPara="1" wrap="square" lIns="91425" tIns="91425" rIns="91425" bIns="91425" anchor="t" anchorCtr="0">
+          <a:bodyPr anchorCtr="0" anchor="t" bIns="91425" lIns="91425" spcFirstLastPara="1" rIns="91425" wrap="square" tIns="91425">
             <a:noAutofit/>
           </a:bodyPr>
           <a:lstStyle/>
           <a:p>
-            <a:pPr marL="0" lvl="0" indent="0" algn="l" rtl="0">
-              <a:spcBef>
-                <a:spcPts val="0"/>
-              </a:spcBef>
-              <a:spcAft>
-                <a:spcPts val="0"/>
-              </a:spcAft>
-              <a:buNone/>
-            </a:pPr>
+            <a:pPr indent="0" lvl="0" marL="0" rtl="0" algn="l">
+              <a:spcBef>
+                <a:spcPts val="0"/>
+              </a:spcBef>
+              <a:spcAft>
+                <a:spcPts val="0"/>
+              </a:spcAft>
+              <a:buNone/>
+            </a:pPr>
+            <a:r>
+              <a:t/>
+            </a:r>
             <a:endParaRPr/>
           </a:p>
         </p:txBody>
@@ -812,11 +792,11 @@
 </file>
 
 <file path=ppt/notesSlides/notesSlide2.xml><?xml version="1.0" encoding="utf-8"?>
-<p:notes xmlns:a="http://schemas.openxmlformats.org/drawingml/2006/main" xmlns:r="http://schemas.openxmlformats.org/officeDocument/2006/relationships" xmlns:p="http://schemas.openxmlformats.org/presentationml/2006/main" showMasterSp="0" showMasterPhAnim="0">
+<p:notes xmlns:a="http://schemas.openxmlformats.org/drawingml/2006/main" xmlns:r="http://schemas.openxmlformats.org/officeDocument/2006/relationships" xmlns:mc="http://schemas.openxmlformats.org/markup-compatibility/2006" xmlns:mv="urn:schemas-microsoft-com:mac:vml" xmlns:p="http://schemas.openxmlformats.org/presentationml/2006/main" xmlns:c="http://schemas.openxmlformats.org/drawingml/2006/chart" xmlns:dgm="http://schemas.openxmlformats.org/drawingml/2006/diagram" xmlns:o="urn:schemas-microsoft-com:office:office" xmlns:v="urn:schemas-microsoft-com:vml" xmlns:pvml="urn:schemas-microsoft-com:office:powerpoint" xmlns:com="http://schemas.openxmlformats.org/drawingml/2006/compatibility" xmlns:p14="http://schemas.microsoft.com/office/powerpoint/2010/main" xmlns:p15="http://schemas.microsoft.com/office/powerpoint/2012/main" xmlns:ahyp="http://schemas.microsoft.com/office/drawing/2018/hyperlinkcolor" showMasterPhAnim="0" showMasterSp="0">
   <p:cSld>
     <p:spTree>
       <p:nvGrpSpPr>
-        <p:cNvPr id="1" name="Shape 58"/>
+        <p:cNvPr id="59" name="Shape 59"/>
         <p:cNvGrpSpPr/>
         <p:nvPr/>
       </p:nvGrpSpPr>
@@ -830,12 +810,10 @@
       </p:grpSpPr>
       <p:sp>
         <p:nvSpPr>
-          <p:cNvPr id="59" name="Google Shape;59;gfa5ed415d0_0_0:notes"/>
-          <p:cNvSpPr>
-            <a:spLocks noGrp="1" noRot="1" noChangeAspect="1"/>
-          </p:cNvSpPr>
+          <p:cNvPr id="60" name="Google Shape;60;gfa5ed415d0_0_0:notes"/>
+          <p:cNvSpPr/>
           <p:nvPr>
-            <p:ph type="sldImg" idx="2"/>
+            <p:ph idx="2" type="sldImg"/>
           </p:nvPr>
         </p:nvSpPr>
         <p:spPr>
@@ -844,13 +822,9 @@
             <a:ext cx="6096000" cy="3429000"/>
           </a:xfrm>
           <a:custGeom>
-            <a:avLst/>
-            <a:gdLst/>
-            <a:ahLst/>
-            <a:cxnLst/>
-            <a:rect l="l" t="t" r="r" b="b"/>
+            <a:rect b="b" l="l" r="r" t="t"/>
             <a:pathLst>
-              <a:path w="120000" h="120000" extrusionOk="0">
+              <a:path extrusionOk="0" h="120000" w="120000">
                 <a:moveTo>
                   <a:pt x="0" y="0"/>
                 </a:moveTo>
@@ -871,12 +845,10 @@
       </p:sp>
       <p:sp>
         <p:nvSpPr>
-          <p:cNvPr id="60" name="Google Shape;60;gfa5ed415d0_0_0:notes"/>
-          <p:cNvSpPr txBox="1">
-            <a:spLocks noGrp="1"/>
-          </p:cNvSpPr>
+          <p:cNvPr id="61" name="Google Shape;61;gfa5ed415d0_0_0:notes"/>
+          <p:cNvSpPr txBox="1"/>
           <p:nvPr>
-            <p:ph type="body" idx="1"/>
+            <p:ph idx="1" type="body"/>
           </p:nvPr>
         </p:nvSpPr>
         <p:spPr>
@@ -889,12 +861,12 @@
           </a:prstGeom>
         </p:spPr>
         <p:txBody>
-          <a:bodyPr spcFirstLastPara="1" wrap="square" lIns="91425" tIns="91425" rIns="91425" bIns="91425" anchor="t" anchorCtr="0">
+          <a:bodyPr anchorCtr="0" anchor="t" bIns="91425" lIns="91425" spcFirstLastPara="1" rIns="91425" wrap="square" tIns="91425">
             <a:noAutofit/>
           </a:bodyPr>
           <a:lstStyle/>
           <a:p>
-            <a:pPr marL="0" lvl="0" indent="0" algn="l" rtl="0">
+            <a:pPr indent="0" lvl="0" marL="0" rtl="0" algn="l">
               <a:spcBef>
                 <a:spcPts val="0"/>
               </a:spcBef>
@@ -915,7 +887,7 @@
             <a:endParaRPr/>
           </a:p>
           <a:p>
-            <a:pPr marL="0" lvl="0" indent="457200" algn="l" rtl="0">
+            <a:pPr indent="457200" lvl="0" marL="0" rtl="0" algn="l">
               <a:spcBef>
                 <a:spcPts val="0"/>
               </a:spcBef>
@@ -936,7 +908,7 @@
             <a:endParaRPr/>
           </a:p>
           <a:p>
-            <a:pPr marL="0" lvl="0" indent="457200" algn="l" rtl="0">
+            <a:pPr indent="457200" lvl="0" marL="0" rtl="0" algn="l">
               <a:spcBef>
                 <a:spcPts val="0"/>
               </a:spcBef>
@@ -957,7 +929,7 @@
             <a:endParaRPr/>
           </a:p>
           <a:p>
-            <a:pPr marL="0" lvl="0" indent="457200" algn="l" rtl="0">
+            <a:pPr indent="457200" lvl="0" marL="0" rtl="0" algn="l">
               <a:spcBef>
                 <a:spcPts val="0"/>
               </a:spcBef>
@@ -978,7 +950,7 @@
             <a:endParaRPr/>
           </a:p>
           <a:p>
-            <a:pPr marL="0" lvl="0" indent="0" algn="l" rtl="0">
+            <a:pPr indent="0" lvl="0" marL="0" rtl="0" algn="l">
               <a:spcBef>
                 <a:spcPts val="0"/>
               </a:spcBef>
@@ -992,10 +964,13 @@
               <a:buFont typeface="Arial"/>
               <a:buNone/>
             </a:pPr>
+            <a:r>
+              <a:t/>
+            </a:r>
             <a:endParaRPr/>
           </a:p>
           <a:p>
-            <a:pPr marL="0" lvl="0" indent="0" algn="l" rtl="0">
+            <a:pPr indent="0" lvl="0" marL="0" rtl="0" algn="l">
               <a:spcBef>
                 <a:spcPts val="0"/>
               </a:spcBef>
@@ -1016,7 +991,7 @@
             <a:endParaRPr/>
           </a:p>
           <a:p>
-            <a:pPr marL="0" lvl="0" indent="457200" algn="l" rtl="0">
+            <a:pPr indent="457200" lvl="0" marL="0" rtl="0" algn="l">
               <a:spcBef>
                 <a:spcPts val="0"/>
               </a:spcBef>
@@ -1037,7 +1012,7 @@
             <a:endParaRPr/>
           </a:p>
           <a:p>
-            <a:pPr marL="0" lvl="0" indent="0" algn="l" rtl="0">
+            <a:pPr indent="0" lvl="0" marL="0" rtl="0" algn="l">
               <a:spcBef>
                 <a:spcPts val="0"/>
               </a:spcBef>
@@ -1051,10 +1026,13 @@
               <a:buFont typeface="Arial"/>
               <a:buNone/>
             </a:pPr>
+            <a:r>
+              <a:t/>
+            </a:r>
             <a:endParaRPr/>
           </a:p>
           <a:p>
-            <a:pPr marL="0" lvl="0" indent="0" algn="l" rtl="0">
+            <a:pPr indent="0" lvl="0" marL="0" rtl="0" algn="l">
               <a:spcBef>
                 <a:spcPts val="0"/>
               </a:spcBef>
@@ -1070,12 +1048,20 @@
             </a:pPr>
             <a:r>
               <a:rPr lang="el"/>
-              <a:t>Ανοιχτό για ποδήλατα εκτός εταιρείας </a:t>
+              <a:t>Ανοιχτό για ποδήλατα εκτός </a:t>
+            </a:r>
+            <a:r>
+              <a:rPr lang="el"/>
+              <a:t>εταιρείας</a:t>
+            </a:r>
+            <a:r>
+              <a:rPr lang="el"/>
+              <a:t> </a:t>
             </a:r>
             <a:endParaRPr/>
           </a:p>
           <a:p>
-            <a:pPr marL="0" lvl="0" indent="457200" algn="l" rtl="0">
+            <a:pPr indent="457200" lvl="0" marL="0" rtl="0" algn="l">
               <a:spcBef>
                 <a:spcPts val="0"/>
               </a:spcBef>
@@ -1096,7 +1082,7 @@
             <a:endParaRPr/>
           </a:p>
           <a:p>
-            <a:pPr marL="0" lvl="0" indent="0" algn="l" rtl="0">
+            <a:pPr indent="0" lvl="0" marL="0" rtl="0" algn="l">
               <a:spcBef>
                 <a:spcPts val="0"/>
               </a:spcBef>
@@ -1110,18 +1096,24 @@
               <a:buFont typeface="Arial"/>
               <a:buNone/>
             </a:pPr>
+            <a:r>
+              <a:t/>
+            </a:r>
             <a:endParaRPr/>
           </a:p>
           <a:p>
-            <a:pPr marL="0" lvl="0" indent="0" algn="l" rtl="0">
-              <a:spcBef>
-                <a:spcPts val="0"/>
-              </a:spcBef>
-              <a:spcAft>
-                <a:spcPts val="0"/>
-              </a:spcAft>
-              <a:buNone/>
-            </a:pPr>
+            <a:pPr indent="0" lvl="0" marL="0" rtl="0" algn="l">
+              <a:spcBef>
+                <a:spcPts val="0"/>
+              </a:spcBef>
+              <a:spcAft>
+                <a:spcPts val="0"/>
+              </a:spcAft>
+              <a:buNone/>
+            </a:pPr>
+            <a:r>
+              <a:t/>
+            </a:r>
             <a:endParaRPr/>
           </a:p>
         </p:txBody>
@@ -1135,11 +1127,11 @@
 </file>
 
 <file path=ppt/notesSlides/notesSlide3.xml><?xml version="1.0" encoding="utf-8"?>
-<p:notes xmlns:a="http://schemas.openxmlformats.org/drawingml/2006/main" xmlns:r="http://schemas.openxmlformats.org/officeDocument/2006/relationships" xmlns:p="http://schemas.openxmlformats.org/presentationml/2006/main" showMasterSp="0" showMasterPhAnim="0">
+<p:notes xmlns:a="http://schemas.openxmlformats.org/drawingml/2006/main" xmlns:r="http://schemas.openxmlformats.org/officeDocument/2006/relationships" xmlns:mc="http://schemas.openxmlformats.org/markup-compatibility/2006" xmlns:mv="urn:schemas-microsoft-com:mac:vml" xmlns:p="http://schemas.openxmlformats.org/presentationml/2006/main" xmlns:c="http://schemas.openxmlformats.org/drawingml/2006/chart" xmlns:dgm="http://schemas.openxmlformats.org/drawingml/2006/diagram" xmlns:o="urn:schemas-microsoft-com:office:office" xmlns:v="urn:schemas-microsoft-com:vml" xmlns:pvml="urn:schemas-microsoft-com:office:powerpoint" xmlns:com="http://schemas.openxmlformats.org/drawingml/2006/compatibility" xmlns:p14="http://schemas.microsoft.com/office/powerpoint/2010/main" xmlns:p15="http://schemas.microsoft.com/office/powerpoint/2012/main" xmlns:ahyp="http://schemas.microsoft.com/office/drawing/2018/hyperlinkcolor" showMasterPhAnim="0" showMasterSp="0">
   <p:cSld>
     <p:spTree>
       <p:nvGrpSpPr>
-        <p:cNvPr id="1" name="Shape 69"/>
+        <p:cNvPr id="70" name="Shape 70"/>
         <p:cNvGrpSpPr/>
         <p:nvPr/>
       </p:nvGrpSpPr>
@@ -1153,12 +1145,10 @@
       </p:grpSpPr>
       <p:sp>
         <p:nvSpPr>
-          <p:cNvPr id="70" name="Google Shape;70;gfa5ed415d0_0_5:notes"/>
-          <p:cNvSpPr>
-            <a:spLocks noGrp="1" noRot="1" noChangeAspect="1"/>
-          </p:cNvSpPr>
+          <p:cNvPr id="71" name="Google Shape;71;gfa5ed415d0_0_5:notes"/>
+          <p:cNvSpPr/>
           <p:nvPr>
-            <p:ph type="sldImg" idx="2"/>
+            <p:ph idx="2" type="sldImg"/>
           </p:nvPr>
         </p:nvSpPr>
         <p:spPr>
@@ -1167,13 +1157,9 @@
             <a:ext cx="6096000" cy="3429000"/>
           </a:xfrm>
           <a:custGeom>
-            <a:avLst/>
-            <a:gdLst/>
-            <a:ahLst/>
-            <a:cxnLst/>
-            <a:rect l="l" t="t" r="r" b="b"/>
+            <a:rect b="b" l="l" r="r" t="t"/>
             <a:pathLst>
-              <a:path w="120000" h="120000" extrusionOk="0">
+              <a:path extrusionOk="0" h="120000" w="120000">
                 <a:moveTo>
                   <a:pt x="0" y="0"/>
                 </a:moveTo>
@@ -1194,12 +1180,10 @@
       </p:sp>
       <p:sp>
         <p:nvSpPr>
-          <p:cNvPr id="71" name="Google Shape;71;gfa5ed415d0_0_5:notes"/>
-          <p:cNvSpPr txBox="1">
-            <a:spLocks noGrp="1"/>
-          </p:cNvSpPr>
+          <p:cNvPr id="72" name="Google Shape;72;gfa5ed415d0_0_5:notes"/>
+          <p:cNvSpPr txBox="1"/>
           <p:nvPr>
-            <p:ph type="body" idx="1"/>
+            <p:ph idx="1" type="body"/>
           </p:nvPr>
         </p:nvSpPr>
         <p:spPr>
@@ -1212,12 +1196,12 @@
           </a:prstGeom>
         </p:spPr>
         <p:txBody>
-          <a:bodyPr spcFirstLastPara="1" wrap="square" lIns="91425" tIns="91425" rIns="91425" bIns="91425" anchor="t" anchorCtr="0">
+          <a:bodyPr anchorCtr="0" anchor="t" bIns="91425" lIns="91425" spcFirstLastPara="1" rIns="91425" wrap="square" tIns="91425">
             <a:noAutofit/>
           </a:bodyPr>
           <a:lstStyle/>
           <a:p>
-            <a:pPr marL="0" lvl="0" indent="0" algn="l" rtl="0">
+            <a:pPr indent="0" lvl="0" marL="0" rtl="0" algn="l">
               <a:spcBef>
                 <a:spcPts val="0"/>
               </a:spcBef>
@@ -1246,7 +1230,7 @@
             </a:endParaRPr>
           </a:p>
           <a:p>
-            <a:pPr marL="0" lvl="0" indent="0" algn="l" rtl="0">
+            <a:pPr indent="0" lvl="0" marL="0" rtl="0" algn="l">
               <a:spcBef>
                 <a:spcPts val="0"/>
               </a:spcBef>
@@ -1290,7 +1274,7 @@
             </a:endParaRPr>
           </a:p>
           <a:p>
-            <a:pPr marL="0" lvl="0" indent="0" algn="l" rtl="0">
+            <a:pPr indent="0" lvl="0" marL="0" rtl="0" algn="l">
               <a:spcBef>
                 <a:spcPts val="0"/>
               </a:spcBef>
@@ -1319,7 +1303,7 @@
             </a:endParaRPr>
           </a:p>
           <a:p>
-            <a:pPr marL="0" lvl="0" indent="0" algn="l" rtl="0">
+            <a:pPr indent="0" lvl="0" marL="0" rtl="0" algn="l">
               <a:spcBef>
                 <a:spcPts val="0"/>
               </a:spcBef>
@@ -1333,6 +1317,9 @@
               <a:buFont typeface="Arial"/>
               <a:buNone/>
             </a:pPr>
+            <a:r>
+              <a:t/>
+            </a:r>
             <a:endParaRPr sz="1200">
               <a:solidFill>
                 <a:schemeClr val="dk1"/>
@@ -1340,15 +1327,18 @@
             </a:endParaRPr>
           </a:p>
           <a:p>
-            <a:pPr marL="0" lvl="0" indent="0" algn="l" rtl="0">
-              <a:spcBef>
-                <a:spcPts val="0"/>
-              </a:spcBef>
-              <a:spcAft>
-                <a:spcPts val="0"/>
-              </a:spcAft>
-              <a:buNone/>
-            </a:pPr>
+            <a:pPr indent="0" lvl="0" marL="0" rtl="0" algn="l">
+              <a:spcBef>
+                <a:spcPts val="0"/>
+              </a:spcBef>
+              <a:spcAft>
+                <a:spcPts val="0"/>
+              </a:spcAft>
+              <a:buNone/>
+            </a:pPr>
+            <a:r>
+              <a:t/>
+            </a:r>
             <a:endParaRPr sz="1200">
               <a:solidFill>
                 <a:schemeClr val="dk1"/>
@@ -1366,11 +1356,11 @@
 </file>
 
 <file path=ppt/notesSlides/notesSlide4.xml><?xml version="1.0" encoding="utf-8"?>
-<p:notes xmlns:a="http://schemas.openxmlformats.org/drawingml/2006/main" xmlns:r="http://schemas.openxmlformats.org/officeDocument/2006/relationships" xmlns:p="http://schemas.openxmlformats.org/presentationml/2006/main" showMasterSp="0" showMasterPhAnim="0">
+<p:notes xmlns:a="http://schemas.openxmlformats.org/drawingml/2006/main" xmlns:r="http://schemas.openxmlformats.org/officeDocument/2006/relationships" xmlns:mc="http://schemas.openxmlformats.org/markup-compatibility/2006" xmlns:mv="urn:schemas-microsoft-com:mac:vml" xmlns:p="http://schemas.openxmlformats.org/presentationml/2006/main" xmlns:c="http://schemas.openxmlformats.org/drawingml/2006/chart" xmlns:dgm="http://schemas.openxmlformats.org/drawingml/2006/diagram" xmlns:o="urn:schemas-microsoft-com:office:office" xmlns:v="urn:schemas-microsoft-com:vml" xmlns:pvml="urn:schemas-microsoft-com:office:powerpoint" xmlns:com="http://schemas.openxmlformats.org/drawingml/2006/compatibility" xmlns:p14="http://schemas.microsoft.com/office/powerpoint/2010/main" xmlns:p15="http://schemas.microsoft.com/office/powerpoint/2012/main" xmlns:ahyp="http://schemas.microsoft.com/office/drawing/2018/hyperlinkcolor" showMasterPhAnim="0" showMasterSp="0">
   <p:cSld>
     <p:spTree>
       <p:nvGrpSpPr>
-        <p:cNvPr id="1" name="Shape 77"/>
+        <p:cNvPr id="78" name="Shape 78"/>
         <p:cNvGrpSpPr/>
         <p:nvPr/>
       </p:nvGrpSpPr>
@@ -1384,12 +1374,10 @@
       </p:grpSpPr>
       <p:sp>
         <p:nvSpPr>
-          <p:cNvPr id="78" name="Google Shape;78;gfa5ed415d0_0_625:notes"/>
-          <p:cNvSpPr>
-            <a:spLocks noGrp="1" noRot="1" noChangeAspect="1"/>
-          </p:cNvSpPr>
+          <p:cNvPr id="79" name="Google Shape;79;gfa5ed415d0_0_625:notes"/>
+          <p:cNvSpPr/>
           <p:nvPr>
-            <p:ph type="sldImg" idx="2"/>
+            <p:ph idx="2" type="sldImg"/>
           </p:nvPr>
         </p:nvSpPr>
         <p:spPr>
@@ -1398,13 +1386,9 @@
             <a:ext cx="6096000" cy="3429000"/>
           </a:xfrm>
           <a:custGeom>
-            <a:avLst/>
-            <a:gdLst/>
-            <a:ahLst/>
-            <a:cxnLst/>
-            <a:rect l="l" t="t" r="r" b="b"/>
+            <a:rect b="b" l="l" r="r" t="t"/>
             <a:pathLst>
-              <a:path w="120000" h="120000" extrusionOk="0">
+              <a:path extrusionOk="0" h="120000" w="120000">
                 <a:moveTo>
                   <a:pt x="0" y="0"/>
                 </a:moveTo>
@@ -1425,12 +1409,10 @@
       </p:sp>
       <p:sp>
         <p:nvSpPr>
-          <p:cNvPr id="79" name="Google Shape;79;gfa5ed415d0_0_625:notes"/>
-          <p:cNvSpPr txBox="1">
-            <a:spLocks noGrp="1"/>
-          </p:cNvSpPr>
+          <p:cNvPr id="80" name="Google Shape;80;gfa5ed415d0_0_625:notes"/>
+          <p:cNvSpPr txBox="1"/>
           <p:nvPr>
-            <p:ph type="body" idx="1"/>
+            <p:ph idx="1" type="body"/>
           </p:nvPr>
         </p:nvSpPr>
         <p:spPr>
@@ -1443,12 +1425,12 @@
           </a:prstGeom>
         </p:spPr>
         <p:txBody>
-          <a:bodyPr spcFirstLastPara="1" wrap="square" lIns="91425" tIns="91425" rIns="91425" bIns="91425" anchor="t" anchorCtr="0">
+          <a:bodyPr anchorCtr="0" anchor="t" bIns="91425" lIns="91425" spcFirstLastPara="1" rIns="91425" wrap="square" tIns="91425">
             <a:noAutofit/>
           </a:bodyPr>
           <a:lstStyle/>
           <a:p>
-            <a:pPr marL="0" lvl="0" indent="0" algn="l" rtl="0">
+            <a:pPr indent="0" lvl="0" marL="0" rtl="0" algn="l">
               <a:spcBef>
                 <a:spcPts val="0"/>
               </a:spcBef>
@@ -1488,19 +1470,22 @@
             <a:endParaRPr/>
           </a:p>
           <a:p>
-            <a:pPr marL="0" lvl="0" indent="0" algn="l" rtl="0">
-              <a:spcBef>
-                <a:spcPts val="0"/>
-              </a:spcBef>
-              <a:spcAft>
-                <a:spcPts val="0"/>
-              </a:spcAft>
-              <a:buNone/>
-            </a:pPr>
+            <a:pPr indent="0" lvl="0" marL="0" rtl="0" algn="l">
+              <a:spcBef>
+                <a:spcPts val="0"/>
+              </a:spcBef>
+              <a:spcAft>
+                <a:spcPts val="0"/>
+              </a:spcAft>
+              <a:buNone/>
+            </a:pPr>
+            <a:r>
+              <a:t/>
+            </a:r>
             <a:endParaRPr/>
           </a:p>
           <a:p>
-            <a:pPr marL="457200" lvl="0" indent="-298450" algn="l" rtl="0">
+            <a:pPr indent="-298450" lvl="0" marL="457200" rtl="0" algn="l">
               <a:spcBef>
                 <a:spcPts val="0"/>
               </a:spcBef>
@@ -1534,7 +1519,7 @@
             </a:endParaRPr>
           </a:p>
           <a:p>
-            <a:pPr marL="457200" lvl="0" indent="-298450" algn="l" rtl="0">
+            <a:pPr indent="-298450" lvl="0" marL="457200" rtl="0" algn="l">
               <a:spcBef>
                 <a:spcPts val="0"/>
               </a:spcBef>
@@ -1556,7 +1541,29 @@
                   <a:schemeClr val="accent4"/>
                 </a:highlight>
               </a:rPr>
-              <a:t>Οταν το ποσοστό μπαταρίας είναι χαμηλό να προτείνουμε στον χρήστη να κάνει αλλαγή στον κοντινότερο σταθμό</a:t>
+              <a:t>Οταν το ποσοστό μπαταρίας είναι </a:t>
+            </a:r>
+            <a:r>
+              <a:rPr lang="el">
+                <a:solidFill>
+                  <a:srgbClr val="FF0000"/>
+                </a:solidFill>
+                <a:highlight>
+                  <a:schemeClr val="accent4"/>
+                </a:highlight>
+              </a:rPr>
+              <a:t>χαμηλό</a:t>
+            </a:r>
+            <a:r>
+              <a:rPr lang="el">
+                <a:solidFill>
+                  <a:srgbClr val="FF0000"/>
+                </a:solidFill>
+                <a:highlight>
+                  <a:schemeClr val="accent4"/>
+                </a:highlight>
+              </a:rPr>
+              <a:t> να προτείνουμε στον χρήστη να κάνει αλλαγή στον κοντινότερο σταθμό</a:t>
             </a:r>
             <a:endParaRPr>
               <a:solidFill>
@@ -1568,7 +1575,7 @@
             </a:endParaRPr>
           </a:p>
           <a:p>
-            <a:pPr marL="457200" lvl="0" indent="-298450" algn="l" rtl="0">
+            <a:pPr indent="-298450" lvl="0" marL="457200" rtl="0" algn="l">
               <a:spcBef>
                 <a:spcPts val="0"/>
               </a:spcBef>
@@ -1596,7 +1603,7 @@
             </a:endParaRPr>
           </a:p>
           <a:p>
-            <a:pPr marL="457200" lvl="0" indent="-298450" algn="l" rtl="0">
+            <a:pPr indent="-298450" lvl="0" marL="457200" rtl="0" algn="l">
               <a:spcBef>
                 <a:spcPts val="0"/>
               </a:spcBef>
@@ -1630,19 +1637,22 @@
             </a:endParaRPr>
           </a:p>
           <a:p>
-            <a:pPr marL="0" lvl="0" indent="0" algn="l" rtl="0">
-              <a:spcBef>
-                <a:spcPts val="0"/>
-              </a:spcBef>
-              <a:spcAft>
-                <a:spcPts val="0"/>
-              </a:spcAft>
-              <a:buNone/>
-            </a:pPr>
+            <a:pPr indent="0" lvl="0" marL="0" rtl="0" algn="l">
+              <a:spcBef>
+                <a:spcPts val="0"/>
+              </a:spcBef>
+              <a:spcAft>
+                <a:spcPts val="0"/>
+              </a:spcAft>
+              <a:buNone/>
+            </a:pPr>
+            <a:r>
+              <a:t/>
+            </a:r>
             <a:endParaRPr/>
           </a:p>
           <a:p>
-            <a:pPr marL="457200" lvl="0" indent="-298450" algn="l" rtl="0">
+            <a:pPr indent="-298450" lvl="0" marL="457200" rtl="0" algn="l">
               <a:spcBef>
                 <a:spcPts val="0"/>
               </a:spcBef>
@@ -1659,7 +1669,7 @@
             <a:endParaRPr/>
           </a:p>
           <a:p>
-            <a:pPr marL="457200" lvl="0" indent="-298450" algn="l" rtl="0">
+            <a:pPr indent="-298450" lvl="0" marL="457200" rtl="0" algn="l">
               <a:spcBef>
                 <a:spcPts val="0"/>
               </a:spcBef>
@@ -1687,7 +1697,7 @@
             </a:endParaRPr>
           </a:p>
           <a:p>
-            <a:pPr marL="457200" lvl="0" indent="-298450" algn="l" rtl="0">
+            <a:pPr indent="-298450" lvl="0" marL="457200" rtl="0" algn="l">
               <a:spcBef>
                 <a:spcPts val="0"/>
               </a:spcBef>
@@ -1721,7 +1731,7 @@
             </a:endParaRPr>
           </a:p>
           <a:p>
-            <a:pPr marL="457200" lvl="0" indent="-298450" algn="l" rtl="0">
+            <a:pPr indent="-298450" lvl="0" marL="457200" rtl="0" algn="l">
               <a:spcBef>
                 <a:spcPts val="0"/>
               </a:spcBef>
@@ -1755,7 +1765,7 @@
             </a:endParaRPr>
           </a:p>
           <a:p>
-            <a:pPr marL="457200" lvl="0" indent="-298450" algn="l" rtl="0">
+            <a:pPr indent="-298450" lvl="0" marL="457200" rtl="0" algn="l">
               <a:spcBef>
                 <a:spcPts val="0"/>
               </a:spcBef>
@@ -1789,19 +1799,22 @@
             </a:endParaRPr>
           </a:p>
           <a:p>
-            <a:pPr marL="0" lvl="0" indent="0" algn="l" rtl="0">
-              <a:spcBef>
-                <a:spcPts val="0"/>
-              </a:spcBef>
-              <a:spcAft>
-                <a:spcPts val="0"/>
-              </a:spcAft>
-              <a:buNone/>
-            </a:pPr>
+            <a:pPr indent="0" lvl="0" marL="0" rtl="0" algn="l">
+              <a:spcBef>
+                <a:spcPts val="0"/>
+              </a:spcBef>
+              <a:spcAft>
+                <a:spcPts val="0"/>
+              </a:spcAft>
+              <a:buNone/>
+            </a:pPr>
+            <a:r>
+              <a:t/>
+            </a:r>
             <a:endParaRPr/>
           </a:p>
           <a:p>
-            <a:pPr marL="457200" lvl="0" indent="-298450" algn="l" rtl="0">
+            <a:pPr indent="-298450" lvl="0" marL="457200" rtl="0" algn="l">
               <a:spcBef>
                 <a:spcPts val="0"/>
               </a:spcBef>
@@ -1818,7 +1831,7 @@
             <a:endParaRPr/>
           </a:p>
           <a:p>
-            <a:pPr marL="457200" lvl="0" indent="-298450" algn="l" rtl="0">
+            <a:pPr indent="-298450" lvl="0" marL="457200" rtl="0" algn="l">
               <a:spcBef>
                 <a:spcPts val="0"/>
               </a:spcBef>
@@ -1846,7 +1859,7 @@
             </a:endParaRPr>
           </a:p>
           <a:p>
-            <a:pPr marL="457200" lvl="0" indent="-298450" algn="l" rtl="0">
+            <a:pPr indent="-298450" lvl="0" marL="457200" rtl="0" algn="l">
               <a:spcBef>
                 <a:spcPts val="0"/>
               </a:spcBef>
@@ -1863,7 +1876,7 @@
             <a:endParaRPr/>
           </a:p>
           <a:p>
-            <a:pPr marL="457200" lvl="0" indent="-298450" algn="l" rtl="0">
+            <a:pPr indent="-298450" lvl="0" marL="457200" rtl="0" algn="l">
               <a:spcBef>
                 <a:spcPts val="0"/>
               </a:spcBef>
@@ -1897,7 +1910,7 @@
             </a:endParaRPr>
           </a:p>
           <a:p>
-            <a:pPr marL="457200" lvl="0" indent="0" algn="l" rtl="0">
+            <a:pPr indent="0" lvl="0" marL="457200" rtl="0" algn="l">
               <a:spcBef>
                 <a:spcPts val="0"/>
               </a:spcBef>
@@ -1921,19 +1934,22 @@
             </a:endParaRPr>
           </a:p>
           <a:p>
-            <a:pPr marL="0" lvl="0" indent="0" algn="l" rtl="0">
-              <a:spcBef>
-                <a:spcPts val="0"/>
-              </a:spcBef>
-              <a:spcAft>
-                <a:spcPts val="0"/>
-              </a:spcAft>
-              <a:buNone/>
-            </a:pPr>
+            <a:pPr indent="0" lvl="0" marL="0" rtl="0" algn="l">
+              <a:spcBef>
+                <a:spcPts val="0"/>
+              </a:spcBef>
+              <a:spcAft>
+                <a:spcPts val="0"/>
+              </a:spcAft>
+              <a:buNone/>
+            </a:pPr>
+            <a:r>
+              <a:t/>
+            </a:r>
             <a:endParaRPr/>
           </a:p>
           <a:p>
-            <a:pPr marL="457200" lvl="0" indent="-298450" algn="l" rtl="0">
+            <a:pPr indent="-298450" lvl="0" marL="457200" rtl="0" algn="l">
               <a:spcBef>
                 <a:spcPts val="0"/>
               </a:spcBef>
@@ -1945,12 +1961,20 @@
             </a:pPr>
             <a:r>
               <a:rPr lang="el"/>
-              <a:t>Υπάρχει η δυνατότητα φόρτισης/φύλαξης ποδηλάτου που δεν είναι δικό μας (συγκεκριμένες θέσεις για να διατίθενται οι περισσότερες για τα ποδήλατα της εταιρείας) με κατάλληλη χρέωση.</a:t>
+              <a:t>Υπάρχει η δυνατότητα φόρτισης/φύλαξης ποδηλάτου που δεν είναι δικό μας (συγκεκριμένες θέσεις για να διατίθενται οι περισσότερες για τα ποδήλατα της </a:t>
+            </a:r>
+            <a:r>
+              <a:rPr lang="el"/>
+              <a:t>εταιρείας</a:t>
+            </a:r>
+            <a:r>
+              <a:rPr lang="el"/>
+              <a:t>) με κατάλληλη χρέωση.</a:t>
             </a:r>
             <a:endParaRPr/>
           </a:p>
           <a:p>
-            <a:pPr marL="457200" lvl="0" indent="-298450" algn="l" rtl="0">
+            <a:pPr indent="-298450" lvl="0" marL="457200" rtl="0" algn="l">
               <a:spcBef>
                 <a:spcPts val="0"/>
               </a:spcBef>
@@ -1975,7 +1999,7 @@
             </a:endParaRPr>
           </a:p>
           <a:p>
-            <a:pPr marL="457200" lvl="0" indent="-298450" algn="l" rtl="0">
+            <a:pPr indent="-298450" lvl="0" marL="457200" rtl="0" algn="l">
               <a:spcBef>
                 <a:spcPts val="0"/>
               </a:spcBef>
@@ -1992,7 +2016,7 @@
             <a:endParaRPr/>
           </a:p>
           <a:p>
-            <a:pPr marL="457200" lvl="0" indent="-298450" algn="l" rtl="0">
+            <a:pPr indent="-298450" lvl="0" marL="457200" rtl="0" algn="l">
               <a:spcBef>
                 <a:spcPts val="0"/>
               </a:spcBef>
@@ -2009,7 +2033,7 @@
             <a:endParaRPr/>
           </a:p>
           <a:p>
-            <a:pPr marL="457200" lvl="0" indent="-298450" algn="l" rtl="0">
+            <a:pPr indent="-298450" lvl="0" marL="457200" rtl="0" algn="l">
               <a:spcBef>
                 <a:spcPts val="0"/>
               </a:spcBef>
@@ -2043,7 +2067,7 @@
             </a:endParaRPr>
           </a:p>
           <a:p>
-            <a:pPr marL="457200" lvl="0" indent="-298450" algn="l" rtl="0">
+            <a:pPr indent="-298450" lvl="0" marL="457200" rtl="0" algn="l">
               <a:spcBef>
                 <a:spcPts val="0"/>
               </a:spcBef>
@@ -2060,7 +2084,7 @@
             <a:endParaRPr/>
           </a:p>
           <a:p>
-            <a:pPr marL="457200" lvl="0" indent="-298450" algn="l" rtl="0">
+            <a:pPr indent="-298450" lvl="0" marL="457200" rtl="0" algn="l">
               <a:spcBef>
                 <a:spcPts val="0"/>
               </a:spcBef>
@@ -2070,10 +2094,13 @@
               <a:buSzPts val="1100"/>
               <a:buChar char="●"/>
             </a:pPr>
+            <a:r>
+              <a:t/>
+            </a:r>
             <a:endParaRPr/>
           </a:p>
           <a:p>
-            <a:pPr marL="457200" lvl="0" indent="-298450" algn="l" rtl="0">
+            <a:pPr indent="-298450" lvl="0" marL="457200" rtl="0" algn="l">
               <a:spcBef>
                 <a:spcPts val="0"/>
               </a:spcBef>
@@ -2107,7 +2134,7 @@
             </a:endParaRPr>
           </a:p>
           <a:p>
-            <a:pPr marL="457200" lvl="0" indent="-298450" algn="l" rtl="0">
+            <a:pPr indent="-298450" lvl="0" marL="457200" rtl="0" algn="l">
               <a:spcBef>
                 <a:spcPts val="0"/>
               </a:spcBef>
@@ -2124,7 +2151,7 @@
             <a:endParaRPr/>
           </a:p>
           <a:p>
-            <a:pPr marL="457200" lvl="0" indent="-298450" algn="l" rtl="0">
+            <a:pPr indent="-298450" lvl="0" marL="457200" rtl="0" algn="l">
               <a:spcBef>
                 <a:spcPts val="0"/>
               </a:spcBef>
@@ -2152,7 +2179,7 @@
             </a:endParaRPr>
           </a:p>
           <a:p>
-            <a:pPr marL="457200" lvl="0" indent="-298450" algn="l" rtl="0">
+            <a:pPr indent="-298450" lvl="0" marL="457200" rtl="0" algn="l">
               <a:spcBef>
                 <a:spcPts val="0"/>
               </a:spcBef>
@@ -2169,7 +2196,7 @@
             <a:endParaRPr/>
           </a:p>
           <a:p>
-            <a:pPr marL="457200" lvl="0" indent="-298450" algn="l" rtl="0">
+            <a:pPr indent="-298450" lvl="0" marL="457200" rtl="0" algn="l">
               <a:spcBef>
                 <a:spcPts val="0"/>
               </a:spcBef>
@@ -2186,7 +2213,7 @@
             <a:endParaRPr/>
           </a:p>
           <a:p>
-            <a:pPr marL="457200" lvl="0" indent="0" algn="l" rtl="0">
+            <a:pPr indent="0" lvl="0" marL="457200" rtl="0" algn="l">
               <a:spcBef>
                 <a:spcPts val="0"/>
               </a:spcBef>
@@ -2212,11 +2239,11 @@
 </file>
 
 <file path=ppt/notesSlides/notesSlide5.xml><?xml version="1.0" encoding="utf-8"?>
-<p:notes xmlns:a="http://schemas.openxmlformats.org/drawingml/2006/main" xmlns:r="http://schemas.openxmlformats.org/officeDocument/2006/relationships" xmlns:p="http://schemas.openxmlformats.org/presentationml/2006/main" showMasterSp="0" showMasterPhAnim="0">
+<p:notes xmlns:a="http://schemas.openxmlformats.org/drawingml/2006/main" xmlns:r="http://schemas.openxmlformats.org/officeDocument/2006/relationships" xmlns:mc="http://schemas.openxmlformats.org/markup-compatibility/2006" xmlns:mv="urn:schemas-microsoft-com:mac:vml" xmlns:p="http://schemas.openxmlformats.org/presentationml/2006/main" xmlns:c="http://schemas.openxmlformats.org/drawingml/2006/chart" xmlns:dgm="http://schemas.openxmlformats.org/drawingml/2006/diagram" xmlns:o="urn:schemas-microsoft-com:office:office" xmlns:v="urn:schemas-microsoft-com:vml" xmlns:pvml="urn:schemas-microsoft-com:office:powerpoint" xmlns:com="http://schemas.openxmlformats.org/drawingml/2006/compatibility" xmlns:p14="http://schemas.microsoft.com/office/powerpoint/2010/main" xmlns:p15="http://schemas.microsoft.com/office/powerpoint/2012/main" xmlns:ahyp="http://schemas.microsoft.com/office/drawing/2018/hyperlinkcolor" showMasterPhAnim="0" showMasterSp="0">
   <p:cSld>
     <p:spTree>
       <p:nvGrpSpPr>
-        <p:cNvPr id="1" name="Shape 98"/>
+        <p:cNvPr id="93" name="Shape 93"/>
         <p:cNvGrpSpPr/>
         <p:nvPr/>
       </p:nvGrpSpPr>
@@ -2230,12 +2257,10 @@
       </p:grpSpPr>
       <p:sp>
         <p:nvSpPr>
-          <p:cNvPr id="99" name="Google Shape;99;g101162c9d9f_3_0:notes"/>
-          <p:cNvSpPr>
-            <a:spLocks noGrp="1" noRot="1" noChangeAspect="1"/>
-          </p:cNvSpPr>
+          <p:cNvPr id="94" name="Google Shape;94;g101162c9d9f_3_0:notes"/>
+          <p:cNvSpPr/>
           <p:nvPr>
-            <p:ph type="sldImg" idx="2"/>
+            <p:ph idx="2" type="sldImg"/>
           </p:nvPr>
         </p:nvSpPr>
         <p:spPr>
@@ -2244,13 +2269,9 @@
             <a:ext cx="6096000" cy="3429000"/>
           </a:xfrm>
           <a:custGeom>
-            <a:avLst/>
-            <a:gdLst/>
-            <a:ahLst/>
-            <a:cxnLst/>
-            <a:rect l="l" t="t" r="r" b="b"/>
+            <a:rect b="b" l="l" r="r" t="t"/>
             <a:pathLst>
-              <a:path w="120000" h="120000" extrusionOk="0">
+              <a:path extrusionOk="0" h="120000" w="120000">
                 <a:moveTo>
                   <a:pt x="0" y="0"/>
                 </a:moveTo>
@@ -2271,12 +2292,10 @@
       </p:sp>
       <p:sp>
         <p:nvSpPr>
-          <p:cNvPr id="100" name="Google Shape;100;g101162c9d9f_3_0:notes"/>
-          <p:cNvSpPr txBox="1">
-            <a:spLocks noGrp="1"/>
-          </p:cNvSpPr>
+          <p:cNvPr id="95" name="Google Shape;95;g101162c9d9f_3_0:notes"/>
+          <p:cNvSpPr txBox="1"/>
           <p:nvPr>
-            <p:ph type="body" idx="1"/>
+            <p:ph idx="1" type="body"/>
           </p:nvPr>
         </p:nvSpPr>
         <p:spPr>
@@ -2289,20 +2308,23 @@
           </a:prstGeom>
         </p:spPr>
         <p:txBody>
-          <a:bodyPr spcFirstLastPara="1" wrap="square" lIns="91425" tIns="91425" rIns="91425" bIns="91425" anchor="t" anchorCtr="0">
+          <a:bodyPr anchorCtr="0" anchor="t" bIns="91425" lIns="91425" spcFirstLastPara="1" rIns="91425" wrap="square" tIns="91425">
             <a:noAutofit/>
           </a:bodyPr>
           <a:lstStyle/>
           <a:p>
-            <a:pPr marL="0" lvl="0" indent="0" algn="l" rtl="0">
-              <a:spcBef>
-                <a:spcPts val="0"/>
-              </a:spcBef>
-              <a:spcAft>
-                <a:spcPts val="0"/>
-              </a:spcAft>
-              <a:buNone/>
-            </a:pPr>
+            <a:pPr indent="0" lvl="0" marL="0" rtl="0" algn="l">
+              <a:spcBef>
+                <a:spcPts val="0"/>
+              </a:spcBef>
+              <a:spcAft>
+                <a:spcPts val="0"/>
+              </a:spcAft>
+              <a:buNone/>
+            </a:pPr>
+            <a:r>
+              <a:t/>
+            </a:r>
             <a:endParaRPr/>
           </a:p>
         </p:txBody>
@@ -2316,11 +2338,11 @@
 </file>
 
 <file path=ppt/notesSlides/notesSlide6.xml><?xml version="1.0" encoding="utf-8"?>
-<p:notes xmlns:a="http://schemas.openxmlformats.org/drawingml/2006/main" xmlns:r="http://schemas.openxmlformats.org/officeDocument/2006/relationships" xmlns:p="http://schemas.openxmlformats.org/presentationml/2006/main" showMasterSp="0" showMasterPhAnim="0">
+<p:notes xmlns:a="http://schemas.openxmlformats.org/drawingml/2006/main" xmlns:r="http://schemas.openxmlformats.org/officeDocument/2006/relationships" xmlns:mc="http://schemas.openxmlformats.org/markup-compatibility/2006" xmlns:mv="urn:schemas-microsoft-com:mac:vml" xmlns:p="http://schemas.openxmlformats.org/presentationml/2006/main" xmlns:c="http://schemas.openxmlformats.org/drawingml/2006/chart" xmlns:dgm="http://schemas.openxmlformats.org/drawingml/2006/diagram" xmlns:o="urn:schemas-microsoft-com:office:office" xmlns:v="urn:schemas-microsoft-com:vml" xmlns:pvml="urn:schemas-microsoft-com:office:powerpoint" xmlns:com="http://schemas.openxmlformats.org/drawingml/2006/compatibility" xmlns:p14="http://schemas.microsoft.com/office/powerpoint/2010/main" xmlns:p15="http://schemas.microsoft.com/office/powerpoint/2012/main" xmlns:ahyp="http://schemas.microsoft.com/office/drawing/2018/hyperlinkcolor" showMasterPhAnim="0" showMasterSp="0">
   <p:cSld>
     <p:spTree>
       <p:nvGrpSpPr>
-        <p:cNvPr id="1" name="Shape 111"/>
+        <p:cNvPr id="99" name="Shape 99"/>
         <p:cNvGrpSpPr/>
         <p:nvPr/>
       </p:nvGrpSpPr>
@@ -2334,12 +2356,10 @@
       </p:grpSpPr>
       <p:sp>
         <p:nvSpPr>
-          <p:cNvPr id="112" name="Google Shape;112;g101162c9d9f_1_3:notes"/>
-          <p:cNvSpPr>
-            <a:spLocks noGrp="1" noRot="1" noChangeAspect="1"/>
-          </p:cNvSpPr>
+          <p:cNvPr id="100" name="Google Shape;100;g101162c9d9f_1_3:notes"/>
+          <p:cNvSpPr/>
           <p:nvPr>
-            <p:ph type="sldImg" idx="2"/>
+            <p:ph idx="2" type="sldImg"/>
           </p:nvPr>
         </p:nvSpPr>
         <p:spPr>
@@ -2348,13 +2368,9 @@
             <a:ext cx="6096000" cy="3429000"/>
           </a:xfrm>
           <a:custGeom>
-            <a:avLst/>
-            <a:gdLst/>
-            <a:ahLst/>
-            <a:cxnLst/>
-            <a:rect l="l" t="t" r="r" b="b"/>
+            <a:rect b="b" l="l" r="r" t="t"/>
             <a:pathLst>
-              <a:path w="120000" h="120000" extrusionOk="0">
+              <a:path extrusionOk="0" h="120000" w="120000">
                 <a:moveTo>
                   <a:pt x="0" y="0"/>
                 </a:moveTo>
@@ -2375,12 +2391,10 @@
       </p:sp>
       <p:sp>
         <p:nvSpPr>
-          <p:cNvPr id="113" name="Google Shape;113;g101162c9d9f_1_3:notes"/>
-          <p:cNvSpPr txBox="1">
-            <a:spLocks noGrp="1"/>
-          </p:cNvSpPr>
+          <p:cNvPr id="101" name="Google Shape;101;g101162c9d9f_1_3:notes"/>
+          <p:cNvSpPr txBox="1"/>
           <p:nvPr>
-            <p:ph type="body" idx="1"/>
+            <p:ph idx="1" type="body"/>
           </p:nvPr>
         </p:nvSpPr>
         <p:spPr>
@@ -2393,20 +2407,23 @@
           </a:prstGeom>
         </p:spPr>
         <p:txBody>
-          <a:bodyPr spcFirstLastPara="1" wrap="square" lIns="91425" tIns="91425" rIns="91425" bIns="91425" anchor="t" anchorCtr="0">
+          <a:bodyPr anchorCtr="0" anchor="t" bIns="91425" lIns="91425" spcFirstLastPara="1" rIns="91425" wrap="square" tIns="91425">
             <a:noAutofit/>
           </a:bodyPr>
           <a:lstStyle/>
           <a:p>
-            <a:pPr marL="0" lvl="0" indent="0" algn="l" rtl="0">
-              <a:spcBef>
-                <a:spcPts val="0"/>
-              </a:spcBef>
-              <a:spcAft>
-                <a:spcPts val="0"/>
-              </a:spcAft>
-              <a:buNone/>
-            </a:pPr>
+            <a:pPr indent="0" lvl="0" marL="0" rtl="0" algn="l">
+              <a:spcBef>
+                <a:spcPts val="0"/>
+              </a:spcBef>
+              <a:spcAft>
+                <a:spcPts val="0"/>
+              </a:spcAft>
+              <a:buNone/>
+            </a:pPr>
+            <a:r>
+              <a:t/>
+            </a:r>
             <a:endParaRPr/>
           </a:p>
         </p:txBody>
@@ -2420,11 +2437,11 @@
 </file>
 
 <file path=ppt/notesSlides/notesSlide7.xml><?xml version="1.0" encoding="utf-8"?>
-<p:notes xmlns:a="http://schemas.openxmlformats.org/drawingml/2006/main" xmlns:r="http://schemas.openxmlformats.org/officeDocument/2006/relationships" xmlns:p="http://schemas.openxmlformats.org/presentationml/2006/main" showMasterSp="0" showMasterPhAnim="0">
+<p:notes xmlns:a="http://schemas.openxmlformats.org/drawingml/2006/main" xmlns:r="http://schemas.openxmlformats.org/officeDocument/2006/relationships" xmlns:mc="http://schemas.openxmlformats.org/markup-compatibility/2006" xmlns:mv="urn:schemas-microsoft-com:mac:vml" xmlns:p="http://schemas.openxmlformats.org/presentationml/2006/main" xmlns:c="http://schemas.openxmlformats.org/drawingml/2006/chart" xmlns:dgm="http://schemas.openxmlformats.org/drawingml/2006/diagram" xmlns:o="urn:schemas-microsoft-com:office:office" xmlns:v="urn:schemas-microsoft-com:vml" xmlns:pvml="urn:schemas-microsoft-com:office:powerpoint" xmlns:com="http://schemas.openxmlformats.org/drawingml/2006/compatibility" xmlns:p14="http://schemas.microsoft.com/office/powerpoint/2010/main" xmlns:p15="http://schemas.microsoft.com/office/powerpoint/2012/main" xmlns:ahyp="http://schemas.microsoft.com/office/drawing/2018/hyperlinkcolor" showMasterPhAnim="0" showMasterSp="0">
   <p:cSld>
     <p:spTree>
       <p:nvGrpSpPr>
-        <p:cNvPr id="1" name="Shape 123"/>
+        <p:cNvPr id="111" name="Shape 111"/>
         <p:cNvGrpSpPr/>
         <p:nvPr/>
       </p:nvGrpSpPr>
@@ -2438,12 +2455,10 @@
       </p:grpSpPr>
       <p:sp>
         <p:nvSpPr>
-          <p:cNvPr id="124" name="Google Shape;124;gfa5ed415d0_0_631:notes"/>
-          <p:cNvSpPr>
-            <a:spLocks noGrp="1" noRot="1" noChangeAspect="1"/>
-          </p:cNvSpPr>
+          <p:cNvPr id="112" name="Google Shape;112;gfa5ed415d0_0_631:notes"/>
+          <p:cNvSpPr/>
           <p:nvPr>
-            <p:ph type="sldImg" idx="2"/>
+            <p:ph idx="2" type="sldImg"/>
           </p:nvPr>
         </p:nvSpPr>
         <p:spPr>
@@ -2452,13 +2467,9 @@
             <a:ext cx="6096000" cy="3429000"/>
           </a:xfrm>
           <a:custGeom>
-            <a:avLst/>
-            <a:gdLst/>
-            <a:ahLst/>
-            <a:cxnLst/>
-            <a:rect l="l" t="t" r="r" b="b"/>
+            <a:rect b="b" l="l" r="r" t="t"/>
             <a:pathLst>
-              <a:path w="120000" h="120000" extrusionOk="0">
+              <a:path extrusionOk="0" h="120000" w="120000">
                 <a:moveTo>
                   <a:pt x="0" y="0"/>
                 </a:moveTo>
@@ -2479,12 +2490,10 @@
       </p:sp>
       <p:sp>
         <p:nvSpPr>
-          <p:cNvPr id="125" name="Google Shape;125;gfa5ed415d0_0_631:notes"/>
-          <p:cNvSpPr txBox="1">
-            <a:spLocks noGrp="1"/>
-          </p:cNvSpPr>
+          <p:cNvPr id="113" name="Google Shape;113;gfa5ed415d0_0_631:notes"/>
+          <p:cNvSpPr txBox="1"/>
           <p:nvPr>
-            <p:ph type="body" idx="1"/>
+            <p:ph idx="1" type="body"/>
           </p:nvPr>
         </p:nvSpPr>
         <p:spPr>
@@ -2497,20 +2506,23 @@
           </a:prstGeom>
         </p:spPr>
         <p:txBody>
-          <a:bodyPr spcFirstLastPara="1" wrap="square" lIns="91425" tIns="91425" rIns="91425" bIns="91425" anchor="t" anchorCtr="0">
+          <a:bodyPr anchorCtr="0" anchor="t" bIns="91425" lIns="91425" spcFirstLastPara="1" rIns="91425" wrap="square" tIns="91425">
             <a:noAutofit/>
           </a:bodyPr>
           <a:lstStyle/>
           <a:p>
-            <a:pPr marL="0" lvl="0" indent="0" algn="l" rtl="0">
-              <a:spcBef>
-                <a:spcPts val="0"/>
-              </a:spcBef>
-              <a:spcAft>
-                <a:spcPts val="0"/>
-              </a:spcAft>
-              <a:buNone/>
-            </a:pPr>
+            <a:pPr indent="0" lvl="0" marL="0" rtl="0" algn="l">
+              <a:spcBef>
+                <a:spcPts val="0"/>
+              </a:spcBef>
+              <a:spcAft>
+                <a:spcPts val="0"/>
+              </a:spcAft>
+              <a:buNone/>
+            </a:pPr>
+            <a:r>
+              <a:t/>
+            </a:r>
             <a:endParaRPr/>
           </a:p>
         </p:txBody>
@@ -2524,11 +2536,11 @@
 </file>
 
 <file path=ppt/slideLayouts/slideLayout1.xml><?xml version="1.0" encoding="utf-8"?>
-<p:sldLayout xmlns:a="http://schemas.openxmlformats.org/drawingml/2006/main" xmlns:r="http://schemas.openxmlformats.org/officeDocument/2006/relationships" xmlns:p="http://schemas.openxmlformats.org/presentationml/2006/main" matchingName="Title slide" type="title">
+<p:sldLayout xmlns:a="http://schemas.openxmlformats.org/drawingml/2006/main" xmlns:r="http://schemas.openxmlformats.org/officeDocument/2006/relationships" xmlns:mc="http://schemas.openxmlformats.org/markup-compatibility/2006" xmlns:mv="urn:schemas-microsoft-com:mac:vml" xmlns:p="http://schemas.openxmlformats.org/presentationml/2006/main" xmlns:c="http://schemas.openxmlformats.org/drawingml/2006/chart" xmlns:dgm="http://schemas.openxmlformats.org/drawingml/2006/diagram" xmlns:o="urn:schemas-microsoft-com:office:office" xmlns:v="urn:schemas-microsoft-com:vml" xmlns:pvml="urn:schemas-microsoft-com:office:powerpoint" xmlns:com="http://schemas.openxmlformats.org/drawingml/2006/compatibility" xmlns:p14="http://schemas.microsoft.com/office/powerpoint/2010/main" xmlns:p15="http://schemas.microsoft.com/office/powerpoint/2012/main" xmlns:ahyp="http://schemas.microsoft.com/office/drawing/2018/hyperlinkcolor" matchingName="Title slide" type="title">
   <p:cSld name="TITLE">
     <p:spTree>
       <p:nvGrpSpPr>
-        <p:cNvPr id="1" name="Shape 9"/>
+        <p:cNvPr id="9" name="Shape 9"/>
         <p:cNvGrpSpPr/>
         <p:nvPr/>
       </p:nvGrpSpPr>
@@ -2543,9 +2555,7 @@
       <p:sp>
         <p:nvSpPr>
           <p:cNvPr id="10" name="Google Shape;10;p2"/>
-          <p:cNvSpPr txBox="1">
-            <a:spLocks noGrp="1"/>
-          </p:cNvSpPr>
+          <p:cNvSpPr txBox="1"/>
           <p:nvPr>
             <p:ph type="ctrTitle"/>
           </p:nvPr>
@@ -2560,11 +2570,11 @@
           </a:prstGeom>
         </p:spPr>
         <p:txBody>
-          <a:bodyPr spcFirstLastPara="1" wrap="square" lIns="91425" tIns="91425" rIns="91425" bIns="91425" anchor="b" anchorCtr="0">
+          <a:bodyPr anchorCtr="0" anchor="b" bIns="91425" lIns="91425" spcFirstLastPara="1" rIns="91425" wrap="square" tIns="91425">
             <a:normAutofit/>
           </a:bodyPr>
           <a:lstStyle>
-            <a:lvl1pPr lvl="0" algn="ctr" rtl="0">
+            <a:lvl1pPr lvl="0" rtl="0" algn="ctr">
               <a:spcBef>
                 <a:spcPts val="0"/>
               </a:spcBef>
@@ -2575,7 +2585,7 @@
               <a:buNone/>
               <a:defRPr sz="5200"/>
             </a:lvl1pPr>
-            <a:lvl2pPr lvl="1" algn="ctr" rtl="0">
+            <a:lvl2pPr lvl="1" rtl="0" algn="ctr">
               <a:spcBef>
                 <a:spcPts val="0"/>
               </a:spcBef>
@@ -2586,7 +2596,7 @@
               <a:buNone/>
               <a:defRPr sz="5200"/>
             </a:lvl2pPr>
-            <a:lvl3pPr lvl="2" algn="ctr" rtl="0">
+            <a:lvl3pPr lvl="2" rtl="0" algn="ctr">
               <a:spcBef>
                 <a:spcPts val="0"/>
               </a:spcBef>
@@ -2597,7 +2607,7 @@
               <a:buNone/>
               <a:defRPr sz="5200"/>
             </a:lvl3pPr>
-            <a:lvl4pPr lvl="3" algn="ctr" rtl="0">
+            <a:lvl4pPr lvl="3" rtl="0" algn="ctr">
               <a:spcBef>
                 <a:spcPts val="0"/>
               </a:spcBef>
@@ -2608,7 +2618,7 @@
               <a:buNone/>
               <a:defRPr sz="5200"/>
             </a:lvl4pPr>
-            <a:lvl5pPr lvl="4" algn="ctr" rtl="0">
+            <a:lvl5pPr lvl="4" rtl="0" algn="ctr">
               <a:spcBef>
                 <a:spcPts val="0"/>
               </a:spcBef>
@@ -2619,7 +2629,7 @@
               <a:buNone/>
               <a:defRPr sz="5200"/>
             </a:lvl5pPr>
-            <a:lvl6pPr lvl="5" algn="ctr" rtl="0">
+            <a:lvl6pPr lvl="5" rtl="0" algn="ctr">
               <a:spcBef>
                 <a:spcPts val="0"/>
               </a:spcBef>
@@ -2630,7 +2640,7 @@
               <a:buNone/>
               <a:defRPr sz="5200"/>
             </a:lvl6pPr>
-            <a:lvl7pPr lvl="6" algn="ctr" rtl="0">
+            <a:lvl7pPr lvl="6" rtl="0" algn="ctr">
               <a:spcBef>
                 <a:spcPts val="0"/>
               </a:spcBef>
@@ -2641,7 +2651,7 @@
               <a:buNone/>
               <a:defRPr sz="5200"/>
             </a:lvl7pPr>
-            <a:lvl8pPr lvl="7" algn="ctr" rtl="0">
+            <a:lvl8pPr lvl="7" rtl="0" algn="ctr">
               <a:spcBef>
                 <a:spcPts val="0"/>
               </a:spcBef>
@@ -2652,7 +2662,7 @@
               <a:buNone/>
               <a:defRPr sz="5200"/>
             </a:lvl8pPr>
-            <a:lvl9pPr lvl="8" algn="ctr" rtl="0">
+            <a:lvl9pPr lvl="8" rtl="0" algn="ctr">
               <a:spcBef>
                 <a:spcPts val="0"/>
               </a:spcBef>
@@ -2664,19 +2674,15 @@
               <a:defRPr sz="5200"/>
             </a:lvl9pPr>
           </a:lstStyle>
-          <a:p>
-            <a:endParaRPr/>
-          </a:p>
+          <a:p/>
         </p:txBody>
       </p:sp>
       <p:sp>
         <p:nvSpPr>
           <p:cNvPr id="11" name="Google Shape;11;p2"/>
-          <p:cNvSpPr txBox="1">
-            <a:spLocks noGrp="1"/>
-          </p:cNvSpPr>
+          <p:cNvSpPr txBox="1"/>
           <p:nvPr>
-            <p:ph type="subTitle" idx="1"/>
+            <p:ph idx="1" type="subTitle"/>
           </p:nvPr>
         </p:nvSpPr>
         <p:spPr>
@@ -2689,11 +2695,11 @@
           </a:prstGeom>
         </p:spPr>
         <p:txBody>
-          <a:bodyPr spcFirstLastPara="1" wrap="square" lIns="91425" tIns="91425" rIns="91425" bIns="91425" anchor="t" anchorCtr="0">
+          <a:bodyPr anchorCtr="0" anchor="t" bIns="91425" lIns="91425" spcFirstLastPara="1" rIns="91425" wrap="square" tIns="91425">
             <a:normAutofit/>
           </a:bodyPr>
           <a:lstStyle>
-            <a:lvl1pPr lvl="0" algn="ctr" rtl="0">
+            <a:lvl1pPr lvl="0" rtl="0" algn="ctr">
               <a:lnSpc>
                 <a:spcPct val="100000"/>
               </a:lnSpc>
@@ -2707,7 +2713,7 @@
               <a:buNone/>
               <a:defRPr sz="2800"/>
             </a:lvl1pPr>
-            <a:lvl2pPr lvl="1" algn="ctr" rtl="0">
+            <a:lvl2pPr lvl="1" rtl="0" algn="ctr">
               <a:lnSpc>
                 <a:spcPct val="100000"/>
               </a:lnSpc>
@@ -2721,7 +2727,7 @@
               <a:buNone/>
               <a:defRPr sz="2800"/>
             </a:lvl2pPr>
-            <a:lvl3pPr lvl="2" algn="ctr" rtl="0">
+            <a:lvl3pPr lvl="2" rtl="0" algn="ctr">
               <a:lnSpc>
                 <a:spcPct val="100000"/>
               </a:lnSpc>
@@ -2735,7 +2741,7 @@
               <a:buNone/>
               <a:defRPr sz="2800"/>
             </a:lvl3pPr>
-            <a:lvl4pPr lvl="3" algn="ctr" rtl="0">
+            <a:lvl4pPr lvl="3" rtl="0" algn="ctr">
               <a:lnSpc>
                 <a:spcPct val="100000"/>
               </a:lnSpc>
@@ -2749,7 +2755,7 @@
               <a:buNone/>
               <a:defRPr sz="2800"/>
             </a:lvl4pPr>
-            <a:lvl5pPr lvl="4" algn="ctr" rtl="0">
+            <a:lvl5pPr lvl="4" rtl="0" algn="ctr">
               <a:lnSpc>
                 <a:spcPct val="100000"/>
               </a:lnSpc>
@@ -2763,7 +2769,7 @@
               <a:buNone/>
               <a:defRPr sz="2800"/>
             </a:lvl5pPr>
-            <a:lvl6pPr lvl="5" algn="ctr" rtl="0">
+            <a:lvl6pPr lvl="5" rtl="0" algn="ctr">
               <a:lnSpc>
                 <a:spcPct val="100000"/>
               </a:lnSpc>
@@ -2777,7 +2783,7 @@
               <a:buNone/>
               <a:defRPr sz="2800"/>
             </a:lvl6pPr>
-            <a:lvl7pPr lvl="6" algn="ctr" rtl="0">
+            <a:lvl7pPr lvl="6" rtl="0" algn="ctr">
               <a:lnSpc>
                 <a:spcPct val="100000"/>
               </a:lnSpc>
@@ -2791,7 +2797,7 @@
               <a:buNone/>
               <a:defRPr sz="2800"/>
             </a:lvl7pPr>
-            <a:lvl8pPr lvl="7" algn="ctr" rtl="0">
+            <a:lvl8pPr lvl="7" rtl="0" algn="ctr">
               <a:lnSpc>
                 <a:spcPct val="100000"/>
               </a:lnSpc>
@@ -2805,7 +2811,7 @@
               <a:buNone/>
               <a:defRPr sz="2800"/>
             </a:lvl8pPr>
-            <a:lvl9pPr lvl="8" algn="ctr" rtl="0">
+            <a:lvl9pPr lvl="8" rtl="0" algn="ctr">
               <a:lnSpc>
                 <a:spcPct val="100000"/>
               </a:lnSpc>
@@ -2820,19 +2826,15 @@
               <a:defRPr sz="2800"/>
             </a:lvl9pPr>
           </a:lstStyle>
-          <a:p>
-            <a:endParaRPr/>
-          </a:p>
+          <a:p/>
         </p:txBody>
       </p:sp>
       <p:sp>
         <p:nvSpPr>
           <p:cNvPr id="12" name="Google Shape;12;p2"/>
-          <p:cNvSpPr txBox="1">
-            <a:spLocks noGrp="1"/>
-          </p:cNvSpPr>
+          <p:cNvSpPr txBox="1"/>
           <p:nvPr>
-            <p:ph type="sldNum" idx="12"/>
+            <p:ph idx="12" type="sldNum"/>
           </p:nvPr>
         </p:nvSpPr>
         <p:spPr>
@@ -2845,7 +2847,7 @@
           </a:prstGeom>
         </p:spPr>
         <p:txBody>
-          <a:bodyPr spcFirstLastPara="1" wrap="square" lIns="91425" tIns="91425" rIns="91425" bIns="91425" anchor="ctr" anchorCtr="0">
+          <a:bodyPr anchorCtr="0" anchor="ctr" bIns="91425" lIns="91425" spcFirstLastPara="1" rIns="91425" wrap="square" tIns="91425">
             <a:normAutofit/>
           </a:bodyPr>
           <a:lstStyle>
@@ -2887,7 +2889,7 @@
             </a:lvl9pPr>
           </a:lstStyle>
           <a:p>
-            <a:pPr marL="0" lvl="0" indent="0" algn="r" rtl="0">
+            <a:pPr indent="0" lvl="0" marL="0" rtl="0" algn="r">
               <a:spcBef>
                 <a:spcPts val="0"/>
               </a:spcBef>
@@ -2913,11 +2915,11 @@
 </file>
 
 <file path=ppt/slideLayouts/slideLayout10.xml><?xml version="1.0" encoding="utf-8"?>
-<p:sldLayout xmlns:a="http://schemas.openxmlformats.org/drawingml/2006/main" xmlns:r="http://schemas.openxmlformats.org/officeDocument/2006/relationships" xmlns:p="http://schemas.openxmlformats.org/presentationml/2006/main" matchingName="Big number">
+<p:sldLayout xmlns:a="http://schemas.openxmlformats.org/drawingml/2006/main" xmlns:r="http://schemas.openxmlformats.org/officeDocument/2006/relationships" xmlns:mc="http://schemas.openxmlformats.org/markup-compatibility/2006" xmlns:mv="urn:schemas-microsoft-com:mac:vml" xmlns:p="http://schemas.openxmlformats.org/presentationml/2006/main" xmlns:c="http://schemas.openxmlformats.org/drawingml/2006/chart" xmlns:dgm="http://schemas.openxmlformats.org/drawingml/2006/diagram" xmlns:o="urn:schemas-microsoft-com:office:office" xmlns:v="urn:schemas-microsoft-com:vml" xmlns:pvml="urn:schemas-microsoft-com:office:powerpoint" xmlns:com="http://schemas.openxmlformats.org/drawingml/2006/compatibility" xmlns:p14="http://schemas.microsoft.com/office/powerpoint/2010/main" xmlns:p15="http://schemas.microsoft.com/office/powerpoint/2012/main" xmlns:ahyp="http://schemas.microsoft.com/office/drawing/2018/hyperlinkcolor" matchingName="Big number">
   <p:cSld name="BIG_NUMBER">
     <p:spTree>
       <p:nvGrpSpPr>
-        <p:cNvPr id="1" name="Shape 44"/>
+        <p:cNvPr id="44" name="Shape 44"/>
         <p:cNvGrpSpPr/>
         <p:nvPr/>
       </p:nvGrpSpPr>
@@ -2932,11 +2934,9 @@
       <p:sp>
         <p:nvSpPr>
           <p:cNvPr id="45" name="Google Shape;45;p11"/>
-          <p:cNvSpPr txBox="1">
-            <a:spLocks noGrp="1"/>
-          </p:cNvSpPr>
+          <p:cNvSpPr txBox="1"/>
           <p:nvPr>
-            <p:ph type="title" hasCustomPrompt="1"/>
+            <p:ph hasCustomPrompt="1" type="title"/>
           </p:nvPr>
         </p:nvSpPr>
         <p:spPr>
@@ -2949,11 +2949,11 @@
           </a:prstGeom>
         </p:spPr>
         <p:txBody>
-          <a:bodyPr spcFirstLastPara="1" wrap="square" lIns="91425" tIns="91425" rIns="91425" bIns="91425" anchor="b" anchorCtr="0">
+          <a:bodyPr anchorCtr="0" anchor="b" bIns="91425" lIns="91425" spcFirstLastPara="1" rIns="91425" wrap="square" tIns="91425">
             <a:normAutofit/>
           </a:bodyPr>
           <a:lstStyle>
-            <a:lvl1pPr lvl="0" algn="ctr" rtl="0">
+            <a:lvl1pPr lvl="0" rtl="0" algn="ctr">
               <a:spcBef>
                 <a:spcPts val="0"/>
               </a:spcBef>
@@ -2964,7 +2964,7 @@
               <a:buNone/>
               <a:defRPr sz="12000"/>
             </a:lvl1pPr>
-            <a:lvl2pPr lvl="1" algn="ctr" rtl="0">
+            <a:lvl2pPr lvl="1" rtl="0" algn="ctr">
               <a:spcBef>
                 <a:spcPts val="0"/>
               </a:spcBef>
@@ -2975,7 +2975,7 @@
               <a:buNone/>
               <a:defRPr sz="12000"/>
             </a:lvl2pPr>
-            <a:lvl3pPr lvl="2" algn="ctr" rtl="0">
+            <a:lvl3pPr lvl="2" rtl="0" algn="ctr">
               <a:spcBef>
                 <a:spcPts val="0"/>
               </a:spcBef>
@@ -2986,7 +2986,7 @@
               <a:buNone/>
               <a:defRPr sz="12000"/>
             </a:lvl3pPr>
-            <a:lvl4pPr lvl="3" algn="ctr" rtl="0">
+            <a:lvl4pPr lvl="3" rtl="0" algn="ctr">
               <a:spcBef>
                 <a:spcPts val="0"/>
               </a:spcBef>
@@ -2997,7 +2997,7 @@
               <a:buNone/>
               <a:defRPr sz="12000"/>
             </a:lvl4pPr>
-            <a:lvl5pPr lvl="4" algn="ctr" rtl="0">
+            <a:lvl5pPr lvl="4" rtl="0" algn="ctr">
               <a:spcBef>
                 <a:spcPts val="0"/>
               </a:spcBef>
@@ -3008,7 +3008,7 @@
               <a:buNone/>
               <a:defRPr sz="12000"/>
             </a:lvl5pPr>
-            <a:lvl6pPr lvl="5" algn="ctr" rtl="0">
+            <a:lvl6pPr lvl="5" rtl="0" algn="ctr">
               <a:spcBef>
                 <a:spcPts val="0"/>
               </a:spcBef>
@@ -3019,7 +3019,7 @@
               <a:buNone/>
               <a:defRPr sz="12000"/>
             </a:lvl6pPr>
-            <a:lvl7pPr lvl="6" algn="ctr" rtl="0">
+            <a:lvl7pPr lvl="6" rtl="0" algn="ctr">
               <a:spcBef>
                 <a:spcPts val="0"/>
               </a:spcBef>
@@ -3030,7 +3030,7 @@
               <a:buNone/>
               <a:defRPr sz="12000"/>
             </a:lvl7pPr>
-            <a:lvl8pPr lvl="7" algn="ctr" rtl="0">
+            <a:lvl8pPr lvl="7" rtl="0" algn="ctr">
               <a:spcBef>
                 <a:spcPts val="0"/>
               </a:spcBef>
@@ -3041,7 +3041,7 @@
               <a:buNone/>
               <a:defRPr sz="12000"/>
             </a:lvl8pPr>
-            <a:lvl9pPr lvl="8" algn="ctr" rtl="0">
+            <a:lvl9pPr lvl="8" rtl="0" algn="ctr">
               <a:spcBef>
                 <a:spcPts val="0"/>
               </a:spcBef>
@@ -3063,11 +3063,9 @@
       <p:sp>
         <p:nvSpPr>
           <p:cNvPr id="46" name="Google Shape;46;p11"/>
-          <p:cNvSpPr txBox="1">
-            <a:spLocks noGrp="1"/>
-          </p:cNvSpPr>
+          <p:cNvSpPr txBox="1"/>
           <p:nvPr>
-            <p:ph type="body" idx="1"/>
+            <p:ph idx="1" type="body"/>
           </p:nvPr>
         </p:nvSpPr>
         <p:spPr>
@@ -3080,11 +3078,11 @@
           </a:prstGeom>
         </p:spPr>
         <p:txBody>
-          <a:bodyPr spcFirstLastPara="1" wrap="square" lIns="91425" tIns="91425" rIns="91425" bIns="91425" anchor="t" anchorCtr="0">
+          <a:bodyPr anchorCtr="0" anchor="t" bIns="91425" lIns="91425" spcFirstLastPara="1" rIns="91425" wrap="square" tIns="91425">
             <a:normAutofit/>
           </a:bodyPr>
           <a:lstStyle>
-            <a:lvl1pPr marL="457200" lvl="0" indent="-342900" algn="ctr" rtl="0">
+            <a:lvl1pPr indent="-342900" lvl="0" marL="457200" rtl="0" algn="ctr">
               <a:spcBef>
                 <a:spcPts val="0"/>
               </a:spcBef>
@@ -3095,7 +3093,7 @@
               <a:buChar char="●"/>
               <a:defRPr/>
             </a:lvl1pPr>
-            <a:lvl2pPr marL="914400" lvl="1" indent="-317500" algn="ctr" rtl="0">
+            <a:lvl2pPr indent="-317500" lvl="1" marL="914400" rtl="0" algn="ctr">
               <a:spcBef>
                 <a:spcPts val="0"/>
               </a:spcBef>
@@ -3106,7 +3104,7 @@
               <a:buChar char="○"/>
               <a:defRPr/>
             </a:lvl2pPr>
-            <a:lvl3pPr marL="1371600" lvl="2" indent="-317500" algn="ctr" rtl="0">
+            <a:lvl3pPr indent="-317500" lvl="2" marL="1371600" rtl="0" algn="ctr">
               <a:spcBef>
                 <a:spcPts val="0"/>
               </a:spcBef>
@@ -3117,7 +3115,7 @@
               <a:buChar char="■"/>
               <a:defRPr/>
             </a:lvl3pPr>
-            <a:lvl4pPr marL="1828800" lvl="3" indent="-317500" algn="ctr" rtl="0">
+            <a:lvl4pPr indent="-317500" lvl="3" marL="1828800" rtl="0" algn="ctr">
               <a:spcBef>
                 <a:spcPts val="0"/>
               </a:spcBef>
@@ -3128,7 +3126,7 @@
               <a:buChar char="●"/>
               <a:defRPr/>
             </a:lvl4pPr>
-            <a:lvl5pPr marL="2286000" lvl="4" indent="-317500" algn="ctr" rtl="0">
+            <a:lvl5pPr indent="-317500" lvl="4" marL="2286000" rtl="0" algn="ctr">
               <a:spcBef>
                 <a:spcPts val="0"/>
               </a:spcBef>
@@ -3139,7 +3137,7 @@
               <a:buChar char="○"/>
               <a:defRPr/>
             </a:lvl5pPr>
-            <a:lvl6pPr marL="2743200" lvl="5" indent="-317500" algn="ctr" rtl="0">
+            <a:lvl6pPr indent="-317500" lvl="5" marL="2743200" rtl="0" algn="ctr">
               <a:spcBef>
                 <a:spcPts val="0"/>
               </a:spcBef>
@@ -3150,7 +3148,7 @@
               <a:buChar char="■"/>
               <a:defRPr/>
             </a:lvl6pPr>
-            <a:lvl7pPr marL="3200400" lvl="6" indent="-317500" algn="ctr" rtl="0">
+            <a:lvl7pPr indent="-317500" lvl="6" marL="3200400" rtl="0" algn="ctr">
               <a:spcBef>
                 <a:spcPts val="0"/>
               </a:spcBef>
@@ -3161,7 +3159,7 @@
               <a:buChar char="●"/>
               <a:defRPr/>
             </a:lvl7pPr>
-            <a:lvl8pPr marL="3657600" lvl="7" indent="-317500" algn="ctr" rtl="0">
+            <a:lvl8pPr indent="-317500" lvl="7" marL="3657600" rtl="0" algn="ctr">
               <a:spcBef>
                 <a:spcPts val="0"/>
               </a:spcBef>
@@ -3172,7 +3170,7 @@
               <a:buChar char="○"/>
               <a:defRPr/>
             </a:lvl8pPr>
-            <a:lvl9pPr marL="4114800" lvl="8" indent="-317500" algn="ctr" rtl="0">
+            <a:lvl9pPr indent="-317500" lvl="8" marL="4114800" rtl="0" algn="ctr">
               <a:spcBef>
                 <a:spcPts val="0"/>
               </a:spcBef>
@@ -3184,19 +3182,15 @@
               <a:defRPr/>
             </a:lvl9pPr>
           </a:lstStyle>
-          <a:p>
-            <a:endParaRPr/>
-          </a:p>
+          <a:p/>
         </p:txBody>
       </p:sp>
       <p:sp>
         <p:nvSpPr>
           <p:cNvPr id="47" name="Google Shape;47;p11"/>
-          <p:cNvSpPr txBox="1">
-            <a:spLocks noGrp="1"/>
-          </p:cNvSpPr>
+          <p:cNvSpPr txBox="1"/>
           <p:nvPr>
-            <p:ph type="sldNum" idx="12"/>
+            <p:ph idx="12" type="sldNum"/>
           </p:nvPr>
         </p:nvSpPr>
         <p:spPr>
@@ -3209,7 +3203,7 @@
           </a:prstGeom>
         </p:spPr>
         <p:txBody>
-          <a:bodyPr spcFirstLastPara="1" wrap="square" lIns="91425" tIns="91425" rIns="91425" bIns="91425" anchor="ctr" anchorCtr="0">
+          <a:bodyPr anchorCtr="0" anchor="ctr" bIns="91425" lIns="91425" spcFirstLastPara="1" rIns="91425" wrap="square" tIns="91425">
             <a:normAutofit/>
           </a:bodyPr>
           <a:lstStyle>
@@ -3251,7 +3245,7 @@
             </a:lvl9pPr>
           </a:lstStyle>
           <a:p>
-            <a:pPr marL="0" lvl="0" indent="0" algn="r" rtl="0">
+            <a:pPr indent="0" lvl="0" marL="0" rtl="0" algn="r">
               <a:spcBef>
                 <a:spcPts val="0"/>
               </a:spcBef>
@@ -3277,11 +3271,11 @@
 </file>
 
 <file path=ppt/slideLayouts/slideLayout11.xml><?xml version="1.0" encoding="utf-8"?>
-<p:sldLayout xmlns:a="http://schemas.openxmlformats.org/drawingml/2006/main" xmlns:r="http://schemas.openxmlformats.org/officeDocument/2006/relationships" xmlns:p="http://schemas.openxmlformats.org/presentationml/2006/main" matchingName="Blank" type="blank">
+<p:sldLayout xmlns:a="http://schemas.openxmlformats.org/drawingml/2006/main" xmlns:r="http://schemas.openxmlformats.org/officeDocument/2006/relationships" xmlns:mc="http://schemas.openxmlformats.org/markup-compatibility/2006" xmlns:mv="urn:schemas-microsoft-com:mac:vml" xmlns:p="http://schemas.openxmlformats.org/presentationml/2006/main" xmlns:c="http://schemas.openxmlformats.org/drawingml/2006/chart" xmlns:dgm="http://schemas.openxmlformats.org/drawingml/2006/diagram" xmlns:o="urn:schemas-microsoft-com:office:office" xmlns:v="urn:schemas-microsoft-com:vml" xmlns:pvml="urn:schemas-microsoft-com:office:powerpoint" xmlns:com="http://schemas.openxmlformats.org/drawingml/2006/compatibility" xmlns:p14="http://schemas.microsoft.com/office/powerpoint/2010/main" xmlns:p15="http://schemas.microsoft.com/office/powerpoint/2012/main" xmlns:ahyp="http://schemas.microsoft.com/office/drawing/2018/hyperlinkcolor" matchingName="Blank" type="blank">
   <p:cSld name="BLANK">
     <p:spTree>
       <p:nvGrpSpPr>
-        <p:cNvPr id="1" name="Shape 48"/>
+        <p:cNvPr id="48" name="Shape 48"/>
         <p:cNvGrpSpPr/>
         <p:nvPr/>
       </p:nvGrpSpPr>
@@ -3296,11 +3290,9 @@
       <p:sp>
         <p:nvSpPr>
           <p:cNvPr id="49" name="Google Shape;49;p12"/>
-          <p:cNvSpPr txBox="1">
-            <a:spLocks noGrp="1"/>
-          </p:cNvSpPr>
+          <p:cNvSpPr txBox="1"/>
           <p:nvPr>
-            <p:ph type="sldNum" idx="12"/>
+            <p:ph idx="12" type="sldNum"/>
           </p:nvPr>
         </p:nvSpPr>
         <p:spPr>
@@ -3313,7 +3305,7 @@
           </a:prstGeom>
         </p:spPr>
         <p:txBody>
-          <a:bodyPr spcFirstLastPara="1" wrap="square" lIns="91425" tIns="91425" rIns="91425" bIns="91425" anchor="ctr" anchorCtr="0">
+          <a:bodyPr anchorCtr="0" anchor="ctr" bIns="91425" lIns="91425" spcFirstLastPara="1" rIns="91425" wrap="square" tIns="91425">
             <a:normAutofit/>
           </a:bodyPr>
           <a:lstStyle>
@@ -3355,7 +3347,7 @@
             </a:lvl9pPr>
           </a:lstStyle>
           <a:p>
-            <a:pPr marL="0" lvl="0" indent="0" algn="r" rtl="0">
+            <a:pPr indent="0" lvl="0" marL="0" rtl="0" algn="r">
               <a:spcBef>
                 <a:spcPts val="0"/>
               </a:spcBef>
@@ -3381,11 +3373,11 @@
 </file>
 
 <file path=ppt/slideLayouts/slideLayout2.xml><?xml version="1.0" encoding="utf-8"?>
-<p:sldLayout xmlns:a="http://schemas.openxmlformats.org/drawingml/2006/main" xmlns:r="http://schemas.openxmlformats.org/officeDocument/2006/relationships" xmlns:p="http://schemas.openxmlformats.org/presentationml/2006/main" matchingName="Section header" type="secHead">
+<p:sldLayout xmlns:a="http://schemas.openxmlformats.org/drawingml/2006/main" xmlns:r="http://schemas.openxmlformats.org/officeDocument/2006/relationships" xmlns:mc="http://schemas.openxmlformats.org/markup-compatibility/2006" xmlns:mv="urn:schemas-microsoft-com:mac:vml" xmlns:p="http://schemas.openxmlformats.org/presentationml/2006/main" xmlns:c="http://schemas.openxmlformats.org/drawingml/2006/chart" xmlns:dgm="http://schemas.openxmlformats.org/drawingml/2006/diagram" xmlns:o="urn:schemas-microsoft-com:office:office" xmlns:v="urn:schemas-microsoft-com:vml" xmlns:pvml="urn:schemas-microsoft-com:office:powerpoint" xmlns:com="http://schemas.openxmlformats.org/drawingml/2006/compatibility" xmlns:p14="http://schemas.microsoft.com/office/powerpoint/2010/main" xmlns:p15="http://schemas.microsoft.com/office/powerpoint/2012/main" xmlns:ahyp="http://schemas.microsoft.com/office/drawing/2018/hyperlinkcolor" matchingName="Section header" type="secHead">
   <p:cSld name="SECTION_HEADER">
     <p:spTree>
       <p:nvGrpSpPr>
-        <p:cNvPr id="1" name="Shape 13"/>
+        <p:cNvPr id="13" name="Shape 13"/>
         <p:cNvGrpSpPr/>
         <p:nvPr/>
       </p:nvGrpSpPr>
@@ -3400,9 +3392,7 @@
       <p:sp>
         <p:nvSpPr>
           <p:cNvPr id="14" name="Google Shape;14;p3"/>
-          <p:cNvSpPr txBox="1">
-            <a:spLocks noGrp="1"/>
-          </p:cNvSpPr>
+          <p:cNvSpPr txBox="1"/>
           <p:nvPr>
             <p:ph type="title"/>
           </p:nvPr>
@@ -3417,11 +3407,11 @@
           </a:prstGeom>
         </p:spPr>
         <p:txBody>
-          <a:bodyPr spcFirstLastPara="1" wrap="square" lIns="91425" tIns="91425" rIns="91425" bIns="91425" anchor="ctr" anchorCtr="0">
+          <a:bodyPr anchorCtr="0" anchor="ctr" bIns="91425" lIns="91425" spcFirstLastPara="1" rIns="91425" wrap="square" tIns="91425">
             <a:normAutofit/>
           </a:bodyPr>
           <a:lstStyle>
-            <a:lvl1pPr lvl="0" algn="ctr" rtl="0">
+            <a:lvl1pPr lvl="0" rtl="0" algn="ctr">
               <a:spcBef>
                 <a:spcPts val="0"/>
               </a:spcBef>
@@ -3432,7 +3422,7 @@
               <a:buNone/>
               <a:defRPr sz="3600"/>
             </a:lvl1pPr>
-            <a:lvl2pPr lvl="1" algn="ctr" rtl="0">
+            <a:lvl2pPr lvl="1" rtl="0" algn="ctr">
               <a:spcBef>
                 <a:spcPts val="0"/>
               </a:spcBef>
@@ -3443,7 +3433,7 @@
               <a:buNone/>
               <a:defRPr sz="3600"/>
             </a:lvl2pPr>
-            <a:lvl3pPr lvl="2" algn="ctr" rtl="0">
+            <a:lvl3pPr lvl="2" rtl="0" algn="ctr">
               <a:spcBef>
                 <a:spcPts val="0"/>
               </a:spcBef>
@@ -3454,7 +3444,7 @@
               <a:buNone/>
               <a:defRPr sz="3600"/>
             </a:lvl3pPr>
-            <a:lvl4pPr lvl="3" algn="ctr" rtl="0">
+            <a:lvl4pPr lvl="3" rtl="0" algn="ctr">
               <a:spcBef>
                 <a:spcPts val="0"/>
               </a:spcBef>
@@ -3465,7 +3455,7 @@
               <a:buNone/>
               <a:defRPr sz="3600"/>
             </a:lvl4pPr>
-            <a:lvl5pPr lvl="4" algn="ctr" rtl="0">
+            <a:lvl5pPr lvl="4" rtl="0" algn="ctr">
               <a:spcBef>
                 <a:spcPts val="0"/>
               </a:spcBef>
@@ -3476,7 +3466,7 @@
               <a:buNone/>
               <a:defRPr sz="3600"/>
             </a:lvl5pPr>
-            <a:lvl6pPr lvl="5" algn="ctr" rtl="0">
+            <a:lvl6pPr lvl="5" rtl="0" algn="ctr">
               <a:spcBef>
                 <a:spcPts val="0"/>
               </a:spcBef>
@@ -3487,7 +3477,7 @@
               <a:buNone/>
               <a:defRPr sz="3600"/>
             </a:lvl6pPr>
-            <a:lvl7pPr lvl="6" algn="ctr" rtl="0">
+            <a:lvl7pPr lvl="6" rtl="0" algn="ctr">
               <a:spcBef>
                 <a:spcPts val="0"/>
               </a:spcBef>
@@ -3498,7 +3488,7 @@
               <a:buNone/>
               <a:defRPr sz="3600"/>
             </a:lvl7pPr>
-            <a:lvl8pPr lvl="7" algn="ctr" rtl="0">
+            <a:lvl8pPr lvl="7" rtl="0" algn="ctr">
               <a:spcBef>
                 <a:spcPts val="0"/>
               </a:spcBef>
@@ -3509,7 +3499,7 @@
               <a:buNone/>
               <a:defRPr sz="3600"/>
             </a:lvl8pPr>
-            <a:lvl9pPr lvl="8" algn="ctr" rtl="0">
+            <a:lvl9pPr lvl="8" rtl="0" algn="ctr">
               <a:spcBef>
                 <a:spcPts val="0"/>
               </a:spcBef>
@@ -3521,19 +3511,15 @@
               <a:defRPr sz="3600"/>
             </a:lvl9pPr>
           </a:lstStyle>
-          <a:p>
-            <a:endParaRPr/>
-          </a:p>
+          <a:p/>
         </p:txBody>
       </p:sp>
       <p:sp>
         <p:nvSpPr>
           <p:cNvPr id="15" name="Google Shape;15;p3"/>
-          <p:cNvSpPr txBox="1">
-            <a:spLocks noGrp="1"/>
-          </p:cNvSpPr>
+          <p:cNvSpPr txBox="1"/>
           <p:nvPr>
-            <p:ph type="sldNum" idx="12"/>
+            <p:ph idx="12" type="sldNum"/>
           </p:nvPr>
         </p:nvSpPr>
         <p:spPr>
@@ -3546,7 +3532,7 @@
           </a:prstGeom>
         </p:spPr>
         <p:txBody>
-          <a:bodyPr spcFirstLastPara="1" wrap="square" lIns="91425" tIns="91425" rIns="91425" bIns="91425" anchor="ctr" anchorCtr="0">
+          <a:bodyPr anchorCtr="0" anchor="ctr" bIns="91425" lIns="91425" spcFirstLastPara="1" rIns="91425" wrap="square" tIns="91425">
             <a:normAutofit/>
           </a:bodyPr>
           <a:lstStyle>
@@ -3588,7 +3574,7 @@
             </a:lvl9pPr>
           </a:lstStyle>
           <a:p>
-            <a:pPr marL="0" lvl="0" indent="0" algn="r" rtl="0">
+            <a:pPr indent="0" lvl="0" marL="0" rtl="0" algn="r">
               <a:spcBef>
                 <a:spcPts val="0"/>
               </a:spcBef>
@@ -3614,11 +3600,11 @@
 </file>
 
 <file path=ppt/slideLayouts/slideLayout3.xml><?xml version="1.0" encoding="utf-8"?>
-<p:sldLayout xmlns:a="http://schemas.openxmlformats.org/drawingml/2006/main" xmlns:r="http://schemas.openxmlformats.org/officeDocument/2006/relationships" xmlns:p="http://schemas.openxmlformats.org/presentationml/2006/main" matchingName="Title and body" type="tx">
+<p:sldLayout xmlns:a="http://schemas.openxmlformats.org/drawingml/2006/main" xmlns:r="http://schemas.openxmlformats.org/officeDocument/2006/relationships" xmlns:mc="http://schemas.openxmlformats.org/markup-compatibility/2006" xmlns:mv="urn:schemas-microsoft-com:mac:vml" xmlns:p="http://schemas.openxmlformats.org/presentationml/2006/main" xmlns:c="http://schemas.openxmlformats.org/drawingml/2006/chart" xmlns:dgm="http://schemas.openxmlformats.org/drawingml/2006/diagram" xmlns:o="urn:schemas-microsoft-com:office:office" xmlns:v="urn:schemas-microsoft-com:vml" xmlns:pvml="urn:schemas-microsoft-com:office:powerpoint" xmlns:com="http://schemas.openxmlformats.org/drawingml/2006/compatibility" xmlns:p14="http://schemas.microsoft.com/office/powerpoint/2010/main" xmlns:p15="http://schemas.microsoft.com/office/powerpoint/2012/main" xmlns:ahyp="http://schemas.microsoft.com/office/drawing/2018/hyperlinkcolor" matchingName="Title and body" type="tx">
   <p:cSld name="TITLE_AND_BODY">
     <p:spTree>
       <p:nvGrpSpPr>
-        <p:cNvPr id="1" name="Shape 16"/>
+        <p:cNvPr id="16" name="Shape 16"/>
         <p:cNvGrpSpPr/>
         <p:nvPr/>
       </p:nvGrpSpPr>
@@ -3633,9 +3619,7 @@
       <p:sp>
         <p:nvSpPr>
           <p:cNvPr id="17" name="Google Shape;17;p4"/>
-          <p:cNvSpPr txBox="1">
-            <a:spLocks noGrp="1"/>
-          </p:cNvSpPr>
+          <p:cNvSpPr txBox="1"/>
           <p:nvPr>
             <p:ph type="title"/>
           </p:nvPr>
@@ -3650,7 +3634,7 @@
           </a:prstGeom>
         </p:spPr>
         <p:txBody>
-          <a:bodyPr spcFirstLastPara="1" wrap="square" lIns="91425" tIns="91425" rIns="91425" bIns="91425" anchor="t" anchorCtr="0">
+          <a:bodyPr anchorCtr="0" anchor="t" bIns="91425" lIns="91425" spcFirstLastPara="1" rIns="91425" wrap="square" tIns="91425">
             <a:normAutofit/>
           </a:bodyPr>
           <a:lstStyle>
@@ -3754,19 +3738,15 @@
               <a:defRPr/>
             </a:lvl9pPr>
           </a:lstStyle>
-          <a:p>
-            <a:endParaRPr/>
-          </a:p>
+          <a:p/>
         </p:txBody>
       </p:sp>
       <p:sp>
         <p:nvSpPr>
           <p:cNvPr id="18" name="Google Shape;18;p4"/>
-          <p:cNvSpPr txBox="1">
-            <a:spLocks noGrp="1"/>
-          </p:cNvSpPr>
+          <p:cNvSpPr txBox="1"/>
           <p:nvPr>
-            <p:ph type="body" idx="1"/>
+            <p:ph idx="1" type="body"/>
           </p:nvPr>
         </p:nvSpPr>
         <p:spPr>
@@ -3779,11 +3759,11 @@
           </a:prstGeom>
         </p:spPr>
         <p:txBody>
-          <a:bodyPr spcFirstLastPara="1" wrap="square" lIns="91425" tIns="91425" rIns="91425" bIns="91425" anchor="t" anchorCtr="0">
+          <a:bodyPr anchorCtr="0" anchor="t" bIns="91425" lIns="91425" spcFirstLastPara="1" rIns="91425" wrap="square" tIns="91425">
             <a:normAutofit/>
           </a:bodyPr>
           <a:lstStyle>
-            <a:lvl1pPr marL="457200" lvl="0" indent="-342900" rtl="0">
+            <a:lvl1pPr indent="-342900" lvl="0" marL="457200" rtl="0">
               <a:spcBef>
                 <a:spcPts val="0"/>
               </a:spcBef>
@@ -3794,7 +3774,7 @@
               <a:buChar char="●"/>
               <a:defRPr/>
             </a:lvl1pPr>
-            <a:lvl2pPr marL="914400" lvl="1" indent="-317500" rtl="0">
+            <a:lvl2pPr indent="-317500" lvl="1" marL="914400" rtl="0">
               <a:spcBef>
                 <a:spcPts val="0"/>
               </a:spcBef>
@@ -3805,7 +3785,7 @@
               <a:buChar char="○"/>
               <a:defRPr/>
             </a:lvl2pPr>
-            <a:lvl3pPr marL="1371600" lvl="2" indent="-317500" rtl="0">
+            <a:lvl3pPr indent="-317500" lvl="2" marL="1371600" rtl="0">
               <a:spcBef>
                 <a:spcPts val="0"/>
               </a:spcBef>
@@ -3816,7 +3796,7 @@
               <a:buChar char="■"/>
               <a:defRPr/>
             </a:lvl3pPr>
-            <a:lvl4pPr marL="1828800" lvl="3" indent="-317500" rtl="0">
+            <a:lvl4pPr indent="-317500" lvl="3" marL="1828800" rtl="0">
               <a:spcBef>
                 <a:spcPts val="0"/>
               </a:spcBef>
@@ -3827,7 +3807,7 @@
               <a:buChar char="●"/>
               <a:defRPr/>
             </a:lvl4pPr>
-            <a:lvl5pPr marL="2286000" lvl="4" indent="-317500" rtl="0">
+            <a:lvl5pPr indent="-317500" lvl="4" marL="2286000" rtl="0">
               <a:spcBef>
                 <a:spcPts val="0"/>
               </a:spcBef>
@@ -3838,7 +3818,7 @@
               <a:buChar char="○"/>
               <a:defRPr/>
             </a:lvl5pPr>
-            <a:lvl6pPr marL="2743200" lvl="5" indent="-317500" rtl="0">
+            <a:lvl6pPr indent="-317500" lvl="5" marL="2743200" rtl="0">
               <a:spcBef>
                 <a:spcPts val="0"/>
               </a:spcBef>
@@ -3849,7 +3829,7 @@
               <a:buChar char="■"/>
               <a:defRPr/>
             </a:lvl6pPr>
-            <a:lvl7pPr marL="3200400" lvl="6" indent="-317500" rtl="0">
+            <a:lvl7pPr indent="-317500" lvl="6" marL="3200400" rtl="0">
               <a:spcBef>
                 <a:spcPts val="0"/>
               </a:spcBef>
@@ -3860,7 +3840,7 @@
               <a:buChar char="●"/>
               <a:defRPr/>
             </a:lvl7pPr>
-            <a:lvl8pPr marL="3657600" lvl="7" indent="-317500" rtl="0">
+            <a:lvl8pPr indent="-317500" lvl="7" marL="3657600" rtl="0">
               <a:spcBef>
                 <a:spcPts val="0"/>
               </a:spcBef>
@@ -3871,7 +3851,7 @@
               <a:buChar char="○"/>
               <a:defRPr/>
             </a:lvl8pPr>
-            <a:lvl9pPr marL="4114800" lvl="8" indent="-317500" rtl="0">
+            <a:lvl9pPr indent="-317500" lvl="8" marL="4114800" rtl="0">
               <a:spcBef>
                 <a:spcPts val="0"/>
               </a:spcBef>
@@ -3883,19 +3863,15 @@
               <a:defRPr/>
             </a:lvl9pPr>
           </a:lstStyle>
-          <a:p>
-            <a:endParaRPr/>
-          </a:p>
+          <a:p/>
         </p:txBody>
       </p:sp>
       <p:sp>
         <p:nvSpPr>
           <p:cNvPr id="19" name="Google Shape;19;p4"/>
-          <p:cNvSpPr txBox="1">
-            <a:spLocks noGrp="1"/>
-          </p:cNvSpPr>
+          <p:cNvSpPr txBox="1"/>
           <p:nvPr>
-            <p:ph type="sldNum" idx="12"/>
+            <p:ph idx="12" type="sldNum"/>
           </p:nvPr>
         </p:nvSpPr>
         <p:spPr>
@@ -3908,7 +3884,7 @@
           </a:prstGeom>
         </p:spPr>
         <p:txBody>
-          <a:bodyPr spcFirstLastPara="1" wrap="square" lIns="91425" tIns="91425" rIns="91425" bIns="91425" anchor="ctr" anchorCtr="0">
+          <a:bodyPr anchorCtr="0" anchor="ctr" bIns="91425" lIns="91425" spcFirstLastPara="1" rIns="91425" wrap="square" tIns="91425">
             <a:normAutofit/>
           </a:bodyPr>
           <a:lstStyle>
@@ -3950,7 +3926,7 @@
             </a:lvl9pPr>
           </a:lstStyle>
           <a:p>
-            <a:pPr marL="0" lvl="0" indent="0" algn="r" rtl="0">
+            <a:pPr indent="0" lvl="0" marL="0" rtl="0" algn="r">
               <a:spcBef>
                 <a:spcPts val="0"/>
               </a:spcBef>
@@ -3976,11 +3952,11 @@
 </file>
 
 <file path=ppt/slideLayouts/slideLayout4.xml><?xml version="1.0" encoding="utf-8"?>
-<p:sldLayout xmlns:a="http://schemas.openxmlformats.org/drawingml/2006/main" xmlns:r="http://schemas.openxmlformats.org/officeDocument/2006/relationships" xmlns:p="http://schemas.openxmlformats.org/presentationml/2006/main" matchingName="Title and two columns" type="twoColTx">
+<p:sldLayout xmlns:a="http://schemas.openxmlformats.org/drawingml/2006/main" xmlns:r="http://schemas.openxmlformats.org/officeDocument/2006/relationships" xmlns:mc="http://schemas.openxmlformats.org/markup-compatibility/2006" xmlns:mv="urn:schemas-microsoft-com:mac:vml" xmlns:p="http://schemas.openxmlformats.org/presentationml/2006/main" xmlns:c="http://schemas.openxmlformats.org/drawingml/2006/chart" xmlns:dgm="http://schemas.openxmlformats.org/drawingml/2006/diagram" xmlns:o="urn:schemas-microsoft-com:office:office" xmlns:v="urn:schemas-microsoft-com:vml" xmlns:pvml="urn:schemas-microsoft-com:office:powerpoint" xmlns:com="http://schemas.openxmlformats.org/drawingml/2006/compatibility" xmlns:p14="http://schemas.microsoft.com/office/powerpoint/2010/main" xmlns:p15="http://schemas.microsoft.com/office/powerpoint/2012/main" xmlns:ahyp="http://schemas.microsoft.com/office/drawing/2018/hyperlinkcolor" matchingName="Title and two columns" type="twoColTx">
   <p:cSld name="TITLE_AND_TWO_COLUMNS">
     <p:spTree>
       <p:nvGrpSpPr>
-        <p:cNvPr id="1" name="Shape 20"/>
+        <p:cNvPr id="20" name="Shape 20"/>
         <p:cNvGrpSpPr/>
         <p:nvPr/>
       </p:nvGrpSpPr>
@@ -3995,9 +3971,7 @@
       <p:sp>
         <p:nvSpPr>
           <p:cNvPr id="21" name="Google Shape;21;p5"/>
-          <p:cNvSpPr txBox="1">
-            <a:spLocks noGrp="1"/>
-          </p:cNvSpPr>
+          <p:cNvSpPr txBox="1"/>
           <p:nvPr>
             <p:ph type="title"/>
           </p:nvPr>
@@ -4012,7 +3986,7 @@
           </a:prstGeom>
         </p:spPr>
         <p:txBody>
-          <a:bodyPr spcFirstLastPara="1" wrap="square" lIns="91425" tIns="91425" rIns="91425" bIns="91425" anchor="t" anchorCtr="0">
+          <a:bodyPr anchorCtr="0" anchor="t" bIns="91425" lIns="91425" spcFirstLastPara="1" rIns="91425" wrap="square" tIns="91425">
             <a:normAutofit/>
           </a:bodyPr>
           <a:lstStyle>
@@ -4116,19 +4090,15 @@
               <a:defRPr/>
             </a:lvl9pPr>
           </a:lstStyle>
-          <a:p>
-            <a:endParaRPr/>
-          </a:p>
+          <a:p/>
         </p:txBody>
       </p:sp>
       <p:sp>
         <p:nvSpPr>
           <p:cNvPr id="22" name="Google Shape;22;p5"/>
-          <p:cNvSpPr txBox="1">
-            <a:spLocks noGrp="1"/>
-          </p:cNvSpPr>
+          <p:cNvSpPr txBox="1"/>
           <p:nvPr>
-            <p:ph type="body" idx="1"/>
+            <p:ph idx="1" type="body"/>
           </p:nvPr>
         </p:nvSpPr>
         <p:spPr>
@@ -4141,11 +4111,11 @@
           </a:prstGeom>
         </p:spPr>
         <p:txBody>
-          <a:bodyPr spcFirstLastPara="1" wrap="square" lIns="91425" tIns="91425" rIns="91425" bIns="91425" anchor="t" anchorCtr="0">
+          <a:bodyPr anchorCtr="0" anchor="t" bIns="91425" lIns="91425" spcFirstLastPara="1" rIns="91425" wrap="square" tIns="91425">
             <a:normAutofit/>
           </a:bodyPr>
           <a:lstStyle>
-            <a:lvl1pPr marL="457200" lvl="0" indent="-317500" rtl="0">
+            <a:lvl1pPr indent="-317500" lvl="0" marL="457200" rtl="0">
               <a:spcBef>
                 <a:spcPts val="0"/>
               </a:spcBef>
@@ -4156,7 +4126,7 @@
               <a:buChar char="●"/>
               <a:defRPr sz="1400"/>
             </a:lvl1pPr>
-            <a:lvl2pPr marL="914400" lvl="1" indent="-304800" rtl="0">
+            <a:lvl2pPr indent="-304800" lvl="1" marL="914400" rtl="0">
               <a:spcBef>
                 <a:spcPts val="0"/>
               </a:spcBef>
@@ -4167,7 +4137,7 @@
               <a:buChar char="○"/>
               <a:defRPr sz="1200"/>
             </a:lvl2pPr>
-            <a:lvl3pPr marL="1371600" lvl="2" indent="-304800" rtl="0">
+            <a:lvl3pPr indent="-304800" lvl="2" marL="1371600" rtl="0">
               <a:spcBef>
                 <a:spcPts val="0"/>
               </a:spcBef>
@@ -4178,7 +4148,7 @@
               <a:buChar char="■"/>
               <a:defRPr sz="1200"/>
             </a:lvl3pPr>
-            <a:lvl4pPr marL="1828800" lvl="3" indent="-304800" rtl="0">
+            <a:lvl4pPr indent="-304800" lvl="3" marL="1828800" rtl="0">
               <a:spcBef>
                 <a:spcPts val="0"/>
               </a:spcBef>
@@ -4189,7 +4159,7 @@
               <a:buChar char="●"/>
               <a:defRPr sz="1200"/>
             </a:lvl4pPr>
-            <a:lvl5pPr marL="2286000" lvl="4" indent="-304800" rtl="0">
+            <a:lvl5pPr indent="-304800" lvl="4" marL="2286000" rtl="0">
               <a:spcBef>
                 <a:spcPts val="0"/>
               </a:spcBef>
@@ -4200,7 +4170,7 @@
               <a:buChar char="○"/>
               <a:defRPr sz="1200"/>
             </a:lvl5pPr>
-            <a:lvl6pPr marL="2743200" lvl="5" indent="-304800" rtl="0">
+            <a:lvl6pPr indent="-304800" lvl="5" marL="2743200" rtl="0">
               <a:spcBef>
                 <a:spcPts val="0"/>
               </a:spcBef>
@@ -4211,7 +4181,7 @@
               <a:buChar char="■"/>
               <a:defRPr sz="1200"/>
             </a:lvl6pPr>
-            <a:lvl7pPr marL="3200400" lvl="6" indent="-304800" rtl="0">
+            <a:lvl7pPr indent="-304800" lvl="6" marL="3200400" rtl="0">
               <a:spcBef>
                 <a:spcPts val="0"/>
               </a:spcBef>
@@ -4222,7 +4192,7 @@
               <a:buChar char="●"/>
               <a:defRPr sz="1200"/>
             </a:lvl7pPr>
-            <a:lvl8pPr marL="3657600" lvl="7" indent="-304800" rtl="0">
+            <a:lvl8pPr indent="-304800" lvl="7" marL="3657600" rtl="0">
               <a:spcBef>
                 <a:spcPts val="0"/>
               </a:spcBef>
@@ -4233,7 +4203,7 @@
               <a:buChar char="○"/>
               <a:defRPr sz="1200"/>
             </a:lvl8pPr>
-            <a:lvl9pPr marL="4114800" lvl="8" indent="-304800" rtl="0">
+            <a:lvl9pPr indent="-304800" lvl="8" marL="4114800" rtl="0">
               <a:spcBef>
                 <a:spcPts val="0"/>
               </a:spcBef>
@@ -4245,19 +4215,15 @@
               <a:defRPr sz="1200"/>
             </a:lvl9pPr>
           </a:lstStyle>
-          <a:p>
-            <a:endParaRPr/>
-          </a:p>
+          <a:p/>
         </p:txBody>
       </p:sp>
       <p:sp>
         <p:nvSpPr>
           <p:cNvPr id="23" name="Google Shape;23;p5"/>
-          <p:cNvSpPr txBox="1">
-            <a:spLocks noGrp="1"/>
-          </p:cNvSpPr>
+          <p:cNvSpPr txBox="1"/>
           <p:nvPr>
-            <p:ph type="body" idx="2"/>
+            <p:ph idx="2" type="body"/>
           </p:nvPr>
         </p:nvSpPr>
         <p:spPr>
@@ -4270,11 +4236,11 @@
           </a:prstGeom>
         </p:spPr>
         <p:txBody>
-          <a:bodyPr spcFirstLastPara="1" wrap="square" lIns="91425" tIns="91425" rIns="91425" bIns="91425" anchor="t" anchorCtr="0">
+          <a:bodyPr anchorCtr="0" anchor="t" bIns="91425" lIns="91425" spcFirstLastPara="1" rIns="91425" wrap="square" tIns="91425">
             <a:normAutofit/>
           </a:bodyPr>
           <a:lstStyle>
-            <a:lvl1pPr marL="457200" lvl="0" indent="-317500" rtl="0">
+            <a:lvl1pPr indent="-317500" lvl="0" marL="457200" rtl="0">
               <a:spcBef>
                 <a:spcPts val="0"/>
               </a:spcBef>
@@ -4285,7 +4251,7 @@
               <a:buChar char="●"/>
               <a:defRPr sz="1400"/>
             </a:lvl1pPr>
-            <a:lvl2pPr marL="914400" lvl="1" indent="-304800" rtl="0">
+            <a:lvl2pPr indent="-304800" lvl="1" marL="914400" rtl="0">
               <a:spcBef>
                 <a:spcPts val="0"/>
               </a:spcBef>
@@ -4296,7 +4262,7 @@
               <a:buChar char="○"/>
               <a:defRPr sz="1200"/>
             </a:lvl2pPr>
-            <a:lvl3pPr marL="1371600" lvl="2" indent="-304800" rtl="0">
+            <a:lvl3pPr indent="-304800" lvl="2" marL="1371600" rtl="0">
               <a:spcBef>
                 <a:spcPts val="0"/>
               </a:spcBef>
@@ -4307,7 +4273,7 @@
               <a:buChar char="■"/>
               <a:defRPr sz="1200"/>
             </a:lvl3pPr>
-            <a:lvl4pPr marL="1828800" lvl="3" indent="-304800" rtl="0">
+            <a:lvl4pPr indent="-304800" lvl="3" marL="1828800" rtl="0">
               <a:spcBef>
                 <a:spcPts val="0"/>
               </a:spcBef>
@@ -4318,7 +4284,7 @@
               <a:buChar char="●"/>
               <a:defRPr sz="1200"/>
             </a:lvl4pPr>
-            <a:lvl5pPr marL="2286000" lvl="4" indent="-304800" rtl="0">
+            <a:lvl5pPr indent="-304800" lvl="4" marL="2286000" rtl="0">
               <a:spcBef>
                 <a:spcPts val="0"/>
               </a:spcBef>
@@ -4329,7 +4295,7 @@
               <a:buChar char="○"/>
               <a:defRPr sz="1200"/>
             </a:lvl5pPr>
-            <a:lvl6pPr marL="2743200" lvl="5" indent="-304800" rtl="0">
+            <a:lvl6pPr indent="-304800" lvl="5" marL="2743200" rtl="0">
               <a:spcBef>
                 <a:spcPts val="0"/>
               </a:spcBef>
@@ -4340,7 +4306,7 @@
               <a:buChar char="■"/>
               <a:defRPr sz="1200"/>
             </a:lvl6pPr>
-            <a:lvl7pPr marL="3200400" lvl="6" indent="-304800" rtl="0">
+            <a:lvl7pPr indent="-304800" lvl="6" marL="3200400" rtl="0">
               <a:spcBef>
                 <a:spcPts val="0"/>
               </a:spcBef>
@@ -4351,7 +4317,7 @@
               <a:buChar char="●"/>
               <a:defRPr sz="1200"/>
             </a:lvl7pPr>
-            <a:lvl8pPr marL="3657600" lvl="7" indent="-304800" rtl="0">
+            <a:lvl8pPr indent="-304800" lvl="7" marL="3657600" rtl="0">
               <a:spcBef>
                 <a:spcPts val="0"/>
               </a:spcBef>
@@ -4362,7 +4328,7 @@
               <a:buChar char="○"/>
               <a:defRPr sz="1200"/>
             </a:lvl8pPr>
-            <a:lvl9pPr marL="4114800" lvl="8" indent="-304800" rtl="0">
+            <a:lvl9pPr indent="-304800" lvl="8" marL="4114800" rtl="0">
               <a:spcBef>
                 <a:spcPts val="0"/>
               </a:spcBef>
@@ -4374,19 +4340,15 @@
               <a:defRPr sz="1200"/>
             </a:lvl9pPr>
           </a:lstStyle>
-          <a:p>
-            <a:endParaRPr/>
-          </a:p>
+          <a:p/>
         </p:txBody>
       </p:sp>
       <p:sp>
         <p:nvSpPr>
           <p:cNvPr id="24" name="Google Shape;24;p5"/>
-          <p:cNvSpPr txBox="1">
-            <a:spLocks noGrp="1"/>
-          </p:cNvSpPr>
+          <p:cNvSpPr txBox="1"/>
           <p:nvPr>
-            <p:ph type="sldNum" idx="12"/>
+            <p:ph idx="12" type="sldNum"/>
           </p:nvPr>
         </p:nvSpPr>
         <p:spPr>
@@ -4399,7 +4361,7 @@
           </a:prstGeom>
         </p:spPr>
         <p:txBody>
-          <a:bodyPr spcFirstLastPara="1" wrap="square" lIns="91425" tIns="91425" rIns="91425" bIns="91425" anchor="ctr" anchorCtr="0">
+          <a:bodyPr anchorCtr="0" anchor="ctr" bIns="91425" lIns="91425" spcFirstLastPara="1" rIns="91425" wrap="square" tIns="91425">
             <a:normAutofit/>
           </a:bodyPr>
           <a:lstStyle>
@@ -4441,7 +4403,7 @@
             </a:lvl9pPr>
           </a:lstStyle>
           <a:p>
-            <a:pPr marL="0" lvl="0" indent="0" algn="r" rtl="0">
+            <a:pPr indent="0" lvl="0" marL="0" rtl="0" algn="r">
               <a:spcBef>
                 <a:spcPts val="0"/>
               </a:spcBef>
@@ -4467,11 +4429,11 @@
 </file>
 
 <file path=ppt/slideLayouts/slideLayout5.xml><?xml version="1.0" encoding="utf-8"?>
-<p:sldLayout xmlns:a="http://schemas.openxmlformats.org/drawingml/2006/main" xmlns:r="http://schemas.openxmlformats.org/officeDocument/2006/relationships" xmlns:p="http://schemas.openxmlformats.org/presentationml/2006/main" matchingName="Title only" type="titleOnly">
+<p:sldLayout xmlns:a="http://schemas.openxmlformats.org/drawingml/2006/main" xmlns:r="http://schemas.openxmlformats.org/officeDocument/2006/relationships" xmlns:mc="http://schemas.openxmlformats.org/markup-compatibility/2006" xmlns:mv="urn:schemas-microsoft-com:mac:vml" xmlns:p="http://schemas.openxmlformats.org/presentationml/2006/main" xmlns:c="http://schemas.openxmlformats.org/drawingml/2006/chart" xmlns:dgm="http://schemas.openxmlformats.org/drawingml/2006/diagram" xmlns:o="urn:schemas-microsoft-com:office:office" xmlns:v="urn:schemas-microsoft-com:vml" xmlns:pvml="urn:schemas-microsoft-com:office:powerpoint" xmlns:com="http://schemas.openxmlformats.org/drawingml/2006/compatibility" xmlns:p14="http://schemas.microsoft.com/office/powerpoint/2010/main" xmlns:p15="http://schemas.microsoft.com/office/powerpoint/2012/main" xmlns:ahyp="http://schemas.microsoft.com/office/drawing/2018/hyperlinkcolor" matchingName="Title only" type="titleOnly">
   <p:cSld name="TITLE_ONLY">
     <p:spTree>
       <p:nvGrpSpPr>
-        <p:cNvPr id="1" name="Shape 25"/>
+        <p:cNvPr id="25" name="Shape 25"/>
         <p:cNvGrpSpPr/>
         <p:nvPr/>
       </p:nvGrpSpPr>
@@ -4486,9 +4448,7 @@
       <p:sp>
         <p:nvSpPr>
           <p:cNvPr id="26" name="Google Shape;26;p6"/>
-          <p:cNvSpPr txBox="1">
-            <a:spLocks noGrp="1"/>
-          </p:cNvSpPr>
+          <p:cNvSpPr txBox="1"/>
           <p:nvPr>
             <p:ph type="title"/>
           </p:nvPr>
@@ -4503,7 +4463,7 @@
           </a:prstGeom>
         </p:spPr>
         <p:txBody>
-          <a:bodyPr spcFirstLastPara="1" wrap="square" lIns="91425" tIns="91425" rIns="91425" bIns="91425" anchor="t" anchorCtr="0">
+          <a:bodyPr anchorCtr="0" anchor="t" bIns="91425" lIns="91425" spcFirstLastPara="1" rIns="91425" wrap="square" tIns="91425">
             <a:normAutofit/>
           </a:bodyPr>
           <a:lstStyle>
@@ -4607,19 +4567,15 @@
               <a:defRPr/>
             </a:lvl9pPr>
           </a:lstStyle>
-          <a:p>
-            <a:endParaRPr/>
-          </a:p>
+          <a:p/>
         </p:txBody>
       </p:sp>
       <p:sp>
         <p:nvSpPr>
           <p:cNvPr id="27" name="Google Shape;27;p6"/>
-          <p:cNvSpPr txBox="1">
-            <a:spLocks noGrp="1"/>
-          </p:cNvSpPr>
+          <p:cNvSpPr txBox="1"/>
           <p:nvPr>
-            <p:ph type="sldNum" idx="12"/>
+            <p:ph idx="12" type="sldNum"/>
           </p:nvPr>
         </p:nvSpPr>
         <p:spPr>
@@ -4632,7 +4588,7 @@
           </a:prstGeom>
         </p:spPr>
         <p:txBody>
-          <a:bodyPr spcFirstLastPara="1" wrap="square" lIns="91425" tIns="91425" rIns="91425" bIns="91425" anchor="ctr" anchorCtr="0">
+          <a:bodyPr anchorCtr="0" anchor="ctr" bIns="91425" lIns="91425" spcFirstLastPara="1" rIns="91425" wrap="square" tIns="91425">
             <a:normAutofit/>
           </a:bodyPr>
           <a:lstStyle>
@@ -4674,7 +4630,7 @@
             </a:lvl9pPr>
           </a:lstStyle>
           <a:p>
-            <a:pPr marL="0" lvl="0" indent="0" algn="r" rtl="0">
+            <a:pPr indent="0" lvl="0" marL="0" rtl="0" algn="r">
               <a:spcBef>
                 <a:spcPts val="0"/>
               </a:spcBef>
@@ -4700,11 +4656,11 @@
 </file>
 
 <file path=ppt/slideLayouts/slideLayout6.xml><?xml version="1.0" encoding="utf-8"?>
-<p:sldLayout xmlns:a="http://schemas.openxmlformats.org/drawingml/2006/main" xmlns:r="http://schemas.openxmlformats.org/officeDocument/2006/relationships" xmlns:p="http://schemas.openxmlformats.org/presentationml/2006/main" matchingName="One column text">
+<p:sldLayout xmlns:a="http://schemas.openxmlformats.org/drawingml/2006/main" xmlns:r="http://schemas.openxmlformats.org/officeDocument/2006/relationships" xmlns:mc="http://schemas.openxmlformats.org/markup-compatibility/2006" xmlns:mv="urn:schemas-microsoft-com:mac:vml" xmlns:p="http://schemas.openxmlformats.org/presentationml/2006/main" xmlns:c="http://schemas.openxmlformats.org/drawingml/2006/chart" xmlns:dgm="http://schemas.openxmlformats.org/drawingml/2006/diagram" xmlns:o="urn:schemas-microsoft-com:office:office" xmlns:v="urn:schemas-microsoft-com:vml" xmlns:pvml="urn:schemas-microsoft-com:office:powerpoint" xmlns:com="http://schemas.openxmlformats.org/drawingml/2006/compatibility" xmlns:p14="http://schemas.microsoft.com/office/powerpoint/2010/main" xmlns:p15="http://schemas.microsoft.com/office/powerpoint/2012/main" xmlns:ahyp="http://schemas.microsoft.com/office/drawing/2018/hyperlinkcolor" matchingName="One column text">
   <p:cSld name="ONE_COLUMN_TEXT">
     <p:spTree>
       <p:nvGrpSpPr>
-        <p:cNvPr id="1" name="Shape 28"/>
+        <p:cNvPr id="28" name="Shape 28"/>
         <p:cNvGrpSpPr/>
         <p:nvPr/>
       </p:nvGrpSpPr>
@@ -4719,9 +4675,7 @@
       <p:sp>
         <p:nvSpPr>
           <p:cNvPr id="29" name="Google Shape;29;p7"/>
-          <p:cNvSpPr txBox="1">
-            <a:spLocks noGrp="1"/>
-          </p:cNvSpPr>
+          <p:cNvSpPr txBox="1"/>
           <p:nvPr>
             <p:ph type="title"/>
           </p:nvPr>
@@ -4736,7 +4690,7 @@
           </a:prstGeom>
         </p:spPr>
         <p:txBody>
-          <a:bodyPr spcFirstLastPara="1" wrap="square" lIns="91425" tIns="91425" rIns="91425" bIns="91425" anchor="b" anchorCtr="0">
+          <a:bodyPr anchorCtr="0" anchor="b" bIns="91425" lIns="91425" spcFirstLastPara="1" rIns="91425" wrap="square" tIns="91425">
             <a:normAutofit/>
           </a:bodyPr>
           <a:lstStyle>
@@ -4840,19 +4794,15 @@
               <a:defRPr sz="2400"/>
             </a:lvl9pPr>
           </a:lstStyle>
-          <a:p>
-            <a:endParaRPr/>
-          </a:p>
+          <a:p/>
         </p:txBody>
       </p:sp>
       <p:sp>
         <p:nvSpPr>
           <p:cNvPr id="30" name="Google Shape;30;p7"/>
-          <p:cNvSpPr txBox="1">
-            <a:spLocks noGrp="1"/>
-          </p:cNvSpPr>
+          <p:cNvSpPr txBox="1"/>
           <p:nvPr>
-            <p:ph type="body" idx="1"/>
+            <p:ph idx="1" type="body"/>
           </p:nvPr>
         </p:nvSpPr>
         <p:spPr>
@@ -4865,11 +4815,11 @@
           </a:prstGeom>
         </p:spPr>
         <p:txBody>
-          <a:bodyPr spcFirstLastPara="1" wrap="square" lIns="91425" tIns="91425" rIns="91425" bIns="91425" anchor="t" anchorCtr="0">
+          <a:bodyPr anchorCtr="0" anchor="t" bIns="91425" lIns="91425" spcFirstLastPara="1" rIns="91425" wrap="square" tIns="91425">
             <a:normAutofit/>
           </a:bodyPr>
           <a:lstStyle>
-            <a:lvl1pPr marL="457200" lvl="0" indent="-304800" rtl="0">
+            <a:lvl1pPr indent="-304800" lvl="0" marL="457200" rtl="0">
               <a:spcBef>
                 <a:spcPts val="0"/>
               </a:spcBef>
@@ -4880,7 +4830,7 @@
               <a:buChar char="●"/>
               <a:defRPr sz="1200"/>
             </a:lvl1pPr>
-            <a:lvl2pPr marL="914400" lvl="1" indent="-304800" rtl="0">
+            <a:lvl2pPr indent="-304800" lvl="1" marL="914400" rtl="0">
               <a:spcBef>
                 <a:spcPts val="0"/>
               </a:spcBef>
@@ -4891,7 +4841,7 @@
               <a:buChar char="○"/>
               <a:defRPr sz="1200"/>
             </a:lvl2pPr>
-            <a:lvl3pPr marL="1371600" lvl="2" indent="-304800" rtl="0">
+            <a:lvl3pPr indent="-304800" lvl="2" marL="1371600" rtl="0">
               <a:spcBef>
                 <a:spcPts val="0"/>
               </a:spcBef>
@@ -4902,7 +4852,7 @@
               <a:buChar char="■"/>
               <a:defRPr sz="1200"/>
             </a:lvl3pPr>
-            <a:lvl4pPr marL="1828800" lvl="3" indent="-304800" rtl="0">
+            <a:lvl4pPr indent="-304800" lvl="3" marL="1828800" rtl="0">
               <a:spcBef>
                 <a:spcPts val="0"/>
               </a:spcBef>
@@ -4913,7 +4863,7 @@
               <a:buChar char="●"/>
               <a:defRPr sz="1200"/>
             </a:lvl4pPr>
-            <a:lvl5pPr marL="2286000" lvl="4" indent="-304800" rtl="0">
+            <a:lvl5pPr indent="-304800" lvl="4" marL="2286000" rtl="0">
               <a:spcBef>
                 <a:spcPts val="0"/>
               </a:spcBef>
@@ -4924,7 +4874,7 @@
               <a:buChar char="○"/>
               <a:defRPr sz="1200"/>
             </a:lvl5pPr>
-            <a:lvl6pPr marL="2743200" lvl="5" indent="-304800" rtl="0">
+            <a:lvl6pPr indent="-304800" lvl="5" marL="2743200" rtl="0">
               <a:spcBef>
                 <a:spcPts val="0"/>
               </a:spcBef>
@@ -4935,7 +4885,7 @@
               <a:buChar char="■"/>
               <a:defRPr sz="1200"/>
             </a:lvl6pPr>
-            <a:lvl7pPr marL="3200400" lvl="6" indent="-304800" rtl="0">
+            <a:lvl7pPr indent="-304800" lvl="6" marL="3200400" rtl="0">
               <a:spcBef>
                 <a:spcPts val="0"/>
               </a:spcBef>
@@ -4946,7 +4896,7 @@
               <a:buChar char="●"/>
               <a:defRPr sz="1200"/>
             </a:lvl7pPr>
-            <a:lvl8pPr marL="3657600" lvl="7" indent="-304800" rtl="0">
+            <a:lvl8pPr indent="-304800" lvl="7" marL="3657600" rtl="0">
               <a:spcBef>
                 <a:spcPts val="0"/>
               </a:spcBef>
@@ -4957,7 +4907,7 @@
               <a:buChar char="○"/>
               <a:defRPr sz="1200"/>
             </a:lvl8pPr>
-            <a:lvl9pPr marL="4114800" lvl="8" indent="-304800" rtl="0">
+            <a:lvl9pPr indent="-304800" lvl="8" marL="4114800" rtl="0">
               <a:spcBef>
                 <a:spcPts val="0"/>
               </a:spcBef>
@@ -4969,19 +4919,15 @@
               <a:defRPr sz="1200"/>
             </a:lvl9pPr>
           </a:lstStyle>
-          <a:p>
-            <a:endParaRPr/>
-          </a:p>
+          <a:p/>
         </p:txBody>
       </p:sp>
       <p:sp>
         <p:nvSpPr>
           <p:cNvPr id="31" name="Google Shape;31;p7"/>
-          <p:cNvSpPr txBox="1">
-            <a:spLocks noGrp="1"/>
-          </p:cNvSpPr>
+          <p:cNvSpPr txBox="1"/>
           <p:nvPr>
-            <p:ph type="sldNum" idx="12"/>
+            <p:ph idx="12" type="sldNum"/>
           </p:nvPr>
         </p:nvSpPr>
         <p:spPr>
@@ -4994,7 +4940,7 @@
           </a:prstGeom>
         </p:spPr>
         <p:txBody>
-          <a:bodyPr spcFirstLastPara="1" wrap="square" lIns="91425" tIns="91425" rIns="91425" bIns="91425" anchor="ctr" anchorCtr="0">
+          <a:bodyPr anchorCtr="0" anchor="ctr" bIns="91425" lIns="91425" spcFirstLastPara="1" rIns="91425" wrap="square" tIns="91425">
             <a:normAutofit/>
           </a:bodyPr>
           <a:lstStyle>
@@ -5036,7 +4982,7 @@
             </a:lvl9pPr>
           </a:lstStyle>
           <a:p>
-            <a:pPr marL="0" lvl="0" indent="0" algn="r" rtl="0">
+            <a:pPr indent="0" lvl="0" marL="0" rtl="0" algn="r">
               <a:spcBef>
                 <a:spcPts val="0"/>
               </a:spcBef>
@@ -5062,11 +5008,11 @@
 </file>
 
 <file path=ppt/slideLayouts/slideLayout7.xml><?xml version="1.0" encoding="utf-8"?>
-<p:sldLayout xmlns:a="http://schemas.openxmlformats.org/drawingml/2006/main" xmlns:r="http://schemas.openxmlformats.org/officeDocument/2006/relationships" xmlns:p="http://schemas.openxmlformats.org/presentationml/2006/main" matchingName="Main point">
+<p:sldLayout xmlns:a="http://schemas.openxmlformats.org/drawingml/2006/main" xmlns:r="http://schemas.openxmlformats.org/officeDocument/2006/relationships" xmlns:mc="http://schemas.openxmlformats.org/markup-compatibility/2006" xmlns:mv="urn:schemas-microsoft-com:mac:vml" xmlns:p="http://schemas.openxmlformats.org/presentationml/2006/main" xmlns:c="http://schemas.openxmlformats.org/drawingml/2006/chart" xmlns:dgm="http://schemas.openxmlformats.org/drawingml/2006/diagram" xmlns:o="urn:schemas-microsoft-com:office:office" xmlns:v="urn:schemas-microsoft-com:vml" xmlns:pvml="urn:schemas-microsoft-com:office:powerpoint" xmlns:com="http://schemas.openxmlformats.org/drawingml/2006/compatibility" xmlns:p14="http://schemas.microsoft.com/office/powerpoint/2010/main" xmlns:p15="http://schemas.microsoft.com/office/powerpoint/2012/main" xmlns:ahyp="http://schemas.microsoft.com/office/drawing/2018/hyperlinkcolor" matchingName="Main point">
   <p:cSld name="MAIN_POINT">
     <p:spTree>
       <p:nvGrpSpPr>
-        <p:cNvPr id="1" name="Shape 32"/>
+        <p:cNvPr id="32" name="Shape 32"/>
         <p:cNvGrpSpPr/>
         <p:nvPr/>
       </p:nvGrpSpPr>
@@ -5081,9 +5027,7 @@
       <p:sp>
         <p:nvSpPr>
           <p:cNvPr id="33" name="Google Shape;33;p8"/>
-          <p:cNvSpPr txBox="1">
-            <a:spLocks noGrp="1"/>
-          </p:cNvSpPr>
+          <p:cNvSpPr txBox="1"/>
           <p:nvPr>
             <p:ph type="title"/>
           </p:nvPr>
@@ -5098,7 +5042,7 @@
           </a:prstGeom>
         </p:spPr>
         <p:txBody>
-          <a:bodyPr spcFirstLastPara="1" wrap="square" lIns="91425" tIns="91425" rIns="91425" bIns="91425" anchor="ctr" anchorCtr="0">
+          <a:bodyPr anchorCtr="0" anchor="ctr" bIns="91425" lIns="91425" spcFirstLastPara="1" rIns="91425" wrap="square" tIns="91425">
             <a:normAutofit/>
           </a:bodyPr>
           <a:lstStyle>
@@ -5202,19 +5146,15 @@
               <a:defRPr sz="4800"/>
             </a:lvl9pPr>
           </a:lstStyle>
-          <a:p>
-            <a:endParaRPr/>
-          </a:p>
+          <a:p/>
         </p:txBody>
       </p:sp>
       <p:sp>
         <p:nvSpPr>
           <p:cNvPr id="34" name="Google Shape;34;p8"/>
-          <p:cNvSpPr txBox="1">
-            <a:spLocks noGrp="1"/>
-          </p:cNvSpPr>
+          <p:cNvSpPr txBox="1"/>
           <p:nvPr>
-            <p:ph type="sldNum" idx="12"/>
+            <p:ph idx="12" type="sldNum"/>
           </p:nvPr>
         </p:nvSpPr>
         <p:spPr>
@@ -5227,7 +5167,7 @@
           </a:prstGeom>
         </p:spPr>
         <p:txBody>
-          <a:bodyPr spcFirstLastPara="1" wrap="square" lIns="91425" tIns="91425" rIns="91425" bIns="91425" anchor="ctr" anchorCtr="0">
+          <a:bodyPr anchorCtr="0" anchor="ctr" bIns="91425" lIns="91425" spcFirstLastPara="1" rIns="91425" wrap="square" tIns="91425">
             <a:normAutofit/>
           </a:bodyPr>
           <a:lstStyle>
@@ -5269,7 +5209,7 @@
             </a:lvl9pPr>
           </a:lstStyle>
           <a:p>
-            <a:pPr marL="0" lvl="0" indent="0" algn="r" rtl="0">
+            <a:pPr indent="0" lvl="0" marL="0" rtl="0" algn="r">
               <a:spcBef>
                 <a:spcPts val="0"/>
               </a:spcBef>
@@ -5295,11 +5235,11 @@
 </file>
 
 <file path=ppt/slideLayouts/slideLayout8.xml><?xml version="1.0" encoding="utf-8"?>
-<p:sldLayout xmlns:a="http://schemas.openxmlformats.org/drawingml/2006/main" xmlns:r="http://schemas.openxmlformats.org/officeDocument/2006/relationships" xmlns:p="http://schemas.openxmlformats.org/presentationml/2006/main" matchingName="Section title and description">
+<p:sldLayout xmlns:a="http://schemas.openxmlformats.org/drawingml/2006/main" xmlns:r="http://schemas.openxmlformats.org/officeDocument/2006/relationships" xmlns:mc="http://schemas.openxmlformats.org/markup-compatibility/2006" xmlns:mv="urn:schemas-microsoft-com:mac:vml" xmlns:p="http://schemas.openxmlformats.org/presentationml/2006/main" xmlns:c="http://schemas.openxmlformats.org/drawingml/2006/chart" xmlns:dgm="http://schemas.openxmlformats.org/drawingml/2006/diagram" xmlns:o="urn:schemas-microsoft-com:office:office" xmlns:v="urn:schemas-microsoft-com:vml" xmlns:pvml="urn:schemas-microsoft-com:office:powerpoint" xmlns:com="http://schemas.openxmlformats.org/drawingml/2006/compatibility" xmlns:p14="http://schemas.microsoft.com/office/powerpoint/2010/main" xmlns:p15="http://schemas.microsoft.com/office/powerpoint/2012/main" xmlns:ahyp="http://schemas.microsoft.com/office/drawing/2018/hyperlinkcolor" matchingName="Section title and description">
   <p:cSld name="SECTION_TITLE_AND_DESCRIPTION">
     <p:spTree>
       <p:nvGrpSpPr>
-        <p:cNvPr id="1" name="Shape 35"/>
+        <p:cNvPr id="35" name="Shape 35"/>
         <p:cNvGrpSpPr/>
         <p:nvPr/>
       </p:nvGrpSpPr>
@@ -5333,20 +5273,23 @@
           </a:ln>
         </p:spPr>
         <p:txBody>
-          <a:bodyPr spcFirstLastPara="1" wrap="square" lIns="91425" tIns="91425" rIns="91425" bIns="91425" anchor="ctr" anchorCtr="0">
+          <a:bodyPr anchorCtr="0" anchor="ctr" bIns="91425" lIns="91425" spcFirstLastPara="1" rIns="91425" wrap="square" tIns="91425">
             <a:noAutofit/>
           </a:bodyPr>
           <a:lstStyle/>
           <a:p>
-            <a:pPr marL="0" lvl="0" indent="0" algn="l" rtl="0">
-              <a:spcBef>
-                <a:spcPts val="0"/>
-              </a:spcBef>
-              <a:spcAft>
-                <a:spcPts val="0"/>
-              </a:spcAft>
-              <a:buNone/>
-            </a:pPr>
+            <a:pPr indent="0" lvl="0" marL="0" rtl="0" algn="l">
+              <a:spcBef>
+                <a:spcPts val="0"/>
+              </a:spcBef>
+              <a:spcAft>
+                <a:spcPts val="0"/>
+              </a:spcAft>
+              <a:buNone/>
+            </a:pPr>
+            <a:r>
+              <a:t/>
+            </a:r>
             <a:endParaRPr/>
           </a:p>
         </p:txBody>
@@ -5354,9 +5297,7 @@
       <p:sp>
         <p:nvSpPr>
           <p:cNvPr id="37" name="Google Shape;37;p9"/>
-          <p:cNvSpPr txBox="1">
-            <a:spLocks noGrp="1"/>
-          </p:cNvSpPr>
+          <p:cNvSpPr txBox="1"/>
           <p:nvPr>
             <p:ph type="title"/>
           </p:nvPr>
@@ -5371,11 +5312,11 @@
           </a:prstGeom>
         </p:spPr>
         <p:txBody>
-          <a:bodyPr spcFirstLastPara="1" wrap="square" lIns="91425" tIns="91425" rIns="91425" bIns="91425" anchor="b" anchorCtr="0">
+          <a:bodyPr anchorCtr="0" anchor="b" bIns="91425" lIns="91425" spcFirstLastPara="1" rIns="91425" wrap="square" tIns="91425">
             <a:normAutofit/>
           </a:bodyPr>
           <a:lstStyle>
-            <a:lvl1pPr lvl="0" algn="ctr" rtl="0">
+            <a:lvl1pPr lvl="0" rtl="0" algn="ctr">
               <a:spcBef>
                 <a:spcPts val="0"/>
               </a:spcBef>
@@ -5386,7 +5327,7 @@
               <a:buNone/>
               <a:defRPr sz="4200"/>
             </a:lvl1pPr>
-            <a:lvl2pPr lvl="1" algn="ctr" rtl="0">
+            <a:lvl2pPr lvl="1" rtl="0" algn="ctr">
               <a:spcBef>
                 <a:spcPts val="0"/>
               </a:spcBef>
@@ -5397,7 +5338,7 @@
               <a:buNone/>
               <a:defRPr sz="4200"/>
             </a:lvl2pPr>
-            <a:lvl3pPr lvl="2" algn="ctr" rtl="0">
+            <a:lvl3pPr lvl="2" rtl="0" algn="ctr">
               <a:spcBef>
                 <a:spcPts val="0"/>
               </a:spcBef>
@@ -5408,7 +5349,7 @@
               <a:buNone/>
               <a:defRPr sz="4200"/>
             </a:lvl3pPr>
-            <a:lvl4pPr lvl="3" algn="ctr" rtl="0">
+            <a:lvl4pPr lvl="3" rtl="0" algn="ctr">
               <a:spcBef>
                 <a:spcPts val="0"/>
               </a:spcBef>
@@ -5419,7 +5360,7 @@
               <a:buNone/>
               <a:defRPr sz="4200"/>
             </a:lvl4pPr>
-            <a:lvl5pPr lvl="4" algn="ctr" rtl="0">
+            <a:lvl5pPr lvl="4" rtl="0" algn="ctr">
               <a:spcBef>
                 <a:spcPts val="0"/>
               </a:spcBef>
@@ -5430,7 +5371,7 @@
               <a:buNone/>
               <a:defRPr sz="4200"/>
             </a:lvl5pPr>
-            <a:lvl6pPr lvl="5" algn="ctr" rtl="0">
+            <a:lvl6pPr lvl="5" rtl="0" algn="ctr">
               <a:spcBef>
                 <a:spcPts val="0"/>
               </a:spcBef>
@@ -5441,7 +5382,7 @@
               <a:buNone/>
               <a:defRPr sz="4200"/>
             </a:lvl6pPr>
-            <a:lvl7pPr lvl="6" algn="ctr" rtl="0">
+            <a:lvl7pPr lvl="6" rtl="0" algn="ctr">
               <a:spcBef>
                 <a:spcPts val="0"/>
               </a:spcBef>
@@ -5452,7 +5393,7 @@
               <a:buNone/>
               <a:defRPr sz="4200"/>
             </a:lvl7pPr>
-            <a:lvl8pPr lvl="7" algn="ctr" rtl="0">
+            <a:lvl8pPr lvl="7" rtl="0" algn="ctr">
               <a:spcBef>
                 <a:spcPts val="0"/>
               </a:spcBef>
@@ -5463,7 +5404,7 @@
               <a:buNone/>
               <a:defRPr sz="4200"/>
             </a:lvl8pPr>
-            <a:lvl9pPr lvl="8" algn="ctr" rtl="0">
+            <a:lvl9pPr lvl="8" rtl="0" algn="ctr">
               <a:spcBef>
                 <a:spcPts val="0"/>
               </a:spcBef>
@@ -5475,19 +5416,15 @@
               <a:defRPr sz="4200"/>
             </a:lvl9pPr>
           </a:lstStyle>
-          <a:p>
-            <a:endParaRPr/>
-          </a:p>
+          <a:p/>
         </p:txBody>
       </p:sp>
       <p:sp>
         <p:nvSpPr>
           <p:cNvPr id="38" name="Google Shape;38;p9"/>
-          <p:cNvSpPr txBox="1">
-            <a:spLocks noGrp="1"/>
-          </p:cNvSpPr>
+          <p:cNvSpPr txBox="1"/>
           <p:nvPr>
-            <p:ph type="subTitle" idx="1"/>
+            <p:ph idx="1" type="subTitle"/>
           </p:nvPr>
         </p:nvSpPr>
         <p:spPr>
@@ -5500,11 +5437,11 @@
           </a:prstGeom>
         </p:spPr>
         <p:txBody>
-          <a:bodyPr spcFirstLastPara="1" wrap="square" lIns="91425" tIns="91425" rIns="91425" bIns="91425" anchor="t" anchorCtr="0">
+          <a:bodyPr anchorCtr="0" anchor="t" bIns="91425" lIns="91425" spcFirstLastPara="1" rIns="91425" wrap="square" tIns="91425">
             <a:normAutofit/>
           </a:bodyPr>
           <a:lstStyle>
-            <a:lvl1pPr lvl="0" algn="ctr" rtl="0">
+            <a:lvl1pPr lvl="0" rtl="0" algn="ctr">
               <a:lnSpc>
                 <a:spcPct val="100000"/>
               </a:lnSpc>
@@ -5518,7 +5455,7 @@
               <a:buNone/>
               <a:defRPr sz="2100"/>
             </a:lvl1pPr>
-            <a:lvl2pPr lvl="1" algn="ctr" rtl="0">
+            <a:lvl2pPr lvl="1" rtl="0" algn="ctr">
               <a:lnSpc>
                 <a:spcPct val="100000"/>
               </a:lnSpc>
@@ -5532,7 +5469,7 @@
               <a:buNone/>
               <a:defRPr sz="2100"/>
             </a:lvl2pPr>
-            <a:lvl3pPr lvl="2" algn="ctr" rtl="0">
+            <a:lvl3pPr lvl="2" rtl="0" algn="ctr">
               <a:lnSpc>
                 <a:spcPct val="100000"/>
               </a:lnSpc>
@@ -5546,7 +5483,7 @@
               <a:buNone/>
               <a:defRPr sz="2100"/>
             </a:lvl3pPr>
-            <a:lvl4pPr lvl="3" algn="ctr" rtl="0">
+            <a:lvl4pPr lvl="3" rtl="0" algn="ctr">
               <a:lnSpc>
                 <a:spcPct val="100000"/>
               </a:lnSpc>
@@ -5560,7 +5497,7 @@
               <a:buNone/>
               <a:defRPr sz="2100"/>
             </a:lvl4pPr>
-            <a:lvl5pPr lvl="4" algn="ctr" rtl="0">
+            <a:lvl5pPr lvl="4" rtl="0" algn="ctr">
               <a:lnSpc>
                 <a:spcPct val="100000"/>
               </a:lnSpc>
@@ -5574,7 +5511,7 @@
               <a:buNone/>
               <a:defRPr sz="2100"/>
             </a:lvl5pPr>
-            <a:lvl6pPr lvl="5" algn="ctr" rtl="0">
+            <a:lvl6pPr lvl="5" rtl="0" algn="ctr">
               <a:lnSpc>
                 <a:spcPct val="100000"/>
               </a:lnSpc>
@@ -5588,7 +5525,7 @@
               <a:buNone/>
               <a:defRPr sz="2100"/>
             </a:lvl6pPr>
-            <a:lvl7pPr lvl="6" algn="ctr" rtl="0">
+            <a:lvl7pPr lvl="6" rtl="0" algn="ctr">
               <a:lnSpc>
                 <a:spcPct val="100000"/>
               </a:lnSpc>
@@ -5602,7 +5539,7 @@
               <a:buNone/>
               <a:defRPr sz="2100"/>
             </a:lvl7pPr>
-            <a:lvl8pPr lvl="7" algn="ctr" rtl="0">
+            <a:lvl8pPr lvl="7" rtl="0" algn="ctr">
               <a:lnSpc>
                 <a:spcPct val="100000"/>
               </a:lnSpc>
@@ -5616,7 +5553,7 @@
               <a:buNone/>
               <a:defRPr sz="2100"/>
             </a:lvl8pPr>
-            <a:lvl9pPr lvl="8" algn="ctr" rtl="0">
+            <a:lvl9pPr lvl="8" rtl="0" algn="ctr">
               <a:lnSpc>
                 <a:spcPct val="100000"/>
               </a:lnSpc>
@@ -5631,19 +5568,15 @@
               <a:defRPr sz="2100"/>
             </a:lvl9pPr>
           </a:lstStyle>
-          <a:p>
-            <a:endParaRPr/>
-          </a:p>
+          <a:p/>
         </p:txBody>
       </p:sp>
       <p:sp>
         <p:nvSpPr>
           <p:cNvPr id="39" name="Google Shape;39;p9"/>
-          <p:cNvSpPr txBox="1">
-            <a:spLocks noGrp="1"/>
-          </p:cNvSpPr>
+          <p:cNvSpPr txBox="1"/>
           <p:nvPr>
-            <p:ph type="body" idx="2"/>
+            <p:ph idx="2" type="body"/>
           </p:nvPr>
         </p:nvSpPr>
         <p:spPr>
@@ -5656,11 +5589,11 @@
           </a:prstGeom>
         </p:spPr>
         <p:txBody>
-          <a:bodyPr spcFirstLastPara="1" wrap="square" lIns="91425" tIns="91425" rIns="91425" bIns="91425" anchor="ctr" anchorCtr="0">
+          <a:bodyPr anchorCtr="0" anchor="ctr" bIns="91425" lIns="91425" spcFirstLastPara="1" rIns="91425" wrap="square" tIns="91425">
             <a:normAutofit/>
           </a:bodyPr>
           <a:lstStyle>
-            <a:lvl1pPr marL="457200" lvl="0" indent="-342900" rtl="0">
+            <a:lvl1pPr indent="-342900" lvl="0" marL="457200" rtl="0">
               <a:spcBef>
                 <a:spcPts val="0"/>
               </a:spcBef>
@@ -5671,7 +5604,7 @@
               <a:buChar char="●"/>
               <a:defRPr/>
             </a:lvl1pPr>
-            <a:lvl2pPr marL="914400" lvl="1" indent="-317500" rtl="0">
+            <a:lvl2pPr indent="-317500" lvl="1" marL="914400" rtl="0">
               <a:spcBef>
                 <a:spcPts val="0"/>
               </a:spcBef>
@@ -5682,7 +5615,7 @@
               <a:buChar char="○"/>
               <a:defRPr/>
             </a:lvl2pPr>
-            <a:lvl3pPr marL="1371600" lvl="2" indent="-317500" rtl="0">
+            <a:lvl3pPr indent="-317500" lvl="2" marL="1371600" rtl="0">
               <a:spcBef>
                 <a:spcPts val="0"/>
               </a:spcBef>
@@ -5693,7 +5626,7 @@
               <a:buChar char="■"/>
               <a:defRPr/>
             </a:lvl3pPr>
-            <a:lvl4pPr marL="1828800" lvl="3" indent="-317500" rtl="0">
+            <a:lvl4pPr indent="-317500" lvl="3" marL="1828800" rtl="0">
               <a:spcBef>
                 <a:spcPts val="0"/>
               </a:spcBef>
@@ -5704,7 +5637,7 @@
               <a:buChar char="●"/>
               <a:defRPr/>
             </a:lvl4pPr>
-            <a:lvl5pPr marL="2286000" lvl="4" indent="-317500" rtl="0">
+            <a:lvl5pPr indent="-317500" lvl="4" marL="2286000" rtl="0">
               <a:spcBef>
                 <a:spcPts val="0"/>
               </a:spcBef>
@@ -5715,7 +5648,7 @@
               <a:buChar char="○"/>
               <a:defRPr/>
             </a:lvl5pPr>
-            <a:lvl6pPr marL="2743200" lvl="5" indent="-317500" rtl="0">
+            <a:lvl6pPr indent="-317500" lvl="5" marL="2743200" rtl="0">
               <a:spcBef>
                 <a:spcPts val="0"/>
               </a:spcBef>
@@ -5726,7 +5659,7 @@
               <a:buChar char="■"/>
               <a:defRPr/>
             </a:lvl6pPr>
-            <a:lvl7pPr marL="3200400" lvl="6" indent="-317500" rtl="0">
+            <a:lvl7pPr indent="-317500" lvl="6" marL="3200400" rtl="0">
               <a:spcBef>
                 <a:spcPts val="0"/>
               </a:spcBef>
@@ -5737,7 +5670,7 @@
               <a:buChar char="●"/>
               <a:defRPr/>
             </a:lvl7pPr>
-            <a:lvl8pPr marL="3657600" lvl="7" indent="-317500" rtl="0">
+            <a:lvl8pPr indent="-317500" lvl="7" marL="3657600" rtl="0">
               <a:spcBef>
                 <a:spcPts val="0"/>
               </a:spcBef>
@@ -5748,7 +5681,7 @@
               <a:buChar char="○"/>
               <a:defRPr/>
             </a:lvl8pPr>
-            <a:lvl9pPr marL="4114800" lvl="8" indent="-317500" rtl="0">
+            <a:lvl9pPr indent="-317500" lvl="8" marL="4114800" rtl="0">
               <a:spcBef>
                 <a:spcPts val="0"/>
               </a:spcBef>
@@ -5760,19 +5693,15 @@
               <a:defRPr/>
             </a:lvl9pPr>
           </a:lstStyle>
-          <a:p>
-            <a:endParaRPr/>
-          </a:p>
+          <a:p/>
         </p:txBody>
       </p:sp>
       <p:sp>
         <p:nvSpPr>
           <p:cNvPr id="40" name="Google Shape;40;p9"/>
-          <p:cNvSpPr txBox="1">
-            <a:spLocks noGrp="1"/>
-          </p:cNvSpPr>
+          <p:cNvSpPr txBox="1"/>
           <p:nvPr>
-            <p:ph type="sldNum" idx="12"/>
+            <p:ph idx="12" type="sldNum"/>
           </p:nvPr>
         </p:nvSpPr>
         <p:spPr>
@@ -5785,7 +5714,7 @@
           </a:prstGeom>
         </p:spPr>
         <p:txBody>
-          <a:bodyPr spcFirstLastPara="1" wrap="square" lIns="91425" tIns="91425" rIns="91425" bIns="91425" anchor="ctr" anchorCtr="0">
+          <a:bodyPr anchorCtr="0" anchor="ctr" bIns="91425" lIns="91425" spcFirstLastPara="1" rIns="91425" wrap="square" tIns="91425">
             <a:normAutofit/>
           </a:bodyPr>
           <a:lstStyle>
@@ -5827,7 +5756,7 @@
             </a:lvl9pPr>
           </a:lstStyle>
           <a:p>
-            <a:pPr marL="0" lvl="0" indent="0" algn="r" rtl="0">
+            <a:pPr indent="0" lvl="0" marL="0" rtl="0" algn="r">
               <a:spcBef>
                 <a:spcPts val="0"/>
               </a:spcBef>
@@ -5853,11 +5782,11 @@
 </file>
 
 <file path=ppt/slideLayouts/slideLayout9.xml><?xml version="1.0" encoding="utf-8"?>
-<p:sldLayout xmlns:a="http://schemas.openxmlformats.org/drawingml/2006/main" xmlns:r="http://schemas.openxmlformats.org/officeDocument/2006/relationships" xmlns:p="http://schemas.openxmlformats.org/presentationml/2006/main" matchingName="Caption">
+<p:sldLayout xmlns:a="http://schemas.openxmlformats.org/drawingml/2006/main" xmlns:r="http://schemas.openxmlformats.org/officeDocument/2006/relationships" xmlns:mc="http://schemas.openxmlformats.org/markup-compatibility/2006" xmlns:mv="urn:schemas-microsoft-com:mac:vml" xmlns:p="http://schemas.openxmlformats.org/presentationml/2006/main" xmlns:c="http://schemas.openxmlformats.org/drawingml/2006/chart" xmlns:dgm="http://schemas.openxmlformats.org/drawingml/2006/diagram" xmlns:o="urn:schemas-microsoft-com:office:office" xmlns:v="urn:schemas-microsoft-com:vml" xmlns:pvml="urn:schemas-microsoft-com:office:powerpoint" xmlns:com="http://schemas.openxmlformats.org/drawingml/2006/compatibility" xmlns:p14="http://schemas.microsoft.com/office/powerpoint/2010/main" xmlns:p15="http://schemas.microsoft.com/office/powerpoint/2012/main" xmlns:ahyp="http://schemas.microsoft.com/office/drawing/2018/hyperlinkcolor" matchingName="Caption">
   <p:cSld name="CAPTION_ONLY">
     <p:spTree>
       <p:nvGrpSpPr>
-        <p:cNvPr id="1" name="Shape 41"/>
+        <p:cNvPr id="41" name="Shape 41"/>
         <p:cNvGrpSpPr/>
         <p:nvPr/>
       </p:nvGrpSpPr>
@@ -5872,11 +5801,9 @@
       <p:sp>
         <p:nvSpPr>
           <p:cNvPr id="42" name="Google Shape;42;p10"/>
-          <p:cNvSpPr txBox="1">
-            <a:spLocks noGrp="1"/>
-          </p:cNvSpPr>
+          <p:cNvSpPr txBox="1"/>
           <p:nvPr>
-            <p:ph type="body" idx="1"/>
+            <p:ph idx="1" type="body"/>
           </p:nvPr>
         </p:nvSpPr>
         <p:spPr>
@@ -5889,11 +5816,11 @@
           </a:prstGeom>
         </p:spPr>
         <p:txBody>
-          <a:bodyPr spcFirstLastPara="1" wrap="square" lIns="91425" tIns="91425" rIns="91425" bIns="91425" anchor="ctr" anchorCtr="0">
+          <a:bodyPr anchorCtr="0" anchor="ctr" bIns="91425" lIns="91425" spcFirstLastPara="1" rIns="91425" wrap="square" tIns="91425">
             <a:normAutofit/>
           </a:bodyPr>
           <a:lstStyle>
-            <a:lvl1pPr marL="457200" lvl="0" indent="-228600" rtl="0">
+            <a:lvl1pPr indent="-228600" lvl="0" marL="457200" rtl="0">
               <a:lnSpc>
                 <a:spcPct val="100000"/>
               </a:lnSpc>
@@ -5908,19 +5835,15 @@
               <a:defRPr/>
             </a:lvl1pPr>
           </a:lstStyle>
-          <a:p>
-            <a:endParaRPr/>
-          </a:p>
+          <a:p/>
         </p:txBody>
       </p:sp>
       <p:sp>
         <p:nvSpPr>
           <p:cNvPr id="43" name="Google Shape;43;p10"/>
-          <p:cNvSpPr txBox="1">
-            <a:spLocks noGrp="1"/>
-          </p:cNvSpPr>
+          <p:cNvSpPr txBox="1"/>
           <p:nvPr>
-            <p:ph type="sldNum" idx="12"/>
+            <p:ph idx="12" type="sldNum"/>
           </p:nvPr>
         </p:nvSpPr>
         <p:spPr>
@@ -5933,7 +5856,7 @@
           </a:prstGeom>
         </p:spPr>
         <p:txBody>
-          <a:bodyPr spcFirstLastPara="1" wrap="square" lIns="91425" tIns="91425" rIns="91425" bIns="91425" anchor="ctr" anchorCtr="0">
+          <a:bodyPr anchorCtr="0" anchor="ctr" bIns="91425" lIns="91425" spcFirstLastPara="1" rIns="91425" wrap="square" tIns="91425">
             <a:normAutofit/>
           </a:bodyPr>
           <a:lstStyle>
@@ -5975,7 +5898,7 @@
             </a:lvl9pPr>
           </a:lstStyle>
           <a:p>
-            <a:pPr marL="0" lvl="0" indent="0" algn="r" rtl="0">
+            <a:pPr indent="0" lvl="0" marL="0" rtl="0" algn="r">
               <a:spcBef>
                 <a:spcPts val="0"/>
               </a:spcBef>
@@ -6001,19 +5924,18 @@
 </file>
 
 <file path=ppt/slideMasters/slideMaster1.xml><?xml version="1.0" encoding="utf-8"?>
-<p:sldMaster xmlns:a="http://schemas.openxmlformats.org/drawingml/2006/main" xmlns:r="http://schemas.openxmlformats.org/officeDocument/2006/relationships" xmlns:p="http://schemas.openxmlformats.org/presentationml/2006/main">
+<p:sldMaster xmlns:a="http://schemas.openxmlformats.org/drawingml/2006/main" xmlns:r="http://schemas.openxmlformats.org/officeDocument/2006/relationships" xmlns:mc="http://schemas.openxmlformats.org/markup-compatibility/2006" xmlns:mv="urn:schemas-microsoft-com:mac:vml" xmlns:p="http://schemas.openxmlformats.org/presentationml/2006/main" xmlns:c="http://schemas.openxmlformats.org/drawingml/2006/chart" xmlns:dgm="http://schemas.openxmlformats.org/drawingml/2006/diagram" xmlns:o="urn:schemas-microsoft-com:office:office" xmlns:v="urn:schemas-microsoft-com:vml" xmlns:pvml="urn:schemas-microsoft-com:office:powerpoint" xmlns:com="http://schemas.openxmlformats.org/drawingml/2006/compatibility" xmlns:p14="http://schemas.microsoft.com/office/powerpoint/2010/main" xmlns:p15="http://schemas.microsoft.com/office/powerpoint/2012/main" xmlns:ahyp="http://schemas.microsoft.com/office/drawing/2018/hyperlinkcolor">
   <p:cSld name="simple-light-2">
     <p:bg>
       <p:bgPr>
         <a:solidFill>
           <a:schemeClr val="lt1"/>
         </a:solidFill>
-        <a:effectLst/>
       </p:bgPr>
     </p:bg>
     <p:spTree>
       <p:nvGrpSpPr>
-        <p:cNvPr id="1" name="Shape 5"/>
+        <p:cNvPr id="5" name="Shape 5"/>
         <p:cNvGrpSpPr/>
         <p:nvPr/>
       </p:nvGrpSpPr>
@@ -6028,9 +5950,7 @@
       <p:sp>
         <p:nvSpPr>
           <p:cNvPr id="6" name="Google Shape;6;p1"/>
-          <p:cNvSpPr txBox="1">
-            <a:spLocks noGrp="1"/>
-          </p:cNvSpPr>
+          <p:cNvSpPr txBox="1"/>
           <p:nvPr>
             <p:ph type="title"/>
           </p:nvPr>
@@ -6049,7 +5969,7 @@
           </a:ln>
         </p:spPr>
         <p:txBody>
-          <a:bodyPr spcFirstLastPara="1" wrap="square" lIns="91425" tIns="91425" rIns="91425" bIns="91425" anchor="t" anchorCtr="0">
+          <a:bodyPr anchorCtr="0" anchor="t" bIns="91425" lIns="91425" spcFirstLastPara="1" rIns="91425" wrap="square" tIns="91425">
             <a:normAutofit/>
           </a:bodyPr>
           <a:lstStyle>
@@ -6216,19 +6136,15 @@
               </a:defRPr>
             </a:lvl9pPr>
           </a:lstStyle>
-          <a:p>
-            <a:endParaRPr/>
-          </a:p>
+          <a:p/>
         </p:txBody>
       </p:sp>
       <p:sp>
         <p:nvSpPr>
           <p:cNvPr id="7" name="Google Shape;7;p1"/>
-          <p:cNvSpPr txBox="1">
-            <a:spLocks noGrp="1"/>
-          </p:cNvSpPr>
+          <p:cNvSpPr txBox="1"/>
           <p:nvPr>
-            <p:ph type="body" idx="1"/>
+            <p:ph idx="1" type="body"/>
           </p:nvPr>
         </p:nvSpPr>
         <p:spPr>
@@ -6245,11 +6161,11 @@
           </a:ln>
         </p:spPr>
         <p:txBody>
-          <a:bodyPr spcFirstLastPara="1" wrap="square" lIns="91425" tIns="91425" rIns="91425" bIns="91425" anchor="t" anchorCtr="0">
+          <a:bodyPr anchorCtr="0" anchor="t" bIns="91425" lIns="91425" spcFirstLastPara="1" rIns="91425" wrap="square" tIns="91425">
             <a:normAutofit/>
           </a:bodyPr>
           <a:lstStyle>
-            <a:lvl1pPr marL="457200" lvl="0" indent="-342900" rtl="0">
+            <a:lvl1pPr indent="-342900" lvl="0" marL="457200" rtl="0">
               <a:lnSpc>
                 <a:spcPct val="115000"/>
               </a:lnSpc>
@@ -6270,7 +6186,7 @@
                 </a:solidFill>
               </a:defRPr>
             </a:lvl1pPr>
-            <a:lvl2pPr marL="914400" lvl="1" indent="-317500" rtl="0">
+            <a:lvl2pPr indent="-317500" lvl="1" marL="914400" rtl="0">
               <a:lnSpc>
                 <a:spcPct val="115000"/>
               </a:lnSpc>
@@ -6291,7 +6207,7 @@
                 </a:solidFill>
               </a:defRPr>
             </a:lvl2pPr>
-            <a:lvl3pPr marL="1371600" lvl="2" indent="-317500" rtl="0">
+            <a:lvl3pPr indent="-317500" lvl="2" marL="1371600" rtl="0">
               <a:lnSpc>
                 <a:spcPct val="115000"/>
               </a:lnSpc>
@@ -6312,7 +6228,7 @@
                 </a:solidFill>
               </a:defRPr>
             </a:lvl3pPr>
-            <a:lvl4pPr marL="1828800" lvl="3" indent="-317500" rtl="0">
+            <a:lvl4pPr indent="-317500" lvl="3" marL="1828800" rtl="0">
               <a:lnSpc>
                 <a:spcPct val="115000"/>
               </a:lnSpc>
@@ -6333,7 +6249,7 @@
                 </a:solidFill>
               </a:defRPr>
             </a:lvl4pPr>
-            <a:lvl5pPr marL="2286000" lvl="4" indent="-317500" rtl="0">
+            <a:lvl5pPr indent="-317500" lvl="4" marL="2286000" rtl="0">
               <a:lnSpc>
                 <a:spcPct val="115000"/>
               </a:lnSpc>
@@ -6354,7 +6270,7 @@
                 </a:solidFill>
               </a:defRPr>
             </a:lvl5pPr>
-            <a:lvl6pPr marL="2743200" lvl="5" indent="-317500" rtl="0">
+            <a:lvl6pPr indent="-317500" lvl="5" marL="2743200" rtl="0">
               <a:lnSpc>
                 <a:spcPct val="115000"/>
               </a:lnSpc>
@@ -6375,7 +6291,7 @@
                 </a:solidFill>
               </a:defRPr>
             </a:lvl6pPr>
-            <a:lvl7pPr marL="3200400" lvl="6" indent="-317500" rtl="0">
+            <a:lvl7pPr indent="-317500" lvl="6" marL="3200400" rtl="0">
               <a:lnSpc>
                 <a:spcPct val="115000"/>
               </a:lnSpc>
@@ -6396,7 +6312,7 @@
                 </a:solidFill>
               </a:defRPr>
             </a:lvl7pPr>
-            <a:lvl8pPr marL="3657600" lvl="7" indent="-317500" rtl="0">
+            <a:lvl8pPr indent="-317500" lvl="7" marL="3657600" rtl="0">
               <a:lnSpc>
                 <a:spcPct val="115000"/>
               </a:lnSpc>
@@ -6417,7 +6333,7 @@
                 </a:solidFill>
               </a:defRPr>
             </a:lvl8pPr>
-            <a:lvl9pPr marL="4114800" lvl="8" indent="-317500" rtl="0">
+            <a:lvl9pPr indent="-317500" lvl="8" marL="4114800" rtl="0">
               <a:lnSpc>
                 <a:spcPct val="115000"/>
               </a:lnSpc>
@@ -6439,19 +6355,15 @@
               </a:defRPr>
             </a:lvl9pPr>
           </a:lstStyle>
-          <a:p>
-            <a:endParaRPr/>
-          </a:p>
+          <a:p/>
         </p:txBody>
       </p:sp>
       <p:sp>
         <p:nvSpPr>
           <p:cNvPr id="8" name="Google Shape;8;p1"/>
-          <p:cNvSpPr txBox="1">
-            <a:spLocks noGrp="1"/>
-          </p:cNvSpPr>
+          <p:cNvSpPr txBox="1"/>
           <p:nvPr>
-            <p:ph type="sldNum" idx="12"/>
+            <p:ph idx="12" type="sldNum"/>
           </p:nvPr>
         </p:nvSpPr>
         <p:spPr>
@@ -6468,11 +6380,11 @@
           </a:ln>
         </p:spPr>
         <p:txBody>
-          <a:bodyPr spcFirstLastPara="1" wrap="square" lIns="91425" tIns="91425" rIns="91425" bIns="91425" anchor="ctr" anchorCtr="0">
+          <a:bodyPr anchorCtr="0" anchor="ctr" bIns="91425" lIns="91425" spcFirstLastPara="1" rIns="91425" wrap="square" tIns="91425">
             <a:normAutofit/>
           </a:bodyPr>
           <a:lstStyle>
-            <a:lvl1pPr lvl="0" algn="r" rtl="0">
+            <a:lvl1pPr lvl="0" rtl="0" algn="r">
               <a:buNone/>
               <a:defRPr sz="1000">
                 <a:solidFill>
@@ -6480,7 +6392,7 @@
                 </a:solidFill>
               </a:defRPr>
             </a:lvl1pPr>
-            <a:lvl2pPr lvl="1" algn="r" rtl="0">
+            <a:lvl2pPr lvl="1" rtl="0" algn="r">
               <a:buNone/>
               <a:defRPr sz="1000">
                 <a:solidFill>
@@ -6488,7 +6400,7 @@
                 </a:solidFill>
               </a:defRPr>
             </a:lvl2pPr>
-            <a:lvl3pPr lvl="2" algn="r" rtl="0">
+            <a:lvl3pPr lvl="2" rtl="0" algn="r">
               <a:buNone/>
               <a:defRPr sz="1000">
                 <a:solidFill>
@@ -6496,7 +6408,7 @@
                 </a:solidFill>
               </a:defRPr>
             </a:lvl3pPr>
-            <a:lvl4pPr lvl="3" algn="r" rtl="0">
+            <a:lvl4pPr lvl="3" rtl="0" algn="r">
               <a:buNone/>
               <a:defRPr sz="1000">
                 <a:solidFill>
@@ -6504,7 +6416,7 @@
                 </a:solidFill>
               </a:defRPr>
             </a:lvl4pPr>
-            <a:lvl5pPr lvl="4" algn="r" rtl="0">
+            <a:lvl5pPr lvl="4" rtl="0" algn="r">
               <a:buNone/>
               <a:defRPr sz="1000">
                 <a:solidFill>
@@ -6512,7 +6424,7 @@
                 </a:solidFill>
               </a:defRPr>
             </a:lvl5pPr>
-            <a:lvl6pPr lvl="5" algn="r" rtl="0">
+            <a:lvl6pPr lvl="5" rtl="0" algn="r">
               <a:buNone/>
               <a:defRPr sz="1000">
                 <a:solidFill>
@@ -6520,7 +6432,7 @@
                 </a:solidFill>
               </a:defRPr>
             </a:lvl6pPr>
-            <a:lvl7pPr lvl="6" algn="r" rtl="0">
+            <a:lvl7pPr lvl="6" rtl="0" algn="r">
               <a:buNone/>
               <a:defRPr sz="1000">
                 <a:solidFill>
@@ -6528,7 +6440,7 @@
                 </a:solidFill>
               </a:defRPr>
             </a:lvl7pPr>
-            <a:lvl8pPr lvl="7" algn="r" rtl="0">
+            <a:lvl8pPr lvl="7" rtl="0" algn="r">
               <a:buNone/>
               <a:defRPr sz="1000">
                 <a:solidFill>
@@ -6536,7 +6448,7 @@
                 </a:solidFill>
               </a:defRPr>
             </a:lvl8pPr>
-            <a:lvl9pPr lvl="8" algn="r" rtl="0">
+            <a:lvl9pPr lvl="8" rtl="0" algn="r">
               <a:buNone/>
               <a:defRPr sz="1000">
                 <a:solidFill>
@@ -6546,7 +6458,7 @@
             </a:lvl9pPr>
           </a:lstStyle>
           <a:p>
-            <a:pPr marL="0" lvl="0" indent="0" algn="r" rtl="0">
+            <a:pPr indent="0" lvl="0" marL="0" rtl="0" algn="r">
               <a:spcBef>
                 <a:spcPts val="0"/>
               </a:spcBef>
@@ -6565,7 +6477,7 @@
       </p:sp>
     </p:spTree>
   </p:cSld>
-  <p:clrMap bg1="lt1" tx1="dk1" bg2="dk2" tx2="lt2" accent1="accent1" accent2="accent2" accent3="accent3" accent4="accent4" accent5="accent5" accent6="accent6" hlink="hlink" folHlink="folHlink"/>
+  <p:clrMap accent1="accent1" accent2="accent2" accent3="accent3" accent4="accent4" accent5="accent5" accent6="accent6" bg1="lt1" bg2="dk2" tx1="dk1" tx2="lt2" folHlink="folHlink" hlink="hlink"/>
   <p:sldLayoutIdLst>
     <p:sldLayoutId id="2147483648" r:id="rId1"/>
     <p:sldLayoutId id="2147483649" r:id="rId2"/>
@@ -6579,10 +6491,10 @@
     <p:sldLayoutId id="2147483657" r:id="rId10"/>
     <p:sldLayoutId id="2147483658" r:id="rId11"/>
   </p:sldLayoutIdLst>
-  <p:hf sldNum="0" hdr="0" ftr="0" dt="0"/>
+  <p:hf dt="0" ftr="0" hdr="0" sldNum="0"/>
   <p:txStyles>
     <p:titleStyle>
-      <a:defPPr marR="0" lvl="0" algn="l" rtl="0">
+      <a:defPPr lvl="0" marR="0" rtl="0" algn="l">
         <a:lnSpc>
           <a:spcPct val="100000"/>
         </a:lnSpc>
@@ -6593,7 +6505,7 @@
           <a:spcPts val="0"/>
         </a:spcAft>
       </a:defPPr>
-      <a:lvl1pPr marR="0" lvl="0" algn="l" rtl="0">
+      <a:lvl1pPr lvl="0" marR="0" rtl="0" algn="l">
         <a:lnSpc>
           <a:spcPct val="100000"/>
         </a:lnSpc>
@@ -6607,7 +6519,7 @@
           <a:srgbClr val="000000"/>
         </a:buClr>
         <a:buFont typeface="Arial"/>
-        <a:defRPr sz="1400" b="0" i="0" u="none" strike="noStrike" cap="none">
+        <a:defRPr b="0" i="0" sz="1400" u="none" cap="none" strike="noStrike">
           <a:solidFill>
             <a:srgbClr val="000000"/>
           </a:solidFill>
@@ -6617,7 +6529,7 @@
           <a:sym typeface="Arial"/>
         </a:defRPr>
       </a:lvl1pPr>
-      <a:lvl2pPr marR="0" lvl="1" algn="l" rtl="0">
+      <a:lvl2pPr lvl="1" marR="0" rtl="0" algn="l">
         <a:lnSpc>
           <a:spcPct val="100000"/>
         </a:lnSpc>
@@ -6631,7 +6543,7 @@
           <a:srgbClr val="000000"/>
         </a:buClr>
         <a:buFont typeface="Arial"/>
-        <a:defRPr sz="1400" b="0" i="0" u="none" strike="noStrike" cap="none">
+        <a:defRPr b="0" i="0" sz="1400" u="none" cap="none" strike="noStrike">
           <a:solidFill>
             <a:srgbClr val="000000"/>
           </a:solidFill>
@@ -6641,7 +6553,7 @@
           <a:sym typeface="Arial"/>
         </a:defRPr>
       </a:lvl2pPr>
-      <a:lvl3pPr marR="0" lvl="2" algn="l" rtl="0">
+      <a:lvl3pPr lvl="2" marR="0" rtl="0" algn="l">
         <a:lnSpc>
           <a:spcPct val="100000"/>
         </a:lnSpc>
@@ -6655,7 +6567,7 @@
           <a:srgbClr val="000000"/>
         </a:buClr>
         <a:buFont typeface="Arial"/>
-        <a:defRPr sz="1400" b="0" i="0" u="none" strike="noStrike" cap="none">
+        <a:defRPr b="0" i="0" sz="1400" u="none" cap="none" strike="noStrike">
           <a:solidFill>
             <a:srgbClr val="000000"/>
           </a:solidFill>
@@ -6665,7 +6577,7 @@
           <a:sym typeface="Arial"/>
         </a:defRPr>
       </a:lvl3pPr>
-      <a:lvl4pPr marR="0" lvl="3" algn="l" rtl="0">
+      <a:lvl4pPr lvl="3" marR="0" rtl="0" algn="l">
         <a:lnSpc>
           <a:spcPct val="100000"/>
         </a:lnSpc>
@@ -6679,7 +6591,7 @@
           <a:srgbClr val="000000"/>
         </a:buClr>
         <a:buFont typeface="Arial"/>
-        <a:defRPr sz="1400" b="0" i="0" u="none" strike="noStrike" cap="none">
+        <a:defRPr b="0" i="0" sz="1400" u="none" cap="none" strike="noStrike">
           <a:solidFill>
             <a:srgbClr val="000000"/>
           </a:solidFill>
@@ -6689,7 +6601,7 @@
           <a:sym typeface="Arial"/>
         </a:defRPr>
       </a:lvl4pPr>
-      <a:lvl5pPr marR="0" lvl="4" algn="l" rtl="0">
+      <a:lvl5pPr lvl="4" marR="0" rtl="0" algn="l">
         <a:lnSpc>
           <a:spcPct val="100000"/>
         </a:lnSpc>
@@ -6703,7 +6615,7 @@
           <a:srgbClr val="000000"/>
         </a:buClr>
         <a:buFont typeface="Arial"/>
-        <a:defRPr sz="1400" b="0" i="0" u="none" strike="noStrike" cap="none">
+        <a:defRPr b="0" i="0" sz="1400" u="none" cap="none" strike="noStrike">
           <a:solidFill>
             <a:srgbClr val="000000"/>
           </a:solidFill>
@@ -6713,7 +6625,7 @@
           <a:sym typeface="Arial"/>
         </a:defRPr>
       </a:lvl5pPr>
-      <a:lvl6pPr marR="0" lvl="5" algn="l" rtl="0">
+      <a:lvl6pPr lvl="5" marR="0" rtl="0" algn="l">
         <a:lnSpc>
           <a:spcPct val="100000"/>
         </a:lnSpc>
@@ -6727,7 +6639,7 @@
           <a:srgbClr val="000000"/>
         </a:buClr>
         <a:buFont typeface="Arial"/>
-        <a:defRPr sz="1400" b="0" i="0" u="none" strike="noStrike" cap="none">
+        <a:defRPr b="0" i="0" sz="1400" u="none" cap="none" strike="noStrike">
           <a:solidFill>
             <a:srgbClr val="000000"/>
           </a:solidFill>
@@ -6737,7 +6649,7 @@
           <a:sym typeface="Arial"/>
         </a:defRPr>
       </a:lvl6pPr>
-      <a:lvl7pPr marR="0" lvl="6" algn="l" rtl="0">
+      <a:lvl7pPr lvl="6" marR="0" rtl="0" algn="l">
         <a:lnSpc>
           <a:spcPct val="100000"/>
         </a:lnSpc>
@@ -6751,7 +6663,7 @@
           <a:srgbClr val="000000"/>
         </a:buClr>
         <a:buFont typeface="Arial"/>
-        <a:defRPr sz="1400" b="0" i="0" u="none" strike="noStrike" cap="none">
+        <a:defRPr b="0" i="0" sz="1400" u="none" cap="none" strike="noStrike">
           <a:solidFill>
             <a:srgbClr val="000000"/>
           </a:solidFill>
@@ -6761,7 +6673,7 @@
           <a:sym typeface="Arial"/>
         </a:defRPr>
       </a:lvl7pPr>
-      <a:lvl8pPr marR="0" lvl="7" algn="l" rtl="0">
+      <a:lvl8pPr lvl="7" marR="0" rtl="0" algn="l">
         <a:lnSpc>
           <a:spcPct val="100000"/>
         </a:lnSpc>
@@ -6775,7 +6687,7 @@
           <a:srgbClr val="000000"/>
         </a:buClr>
         <a:buFont typeface="Arial"/>
-        <a:defRPr sz="1400" b="0" i="0" u="none" strike="noStrike" cap="none">
+        <a:defRPr b="0" i="0" sz="1400" u="none" cap="none" strike="noStrike">
           <a:solidFill>
             <a:srgbClr val="000000"/>
           </a:solidFill>
@@ -6785,7 +6697,7 @@
           <a:sym typeface="Arial"/>
         </a:defRPr>
       </a:lvl8pPr>
-      <a:lvl9pPr marR="0" lvl="8" algn="l" rtl="0">
+      <a:lvl9pPr lvl="8" marR="0" rtl="0" algn="l">
         <a:lnSpc>
           <a:spcPct val="100000"/>
         </a:lnSpc>
@@ -6799,7 +6711,7 @@
           <a:srgbClr val="000000"/>
         </a:buClr>
         <a:buFont typeface="Arial"/>
-        <a:defRPr sz="1400" b="0" i="0" u="none" strike="noStrike" cap="none">
+        <a:defRPr b="0" i="0" sz="1400" u="none" cap="none" strike="noStrike">
           <a:solidFill>
             <a:srgbClr val="000000"/>
           </a:solidFill>
@@ -6811,7 +6723,7 @@
       </a:lvl9pPr>
     </p:titleStyle>
     <p:bodyStyle>
-      <a:defPPr marR="0" lvl="0" algn="l" rtl="0">
+      <a:defPPr lvl="0" marR="0" rtl="0" algn="l">
         <a:lnSpc>
           <a:spcPct val="100000"/>
         </a:lnSpc>
@@ -6822,7 +6734,7 @@
           <a:spcPts val="0"/>
         </a:spcAft>
       </a:defPPr>
-      <a:lvl1pPr marR="0" lvl="0" algn="l" rtl="0">
+      <a:lvl1pPr lvl="0" marR="0" rtl="0" algn="l">
         <a:lnSpc>
           <a:spcPct val="100000"/>
         </a:lnSpc>
@@ -6836,7 +6748,7 @@
           <a:srgbClr val="000000"/>
         </a:buClr>
         <a:buFont typeface="Arial"/>
-        <a:defRPr sz="1400" b="0" i="0" u="none" strike="noStrike" cap="none">
+        <a:defRPr b="0" i="0" sz="1400" u="none" cap="none" strike="noStrike">
           <a:solidFill>
             <a:srgbClr val="000000"/>
           </a:solidFill>
@@ -6846,7 +6758,7 @@
           <a:sym typeface="Arial"/>
         </a:defRPr>
       </a:lvl1pPr>
-      <a:lvl2pPr marR="0" lvl="1" algn="l" rtl="0">
+      <a:lvl2pPr lvl="1" marR="0" rtl="0" algn="l">
         <a:lnSpc>
           <a:spcPct val="100000"/>
         </a:lnSpc>
@@ -6860,7 +6772,7 @@
           <a:srgbClr val="000000"/>
         </a:buClr>
         <a:buFont typeface="Arial"/>
-        <a:defRPr sz="1400" b="0" i="0" u="none" strike="noStrike" cap="none">
+        <a:defRPr b="0" i="0" sz="1400" u="none" cap="none" strike="noStrike">
           <a:solidFill>
             <a:srgbClr val="000000"/>
           </a:solidFill>
@@ -6870,7 +6782,7 @@
           <a:sym typeface="Arial"/>
         </a:defRPr>
       </a:lvl2pPr>
-      <a:lvl3pPr marR="0" lvl="2" algn="l" rtl="0">
+      <a:lvl3pPr lvl="2" marR="0" rtl="0" algn="l">
         <a:lnSpc>
           <a:spcPct val="100000"/>
         </a:lnSpc>
@@ -6884,7 +6796,7 @@
           <a:srgbClr val="000000"/>
         </a:buClr>
         <a:buFont typeface="Arial"/>
-        <a:defRPr sz="1400" b="0" i="0" u="none" strike="noStrike" cap="none">
+        <a:defRPr b="0" i="0" sz="1400" u="none" cap="none" strike="noStrike">
           <a:solidFill>
             <a:srgbClr val="000000"/>
           </a:solidFill>
@@ -6894,7 +6806,7 @@
           <a:sym typeface="Arial"/>
         </a:defRPr>
       </a:lvl3pPr>
-      <a:lvl4pPr marR="0" lvl="3" algn="l" rtl="0">
+      <a:lvl4pPr lvl="3" marR="0" rtl="0" algn="l">
         <a:lnSpc>
           <a:spcPct val="100000"/>
         </a:lnSpc>
@@ -6908,7 +6820,7 @@
           <a:srgbClr val="000000"/>
         </a:buClr>
         <a:buFont typeface="Arial"/>
-        <a:defRPr sz="1400" b="0" i="0" u="none" strike="noStrike" cap="none">
+        <a:defRPr b="0" i="0" sz="1400" u="none" cap="none" strike="noStrike">
           <a:solidFill>
             <a:srgbClr val="000000"/>
           </a:solidFill>
@@ -6918,7 +6830,7 @@
           <a:sym typeface="Arial"/>
         </a:defRPr>
       </a:lvl4pPr>
-      <a:lvl5pPr marR="0" lvl="4" algn="l" rtl="0">
+      <a:lvl5pPr lvl="4" marR="0" rtl="0" algn="l">
         <a:lnSpc>
           <a:spcPct val="100000"/>
         </a:lnSpc>
@@ -6932,7 +6844,7 @@
           <a:srgbClr val="000000"/>
         </a:buClr>
         <a:buFont typeface="Arial"/>
-        <a:defRPr sz="1400" b="0" i="0" u="none" strike="noStrike" cap="none">
+        <a:defRPr b="0" i="0" sz="1400" u="none" cap="none" strike="noStrike">
           <a:solidFill>
             <a:srgbClr val="000000"/>
           </a:solidFill>
@@ -6942,7 +6854,7 @@
           <a:sym typeface="Arial"/>
         </a:defRPr>
       </a:lvl5pPr>
-      <a:lvl6pPr marR="0" lvl="5" algn="l" rtl="0">
+      <a:lvl6pPr lvl="5" marR="0" rtl="0" algn="l">
         <a:lnSpc>
           <a:spcPct val="100000"/>
         </a:lnSpc>
@@ -6956,7 +6868,7 @@
           <a:srgbClr val="000000"/>
         </a:buClr>
         <a:buFont typeface="Arial"/>
-        <a:defRPr sz="1400" b="0" i="0" u="none" strike="noStrike" cap="none">
+        <a:defRPr b="0" i="0" sz="1400" u="none" cap="none" strike="noStrike">
           <a:solidFill>
             <a:srgbClr val="000000"/>
           </a:solidFill>
@@ -6966,7 +6878,7 @@
           <a:sym typeface="Arial"/>
         </a:defRPr>
       </a:lvl6pPr>
-      <a:lvl7pPr marR="0" lvl="6" algn="l" rtl="0">
+      <a:lvl7pPr lvl="6" marR="0" rtl="0" algn="l">
         <a:lnSpc>
           <a:spcPct val="100000"/>
         </a:lnSpc>
@@ -6980,7 +6892,7 @@
           <a:srgbClr val="000000"/>
         </a:buClr>
         <a:buFont typeface="Arial"/>
-        <a:defRPr sz="1400" b="0" i="0" u="none" strike="noStrike" cap="none">
+        <a:defRPr b="0" i="0" sz="1400" u="none" cap="none" strike="noStrike">
           <a:solidFill>
             <a:srgbClr val="000000"/>
           </a:solidFill>
@@ -6990,7 +6902,7 @@
           <a:sym typeface="Arial"/>
         </a:defRPr>
       </a:lvl7pPr>
-      <a:lvl8pPr marR="0" lvl="7" algn="l" rtl="0">
+      <a:lvl8pPr lvl="7" marR="0" rtl="0" algn="l">
         <a:lnSpc>
           <a:spcPct val="100000"/>
         </a:lnSpc>
@@ -7004,7 +6916,7 @@
           <a:srgbClr val="000000"/>
         </a:buClr>
         <a:buFont typeface="Arial"/>
-        <a:defRPr sz="1400" b="0" i="0" u="none" strike="noStrike" cap="none">
+        <a:defRPr b="0" i="0" sz="1400" u="none" cap="none" strike="noStrike">
           <a:solidFill>
             <a:srgbClr val="000000"/>
           </a:solidFill>
@@ -7014,7 +6926,7 @@
           <a:sym typeface="Arial"/>
         </a:defRPr>
       </a:lvl8pPr>
-      <a:lvl9pPr marR="0" lvl="8" algn="l" rtl="0">
+      <a:lvl9pPr lvl="8" marR="0" rtl="0" algn="l">
         <a:lnSpc>
           <a:spcPct val="100000"/>
         </a:lnSpc>
@@ -7028,7 +6940,7 @@
           <a:srgbClr val="000000"/>
         </a:buClr>
         <a:buFont typeface="Arial"/>
-        <a:defRPr sz="1400" b="0" i="0" u="none" strike="noStrike" cap="none">
+        <a:defRPr b="0" i="0" sz="1400" u="none" cap="none" strike="noStrike">
           <a:solidFill>
             <a:srgbClr val="000000"/>
           </a:solidFill>
@@ -7040,7 +6952,7 @@
       </a:lvl9pPr>
     </p:bodyStyle>
     <p:otherStyle>
-      <a:defPPr marR="0" lvl="0" algn="l" rtl="0">
+      <a:defPPr lvl="0" marR="0" rtl="0" algn="l">
         <a:lnSpc>
           <a:spcPct val="100000"/>
         </a:lnSpc>
@@ -7051,7 +6963,7 @@
           <a:spcPts val="0"/>
         </a:spcAft>
       </a:defPPr>
-      <a:lvl1pPr marR="0" lvl="0" algn="l" rtl="0">
+      <a:lvl1pPr lvl="0" marR="0" rtl="0" algn="l">
         <a:lnSpc>
           <a:spcPct val="100000"/>
         </a:lnSpc>
@@ -7065,7 +6977,7 @@
           <a:srgbClr val="000000"/>
         </a:buClr>
         <a:buFont typeface="Arial"/>
-        <a:defRPr sz="1400" b="0" i="0" u="none" strike="noStrike" cap="none">
+        <a:defRPr b="0" i="0" sz="1400" u="none" cap="none" strike="noStrike">
           <a:solidFill>
             <a:srgbClr val="000000"/>
           </a:solidFill>
@@ -7075,7 +6987,7 @@
           <a:sym typeface="Arial"/>
         </a:defRPr>
       </a:lvl1pPr>
-      <a:lvl2pPr marR="0" lvl="1" algn="l" rtl="0">
+      <a:lvl2pPr lvl="1" marR="0" rtl="0" algn="l">
         <a:lnSpc>
           <a:spcPct val="100000"/>
         </a:lnSpc>
@@ -7089,7 +7001,7 @@
           <a:srgbClr val="000000"/>
         </a:buClr>
         <a:buFont typeface="Arial"/>
-        <a:defRPr sz="1400" b="0" i="0" u="none" strike="noStrike" cap="none">
+        <a:defRPr b="0" i="0" sz="1400" u="none" cap="none" strike="noStrike">
           <a:solidFill>
             <a:srgbClr val="000000"/>
           </a:solidFill>
@@ -7099,7 +7011,7 @@
           <a:sym typeface="Arial"/>
         </a:defRPr>
       </a:lvl2pPr>
-      <a:lvl3pPr marR="0" lvl="2" algn="l" rtl="0">
+      <a:lvl3pPr lvl="2" marR="0" rtl="0" algn="l">
         <a:lnSpc>
           <a:spcPct val="100000"/>
         </a:lnSpc>
@@ -7113,7 +7025,7 @@
           <a:srgbClr val="000000"/>
         </a:buClr>
         <a:buFont typeface="Arial"/>
-        <a:defRPr sz="1400" b="0" i="0" u="none" strike="noStrike" cap="none">
+        <a:defRPr b="0" i="0" sz="1400" u="none" cap="none" strike="noStrike">
           <a:solidFill>
             <a:srgbClr val="000000"/>
           </a:solidFill>
@@ -7123,7 +7035,7 @@
           <a:sym typeface="Arial"/>
         </a:defRPr>
       </a:lvl3pPr>
-      <a:lvl4pPr marR="0" lvl="3" algn="l" rtl="0">
+      <a:lvl4pPr lvl="3" marR="0" rtl="0" algn="l">
         <a:lnSpc>
           <a:spcPct val="100000"/>
         </a:lnSpc>
@@ -7137,7 +7049,7 @@
           <a:srgbClr val="000000"/>
         </a:buClr>
         <a:buFont typeface="Arial"/>
-        <a:defRPr sz="1400" b="0" i="0" u="none" strike="noStrike" cap="none">
+        <a:defRPr b="0" i="0" sz="1400" u="none" cap="none" strike="noStrike">
           <a:solidFill>
             <a:srgbClr val="000000"/>
           </a:solidFill>
@@ -7147,7 +7059,7 @@
           <a:sym typeface="Arial"/>
         </a:defRPr>
       </a:lvl4pPr>
-      <a:lvl5pPr marR="0" lvl="4" algn="l" rtl="0">
+      <a:lvl5pPr lvl="4" marR="0" rtl="0" algn="l">
         <a:lnSpc>
           <a:spcPct val="100000"/>
         </a:lnSpc>
@@ -7161,7 +7073,7 @@
           <a:srgbClr val="000000"/>
         </a:buClr>
         <a:buFont typeface="Arial"/>
-        <a:defRPr sz="1400" b="0" i="0" u="none" strike="noStrike" cap="none">
+        <a:defRPr b="0" i="0" sz="1400" u="none" cap="none" strike="noStrike">
           <a:solidFill>
             <a:srgbClr val="000000"/>
           </a:solidFill>
@@ -7171,7 +7083,7 @@
           <a:sym typeface="Arial"/>
         </a:defRPr>
       </a:lvl5pPr>
-      <a:lvl6pPr marR="0" lvl="5" algn="l" rtl="0">
+      <a:lvl6pPr lvl="5" marR="0" rtl="0" algn="l">
         <a:lnSpc>
           <a:spcPct val="100000"/>
         </a:lnSpc>
@@ -7185,7 +7097,7 @@
           <a:srgbClr val="000000"/>
         </a:buClr>
         <a:buFont typeface="Arial"/>
-        <a:defRPr sz="1400" b="0" i="0" u="none" strike="noStrike" cap="none">
+        <a:defRPr b="0" i="0" sz="1400" u="none" cap="none" strike="noStrike">
           <a:solidFill>
             <a:srgbClr val="000000"/>
           </a:solidFill>
@@ -7195,7 +7107,7 @@
           <a:sym typeface="Arial"/>
         </a:defRPr>
       </a:lvl6pPr>
-      <a:lvl7pPr marR="0" lvl="6" algn="l" rtl="0">
+      <a:lvl7pPr lvl="6" marR="0" rtl="0" algn="l">
         <a:lnSpc>
           <a:spcPct val="100000"/>
         </a:lnSpc>
@@ -7209,7 +7121,7 @@
           <a:srgbClr val="000000"/>
         </a:buClr>
         <a:buFont typeface="Arial"/>
-        <a:defRPr sz="1400" b="0" i="0" u="none" strike="noStrike" cap="none">
+        <a:defRPr b="0" i="0" sz="1400" u="none" cap="none" strike="noStrike">
           <a:solidFill>
             <a:srgbClr val="000000"/>
           </a:solidFill>
@@ -7219,7 +7131,7 @@
           <a:sym typeface="Arial"/>
         </a:defRPr>
       </a:lvl7pPr>
-      <a:lvl8pPr marR="0" lvl="7" algn="l" rtl="0">
+      <a:lvl8pPr lvl="7" marR="0" rtl="0" algn="l">
         <a:lnSpc>
           <a:spcPct val="100000"/>
         </a:lnSpc>
@@ -7233,7 +7145,7 @@
           <a:srgbClr val="000000"/>
         </a:buClr>
         <a:buFont typeface="Arial"/>
-        <a:defRPr sz="1400" b="0" i="0" u="none" strike="noStrike" cap="none">
+        <a:defRPr b="0" i="0" sz="1400" u="none" cap="none" strike="noStrike">
           <a:solidFill>
             <a:srgbClr val="000000"/>
           </a:solidFill>
@@ -7243,7 +7155,7 @@
           <a:sym typeface="Arial"/>
         </a:defRPr>
       </a:lvl8pPr>
-      <a:lvl9pPr marR="0" lvl="8" algn="l" rtl="0">
+      <a:lvl9pPr lvl="8" marR="0" rtl="0" algn="l">
         <a:lnSpc>
           <a:spcPct val="100000"/>
         </a:lnSpc>
@@ -7257,7 +7169,7 @@
           <a:srgbClr val="000000"/>
         </a:buClr>
         <a:buFont typeface="Arial"/>
-        <a:defRPr sz="1400" b="0" i="0" u="none" strike="noStrike" cap="none">
+        <a:defRPr b="0" i="0" sz="1400" u="none" cap="none" strike="noStrike">
           <a:solidFill>
             <a:srgbClr val="000000"/>
           </a:solidFill>
@@ -7273,11 +7185,11 @@
 </file>
 
 <file path=ppt/slides/slide1.xml><?xml version="1.0" encoding="utf-8"?>
-<p:sld xmlns:a="http://schemas.openxmlformats.org/drawingml/2006/main" xmlns:r="http://schemas.openxmlformats.org/officeDocument/2006/relationships" xmlns:p="http://schemas.openxmlformats.org/presentationml/2006/main">
+<p:sld xmlns:a="http://schemas.openxmlformats.org/drawingml/2006/main" xmlns:r="http://schemas.openxmlformats.org/officeDocument/2006/relationships" xmlns:mc="http://schemas.openxmlformats.org/markup-compatibility/2006" xmlns:mv="urn:schemas-microsoft-com:mac:vml" xmlns:p="http://schemas.openxmlformats.org/presentationml/2006/main" xmlns:c="http://schemas.openxmlformats.org/drawingml/2006/chart" xmlns:dgm="http://schemas.openxmlformats.org/drawingml/2006/diagram" xmlns:o="urn:schemas-microsoft-com:office:office" xmlns:v="urn:schemas-microsoft-com:vml" xmlns:pvml="urn:schemas-microsoft-com:office:powerpoint" xmlns:com="http://schemas.openxmlformats.org/drawingml/2006/compatibility" xmlns:p14="http://schemas.microsoft.com/office/powerpoint/2010/main" xmlns:p15="http://schemas.microsoft.com/office/powerpoint/2012/main" xmlns:ahyp="http://schemas.microsoft.com/office/drawing/2018/hyperlinkcolor">
   <p:cSld>
     <p:spTree>
       <p:nvGrpSpPr>
-        <p:cNvPr id="1" name="Shape 53"/>
+        <p:cNvPr id="53" name="Shape 53"/>
         <p:cNvGrpSpPr/>
         <p:nvPr/>
       </p:nvGrpSpPr>
@@ -7317,31 +7229,34 @@
             </a:gsLst>
             <a:lin ang="13500032" scaled="0"/>
           </a:gradFill>
-          <a:ln w="9525" cap="flat" cmpd="sng">
+          <a:ln cap="flat" cmpd="sng" w="9525">
             <a:solidFill>
               <a:schemeClr val="dk2"/>
             </a:solidFill>
             <a:prstDash val="solid"/>
             <a:round/>
-            <a:headEnd type="none" w="sm" len="sm"/>
-            <a:tailEnd type="none" w="sm" len="sm"/>
+            <a:headEnd len="sm" w="sm" type="none"/>
+            <a:tailEnd len="sm" w="sm" type="none"/>
           </a:ln>
         </p:spPr>
         <p:txBody>
-          <a:bodyPr spcFirstLastPara="1" wrap="square" lIns="91425" tIns="91425" rIns="91425" bIns="91425" anchor="ctr" anchorCtr="0">
+          <a:bodyPr anchorCtr="0" anchor="ctr" bIns="91425" lIns="91425" spcFirstLastPara="1" rIns="91425" wrap="square" tIns="91425">
             <a:noAutofit/>
           </a:bodyPr>
           <a:lstStyle/>
           <a:p>
-            <a:pPr marL="0" lvl="0" indent="0" algn="l" rtl="0">
-              <a:spcBef>
-                <a:spcPts val="0"/>
-              </a:spcBef>
-              <a:spcAft>
-                <a:spcPts val="0"/>
-              </a:spcAft>
-              <a:buNone/>
-            </a:pPr>
+            <a:pPr indent="0" lvl="0" marL="0" rtl="0" algn="l">
+              <a:spcBef>
+                <a:spcPts val="0"/>
+              </a:spcBef>
+              <a:spcAft>
+                <a:spcPts val="0"/>
+              </a:spcAft>
+              <a:buNone/>
+            </a:pPr>
+            <a:r>
+              <a:t/>
+            </a:r>
             <a:endParaRPr/>
           </a:p>
         </p:txBody>
@@ -7349,9 +7264,7 @@
       <p:sp>
         <p:nvSpPr>
           <p:cNvPr id="55" name="Google Shape;55;p13"/>
-          <p:cNvSpPr txBox="1">
-            <a:spLocks noGrp="1"/>
-          </p:cNvSpPr>
+          <p:cNvSpPr txBox="1"/>
           <p:nvPr>
             <p:ph type="ctrTitle"/>
           </p:nvPr>
@@ -7366,12 +7279,12 @@
           </a:prstGeom>
         </p:spPr>
         <p:txBody>
-          <a:bodyPr spcFirstLastPara="1" wrap="square" lIns="91425" tIns="91425" rIns="91425" bIns="91425" anchor="b" anchorCtr="0">
+          <a:bodyPr anchorCtr="0" anchor="b" bIns="91425" lIns="91425" spcFirstLastPara="1" rIns="91425" wrap="square" tIns="91425">
             <a:noAutofit/>
           </a:bodyPr>
           <a:lstStyle/>
           <a:p>
-            <a:pPr marL="0" lvl="0" indent="0" algn="ctr" rtl="0">
+            <a:pPr indent="0" lvl="0" marL="0" rtl="0" algn="ctr">
               <a:spcBef>
                 <a:spcPts val="0"/>
               </a:spcBef>
@@ -7382,10 +7295,10 @@
               <a:buNone/>
             </a:pPr>
             <a:r>
-              <a:rPr lang="el" sz="3500" b="1"/>
+              <a:rPr b="1" lang="el" sz="3500"/>
               <a:t>Smart Parking and e-charging pods for Bicycles</a:t>
             </a:r>
-            <a:endParaRPr sz="3500" b="1"/>
+            <a:endParaRPr b="1" sz="3500"/>
           </a:p>
         </p:txBody>
       </p:sp>
@@ -7409,12 +7322,12 @@
           </a:ln>
         </p:spPr>
         <p:txBody>
-          <a:bodyPr spcFirstLastPara="1" wrap="square" lIns="91425" tIns="91425" rIns="91425" bIns="91425" anchor="t" anchorCtr="0">
+          <a:bodyPr anchorCtr="0" anchor="t" bIns="91425" lIns="91425" spcFirstLastPara="1" rIns="91425" wrap="square" tIns="91425">
             <a:spAutoFit/>
           </a:bodyPr>
           <a:lstStyle/>
           <a:p>
-            <a:pPr marL="0" lvl="0" indent="0" algn="l" rtl="0">
+            <a:pPr indent="0" lvl="0" marL="0" rtl="0" algn="l">
               <a:spcBef>
                 <a:spcPts val="0"/>
               </a:spcBef>
@@ -7443,7 +7356,7 @@
             </a:endParaRPr>
           </a:p>
           <a:p>
-            <a:pPr marL="0" lvl="0" indent="0" algn="l" rtl="0">
+            <a:pPr indent="0" lvl="0" marL="0" rtl="0" algn="l">
               <a:spcBef>
                 <a:spcPts val="0"/>
               </a:spcBef>
@@ -7472,7 +7385,7 @@
             </a:endParaRPr>
           </a:p>
           <a:p>
-            <a:pPr marL="0" lvl="0" indent="0" algn="l" rtl="0">
+            <a:pPr indent="0" lvl="0" marL="0" rtl="0" algn="l">
               <a:spcBef>
                 <a:spcPts val="0"/>
               </a:spcBef>
@@ -7517,12 +7430,12 @@
           </a:ln>
         </p:spPr>
         <p:txBody>
-          <a:bodyPr spcFirstLastPara="1" wrap="square" lIns="91425" tIns="91425" rIns="91425" bIns="91425" anchor="t" anchorCtr="0">
+          <a:bodyPr anchorCtr="0" anchor="t" bIns="91425" lIns="91425" spcFirstLastPara="1" rIns="91425" wrap="square" tIns="91425">
             <a:spAutoFit/>
           </a:bodyPr>
           <a:lstStyle/>
           <a:p>
-            <a:pPr marL="0" lvl="0" indent="0" algn="r" rtl="0">
+            <a:pPr indent="0" lvl="0" marL="0" rtl="0" algn="r">
               <a:spcBef>
                 <a:spcPts val="0"/>
               </a:spcBef>
@@ -7543,6 +7456,34 @@
           </a:p>
         </p:txBody>
       </p:sp>
+      <p:pic>
+        <p:nvPicPr>
+          <p:cNvPr id="58" name="Google Shape;58;p13"/>
+          <p:cNvPicPr preferRelativeResize="0"/>
+          <p:nvPr/>
+        </p:nvPicPr>
+        <p:blipFill>
+          <a:blip r:embed="rId3">
+            <a:alphaModFix/>
+          </a:blip>
+          <a:stretch>
+            <a:fillRect/>
+          </a:stretch>
+        </p:blipFill>
+        <p:spPr>
+          <a:xfrm>
+            <a:off x="4419925" y="1950072"/>
+            <a:ext cx="3985500" cy="2501400"/>
+          </a:xfrm>
+          <a:prstGeom prst="rect">
+            <a:avLst/>
+          </a:prstGeom>
+          <a:noFill/>
+          <a:ln>
+            <a:noFill/>
+          </a:ln>
+        </p:spPr>
+      </p:pic>
     </p:spTree>
   </p:cSld>
   <p:clrMapOvr>
@@ -7552,11 +7493,11 @@
 </file>
 
 <file path=ppt/slides/slide2.xml><?xml version="1.0" encoding="utf-8"?>
-<p:sld xmlns:a="http://schemas.openxmlformats.org/drawingml/2006/main" xmlns:r="http://schemas.openxmlformats.org/officeDocument/2006/relationships" xmlns:p="http://schemas.openxmlformats.org/presentationml/2006/main">
+<p:sld xmlns:a="http://schemas.openxmlformats.org/drawingml/2006/main" xmlns:r="http://schemas.openxmlformats.org/officeDocument/2006/relationships" xmlns:mc="http://schemas.openxmlformats.org/markup-compatibility/2006" xmlns:mv="urn:schemas-microsoft-com:mac:vml" xmlns:p="http://schemas.openxmlformats.org/presentationml/2006/main" xmlns:c="http://schemas.openxmlformats.org/drawingml/2006/chart" xmlns:dgm="http://schemas.openxmlformats.org/drawingml/2006/diagram" xmlns:o="urn:schemas-microsoft-com:office:office" xmlns:v="urn:schemas-microsoft-com:vml" xmlns:pvml="urn:schemas-microsoft-com:office:powerpoint" xmlns:com="http://schemas.openxmlformats.org/drawingml/2006/compatibility" xmlns:p14="http://schemas.microsoft.com/office/powerpoint/2010/main" xmlns:p15="http://schemas.microsoft.com/office/powerpoint/2012/main" xmlns:ahyp="http://schemas.microsoft.com/office/drawing/2018/hyperlinkcolor">
   <p:cSld>
     <p:spTree>
       <p:nvGrpSpPr>
-        <p:cNvPr id="1" name="Shape 61"/>
+        <p:cNvPr id="62" name="Shape 62"/>
         <p:cNvGrpSpPr/>
         <p:nvPr/>
       </p:nvGrpSpPr>
@@ -7570,7 +7511,7 @@
       </p:grpSpPr>
       <p:sp>
         <p:nvSpPr>
-          <p:cNvPr id="62" name="Google Shape;62;p14"/>
+          <p:cNvPr id="63" name="Google Shape;63;p14"/>
           <p:cNvSpPr/>
           <p:nvPr/>
         </p:nvSpPr>
@@ -7596,41 +7537,42 @@
             </a:gsLst>
             <a:lin ang="13500032" scaled="0"/>
           </a:gradFill>
-          <a:ln w="9525" cap="flat" cmpd="sng">
+          <a:ln cap="flat" cmpd="sng" w="9525">
             <a:solidFill>
               <a:schemeClr val="dk2"/>
             </a:solidFill>
             <a:prstDash val="solid"/>
             <a:round/>
-            <a:headEnd type="none" w="sm" len="sm"/>
-            <a:tailEnd type="none" w="sm" len="sm"/>
+            <a:headEnd len="sm" w="sm" type="none"/>
+            <a:tailEnd len="sm" w="sm" type="none"/>
           </a:ln>
         </p:spPr>
         <p:txBody>
-          <a:bodyPr spcFirstLastPara="1" wrap="square" lIns="91425" tIns="91425" rIns="91425" bIns="91425" anchor="ctr" anchorCtr="0">
+          <a:bodyPr anchorCtr="0" anchor="ctr" bIns="91425" lIns="91425" spcFirstLastPara="1" rIns="91425" wrap="square" tIns="91425">
             <a:noAutofit/>
           </a:bodyPr>
           <a:lstStyle/>
           <a:p>
-            <a:pPr marL="0" lvl="0" indent="0" algn="l" rtl="0">
-              <a:spcBef>
-                <a:spcPts val="0"/>
-              </a:spcBef>
-              <a:spcAft>
-                <a:spcPts val="0"/>
-              </a:spcAft>
-              <a:buNone/>
-            </a:pPr>
+            <a:pPr indent="0" lvl="0" marL="0" rtl="0" algn="l">
+              <a:spcBef>
+                <a:spcPts val="0"/>
+              </a:spcBef>
+              <a:spcAft>
+                <a:spcPts val="0"/>
+              </a:spcAft>
+              <a:buNone/>
+            </a:pPr>
+            <a:r>
+              <a:t/>
+            </a:r>
             <a:endParaRPr/>
           </a:p>
         </p:txBody>
       </p:sp>
       <p:sp>
         <p:nvSpPr>
-          <p:cNvPr id="63" name="Google Shape;63;p14"/>
-          <p:cNvSpPr txBox="1">
-            <a:spLocks noGrp="1"/>
-          </p:cNvSpPr>
+          <p:cNvPr id="64" name="Google Shape;64;p14"/>
+          <p:cNvSpPr txBox="1"/>
           <p:nvPr>
             <p:ph type="title"/>
           </p:nvPr>
@@ -7645,12 +7587,12 @@
           </a:prstGeom>
         </p:spPr>
         <p:txBody>
-          <a:bodyPr spcFirstLastPara="1" wrap="square" lIns="91425" tIns="91425" rIns="91425" bIns="91425" anchor="t" anchorCtr="0">
+          <a:bodyPr anchorCtr="0" anchor="t" bIns="91425" lIns="91425" spcFirstLastPara="1" rIns="91425" wrap="square" tIns="91425">
             <a:noAutofit/>
           </a:bodyPr>
           <a:lstStyle/>
           <a:p>
-            <a:pPr marL="0" lvl="0" indent="0" algn="l" rtl="0">
+            <a:pPr indent="0" lvl="0" marL="0" rtl="0" algn="l">
               <a:spcBef>
                 <a:spcPts val="0"/>
               </a:spcBef>
@@ -7661,21 +7603,19 @@
               <a:buNone/>
             </a:pPr>
             <a:r>
-              <a:rPr lang="el" sz="3020" b="1"/>
+              <a:rPr b="1" lang="el" sz="3020"/>
               <a:t>Problem</a:t>
             </a:r>
-            <a:endParaRPr sz="3020" b="1"/>
+            <a:endParaRPr b="1" sz="3020"/>
           </a:p>
         </p:txBody>
       </p:sp>
       <p:sp>
         <p:nvSpPr>
-          <p:cNvPr id="64" name="Google Shape;64;p14"/>
-          <p:cNvSpPr txBox="1">
-            <a:spLocks noGrp="1"/>
-          </p:cNvSpPr>
+          <p:cNvPr id="65" name="Google Shape;65;p14"/>
+          <p:cNvSpPr txBox="1"/>
           <p:nvPr>
-            <p:ph type="body" idx="1"/>
+            <p:ph idx="1" type="body"/>
           </p:nvPr>
         </p:nvSpPr>
         <p:spPr>
@@ -7688,12 +7628,12 @@
           </a:prstGeom>
         </p:spPr>
         <p:txBody>
-          <a:bodyPr spcFirstLastPara="1" wrap="square" lIns="91425" tIns="91425" rIns="91425" bIns="91425" anchor="t" anchorCtr="0">
+          <a:bodyPr anchorCtr="0" anchor="t" bIns="91425" lIns="91425" spcFirstLastPara="1" rIns="91425" wrap="square" tIns="91425">
             <a:normAutofit/>
           </a:bodyPr>
           <a:lstStyle/>
           <a:p>
-            <a:pPr marL="457200" lvl="0" indent="-374650" algn="l" rtl="0">
+            <a:pPr indent="-374650" lvl="0" marL="457200" rtl="0" algn="l">
               <a:spcBef>
                 <a:spcPts val="0"/>
               </a:spcBef>
@@ -7728,7 +7668,7 @@
             </a:endParaRPr>
           </a:p>
           <a:p>
-            <a:pPr marL="457200" lvl="0" indent="-374650" algn="l" rtl="0">
+            <a:pPr indent="-374650" lvl="0" marL="457200" rtl="0" algn="l">
               <a:spcBef>
                 <a:spcPts val="0"/>
               </a:spcBef>
@@ -7763,7 +7703,7 @@
             </a:endParaRPr>
           </a:p>
           <a:p>
-            <a:pPr marL="457200" lvl="0" indent="-374650" algn="l" rtl="0">
+            <a:pPr indent="-374650" lvl="0" marL="457200" rtl="0" algn="l">
               <a:spcBef>
                 <a:spcPts val="0"/>
               </a:spcBef>
@@ -7794,7 +7734,7 @@
       </p:sp>
       <p:pic>
         <p:nvPicPr>
-          <p:cNvPr id="65" name="Google Shape;65;p14"/>
+          <p:cNvPr id="66" name="Google Shape;66;p14"/>
           <p:cNvPicPr preferRelativeResize="0"/>
           <p:nvPr/>
         </p:nvPicPr>
@@ -7802,7 +7742,7 @@
           <a:blip r:embed="rId3">
             <a:alphaModFix/>
           </a:blip>
-          <a:srcRect l="11118" t="27265" r="11079" b="35617"/>
+          <a:srcRect b="35617" l="11118" r="11079" t="27265"/>
           <a:stretch/>
         </p:blipFill>
         <p:spPr>
@@ -7821,7 +7761,7 @@
       </p:pic>
       <p:pic>
         <p:nvPicPr>
-          <p:cNvPr id="66" name="Google Shape;66;p14"/>
+          <p:cNvPr id="67" name="Google Shape;67;p14"/>
           <p:cNvPicPr preferRelativeResize="0"/>
           <p:nvPr/>
         </p:nvPicPr>
@@ -7849,7 +7789,7 @@
       </p:pic>
       <p:pic>
         <p:nvPicPr>
-          <p:cNvPr id="67" name="Google Shape;67;p14"/>
+          <p:cNvPr id="68" name="Google Shape;68;p14"/>
           <p:cNvPicPr preferRelativeResize="0"/>
           <p:nvPr/>
         </p:nvPicPr>
@@ -7877,7 +7817,7 @@
       </p:pic>
       <p:pic>
         <p:nvPicPr>
-          <p:cNvPr id="68" name="Google Shape;68;p14"/>
+          <p:cNvPr id="69" name="Google Shape;69;p14"/>
           <p:cNvPicPr preferRelativeResize="0"/>
           <p:nvPr/>
         </p:nvPicPr>
@@ -7912,11 +7852,11 @@
 </file>
 
 <file path=ppt/slides/slide3.xml><?xml version="1.0" encoding="utf-8"?>
-<p:sld xmlns:a="http://schemas.openxmlformats.org/drawingml/2006/main" xmlns:r="http://schemas.openxmlformats.org/officeDocument/2006/relationships" xmlns:p="http://schemas.openxmlformats.org/presentationml/2006/main">
+<p:sld xmlns:a="http://schemas.openxmlformats.org/drawingml/2006/main" xmlns:r="http://schemas.openxmlformats.org/officeDocument/2006/relationships" xmlns:mc="http://schemas.openxmlformats.org/markup-compatibility/2006" xmlns:mv="urn:schemas-microsoft-com:mac:vml" xmlns:p="http://schemas.openxmlformats.org/presentationml/2006/main" xmlns:c="http://schemas.openxmlformats.org/drawingml/2006/chart" xmlns:dgm="http://schemas.openxmlformats.org/drawingml/2006/diagram" xmlns:o="urn:schemas-microsoft-com:office:office" xmlns:v="urn:schemas-microsoft-com:vml" xmlns:pvml="urn:schemas-microsoft-com:office:powerpoint" xmlns:com="http://schemas.openxmlformats.org/drawingml/2006/compatibility" xmlns:p14="http://schemas.microsoft.com/office/powerpoint/2010/main" xmlns:p15="http://schemas.microsoft.com/office/powerpoint/2012/main" xmlns:ahyp="http://schemas.microsoft.com/office/drawing/2018/hyperlinkcolor">
   <p:cSld>
     <p:spTree>
       <p:nvGrpSpPr>
-        <p:cNvPr id="1" name="Shape 72"/>
+        <p:cNvPr id="73" name="Shape 73"/>
         <p:cNvGrpSpPr/>
         <p:nvPr/>
       </p:nvGrpSpPr>
@@ -7930,7 +7870,7 @@
       </p:grpSpPr>
       <p:sp>
         <p:nvSpPr>
-          <p:cNvPr id="73" name="Google Shape;73;p15"/>
+          <p:cNvPr id="74" name="Google Shape;74;p15"/>
           <p:cNvSpPr/>
           <p:nvPr/>
         </p:nvSpPr>
@@ -7956,41 +7896,42 @@
             </a:gsLst>
             <a:lin ang="13500032" scaled="0"/>
           </a:gradFill>
-          <a:ln w="9525" cap="flat" cmpd="sng">
+          <a:ln cap="flat" cmpd="sng" w="9525">
             <a:solidFill>
               <a:schemeClr val="dk2"/>
             </a:solidFill>
             <a:prstDash val="solid"/>
             <a:round/>
-            <a:headEnd type="none" w="sm" len="sm"/>
-            <a:tailEnd type="none" w="sm" len="sm"/>
+            <a:headEnd len="sm" w="sm" type="none"/>
+            <a:tailEnd len="sm" w="sm" type="none"/>
           </a:ln>
         </p:spPr>
         <p:txBody>
-          <a:bodyPr spcFirstLastPara="1" wrap="square" lIns="91425" tIns="91425" rIns="91425" bIns="91425" anchor="ctr" anchorCtr="0">
+          <a:bodyPr anchorCtr="0" anchor="ctr" bIns="91425" lIns="91425" spcFirstLastPara="1" rIns="91425" wrap="square" tIns="91425">
             <a:noAutofit/>
           </a:bodyPr>
           <a:lstStyle/>
           <a:p>
-            <a:pPr marL="0" lvl="0" indent="0" algn="l" rtl="0">
-              <a:spcBef>
-                <a:spcPts val="0"/>
-              </a:spcBef>
-              <a:spcAft>
-                <a:spcPts val="0"/>
-              </a:spcAft>
-              <a:buNone/>
-            </a:pPr>
+            <a:pPr indent="0" lvl="0" marL="0" rtl="0" algn="l">
+              <a:spcBef>
+                <a:spcPts val="0"/>
+              </a:spcBef>
+              <a:spcAft>
+                <a:spcPts val="0"/>
+              </a:spcAft>
+              <a:buNone/>
+            </a:pPr>
+            <a:r>
+              <a:t/>
+            </a:r>
             <a:endParaRPr/>
           </a:p>
         </p:txBody>
       </p:sp>
       <p:sp>
         <p:nvSpPr>
-          <p:cNvPr id="74" name="Google Shape;74;p15"/>
-          <p:cNvSpPr txBox="1">
-            <a:spLocks noGrp="1"/>
-          </p:cNvSpPr>
+          <p:cNvPr id="75" name="Google Shape;75;p15"/>
+          <p:cNvSpPr txBox="1"/>
           <p:nvPr>
             <p:ph type="title"/>
           </p:nvPr>
@@ -8005,12 +7946,12 @@
           </a:prstGeom>
         </p:spPr>
         <p:txBody>
-          <a:bodyPr spcFirstLastPara="1" wrap="square" lIns="91425" tIns="91425" rIns="91425" bIns="91425" anchor="t" anchorCtr="0">
+          <a:bodyPr anchorCtr="0" anchor="t" bIns="91425" lIns="91425" spcFirstLastPara="1" rIns="91425" wrap="square" tIns="91425">
             <a:noAutofit/>
           </a:bodyPr>
           <a:lstStyle/>
           <a:p>
-            <a:pPr marL="0" lvl="0" indent="0" algn="l" rtl="0">
+            <a:pPr indent="0" lvl="0" marL="0" rtl="0" algn="l">
               <a:spcBef>
                 <a:spcPts val="0"/>
               </a:spcBef>
@@ -8021,7 +7962,7 @@
               <a:buNone/>
             </a:pPr>
             <a:r>
-              <a:rPr lang="el" sz="3000" b="1"/>
+              <a:rPr b="1" lang="el" sz="3000"/>
               <a:t>Solution</a:t>
             </a:r>
             <a:r>
@@ -8030,7 +7971,15 @@
             </a:r>
             <a:r>
               <a:rPr lang="el" sz="2500"/>
-              <a:t>(Innovation)</a:t>
+              <a:t>(</a:t>
+            </a:r>
+            <a:r>
+              <a:rPr lang="el" sz="2500"/>
+              <a:t>Innovation</a:t>
+            </a:r>
+            <a:r>
+              <a:rPr lang="el" sz="2500"/>
+              <a:t>)</a:t>
             </a:r>
             <a:endParaRPr sz="2500"/>
           </a:p>
@@ -8038,12 +7987,10 @@
       </p:sp>
       <p:sp>
         <p:nvSpPr>
-          <p:cNvPr id="75" name="Google Shape;75;p15"/>
-          <p:cNvSpPr txBox="1">
-            <a:spLocks noGrp="1"/>
-          </p:cNvSpPr>
+          <p:cNvPr id="76" name="Google Shape;76;p15"/>
+          <p:cNvSpPr txBox="1"/>
           <p:nvPr>
-            <p:ph type="body" idx="1"/>
+            <p:ph idx="1" type="body"/>
           </p:nvPr>
         </p:nvSpPr>
         <p:spPr>
@@ -8056,12 +8003,12 @@
           </a:prstGeom>
         </p:spPr>
         <p:txBody>
-          <a:bodyPr spcFirstLastPara="1" wrap="square" lIns="91425" tIns="91425" rIns="91425" bIns="91425" anchor="t" anchorCtr="0">
+          <a:bodyPr anchorCtr="0" anchor="t" bIns="91425" lIns="91425" spcFirstLastPara="1" rIns="91425" wrap="square" tIns="91425">
             <a:normAutofit/>
           </a:bodyPr>
           <a:lstStyle/>
           <a:p>
-            <a:pPr marL="457200" lvl="0" indent="-374650" algn="l" rtl="0">
+            <a:pPr indent="-374650" lvl="0" marL="457200" rtl="0" algn="l">
               <a:spcBef>
                 <a:spcPts val="0"/>
               </a:spcBef>
@@ -8080,7 +8027,15 @@
                   <a:srgbClr val="C2DFE3"/>
                 </a:solidFill>
               </a:rPr>
-              <a:t>Κλειστοί χώροι φύλαξης</a:t>
+              <a:t>Κλειστοί χώροι </a:t>
+            </a:r>
+            <a:r>
+              <a:rPr lang="el" sz="2300">
+                <a:solidFill>
+                  <a:srgbClr val="C2DFE3"/>
+                </a:solidFill>
+              </a:rPr>
+              <a:t>φύλαξης</a:t>
             </a:r>
             <a:br>
               <a:rPr lang="el" sz="2300">
@@ -8096,7 +8051,7 @@
             </a:endParaRPr>
           </a:p>
           <a:p>
-            <a:pPr marL="457200" lvl="0" indent="-374650" algn="l" rtl="0">
+            <a:pPr indent="-374650" lvl="0" marL="457200" rtl="0" algn="l">
               <a:spcBef>
                 <a:spcPts val="0"/>
               </a:spcBef>
@@ -8131,7 +8086,7 @@
             </a:endParaRPr>
           </a:p>
           <a:p>
-            <a:pPr marL="457200" lvl="0" indent="-374650" algn="l" rtl="0">
+            <a:pPr indent="-374650" lvl="0" marL="457200" rtl="0" algn="l">
               <a:spcBef>
                 <a:spcPts val="0"/>
               </a:spcBef>
@@ -8166,7 +8121,7 @@
             </a:endParaRPr>
           </a:p>
           <a:p>
-            <a:pPr marL="457200" lvl="0" indent="-374650" algn="l" rtl="0">
+            <a:pPr indent="-374650" lvl="0" marL="457200" rtl="0" algn="l">
               <a:spcBef>
                 <a:spcPts val="0"/>
               </a:spcBef>
@@ -8197,7 +8152,7 @@
       </p:sp>
       <p:pic>
         <p:nvPicPr>
-          <p:cNvPr id="76" name="Google Shape;76;p15"/>
+          <p:cNvPr id="77" name="Google Shape;77;p15"/>
           <p:cNvPicPr preferRelativeResize="0"/>
           <p:nvPr/>
         </p:nvPicPr>
@@ -8232,11 +8187,11 @@
 </file>
 
 <file path=ppt/slides/slide4.xml><?xml version="1.0" encoding="utf-8"?>
-<p:sld xmlns:a="http://schemas.openxmlformats.org/drawingml/2006/main" xmlns:r="http://schemas.openxmlformats.org/officeDocument/2006/relationships" xmlns:p="http://schemas.openxmlformats.org/presentationml/2006/main">
+<p:sld xmlns:a="http://schemas.openxmlformats.org/drawingml/2006/main" xmlns:r="http://schemas.openxmlformats.org/officeDocument/2006/relationships" xmlns:mc="http://schemas.openxmlformats.org/markup-compatibility/2006" xmlns:mv="urn:schemas-microsoft-com:mac:vml" xmlns:p="http://schemas.openxmlformats.org/presentationml/2006/main" xmlns:c="http://schemas.openxmlformats.org/drawingml/2006/chart" xmlns:dgm="http://schemas.openxmlformats.org/drawingml/2006/diagram" xmlns:o="urn:schemas-microsoft-com:office:office" xmlns:v="urn:schemas-microsoft-com:vml" xmlns:pvml="urn:schemas-microsoft-com:office:powerpoint" xmlns:com="http://schemas.openxmlformats.org/drawingml/2006/compatibility" xmlns:p14="http://schemas.microsoft.com/office/powerpoint/2010/main" xmlns:p15="http://schemas.microsoft.com/office/powerpoint/2012/main" xmlns:ahyp="http://schemas.microsoft.com/office/drawing/2018/hyperlinkcolor">
   <p:cSld>
     <p:spTree>
       <p:nvGrpSpPr>
-        <p:cNvPr id="1" name="Shape 80"/>
+        <p:cNvPr id="81" name="Shape 81"/>
         <p:cNvGrpSpPr/>
         <p:nvPr/>
       </p:nvGrpSpPr>
@@ -8250,7 +8205,7 @@
       </p:grpSpPr>
       <p:sp>
         <p:nvSpPr>
-          <p:cNvPr id="81" name="Google Shape;81;p16"/>
+          <p:cNvPr id="82" name="Google Shape;82;p16"/>
           <p:cNvSpPr/>
           <p:nvPr/>
         </p:nvSpPr>
@@ -8276,41 +8231,42 @@
             </a:gsLst>
             <a:lin ang="13500032" scaled="0"/>
           </a:gradFill>
-          <a:ln w="9525" cap="flat" cmpd="sng">
+          <a:ln cap="flat" cmpd="sng" w="9525">
             <a:solidFill>
               <a:schemeClr val="dk2"/>
             </a:solidFill>
             <a:prstDash val="solid"/>
             <a:round/>
-            <a:headEnd type="none" w="sm" len="sm"/>
-            <a:tailEnd type="none" w="sm" len="sm"/>
+            <a:headEnd len="sm" w="sm" type="none"/>
+            <a:tailEnd len="sm" w="sm" type="none"/>
           </a:ln>
         </p:spPr>
         <p:txBody>
-          <a:bodyPr spcFirstLastPara="1" wrap="square" lIns="91425" tIns="91425" rIns="91425" bIns="91425" anchor="ctr" anchorCtr="0">
+          <a:bodyPr anchorCtr="0" anchor="ctr" bIns="91425" lIns="91425" spcFirstLastPara="1" rIns="91425" wrap="square" tIns="91425">
             <a:noAutofit/>
           </a:bodyPr>
           <a:lstStyle/>
           <a:p>
-            <a:pPr marL="0" lvl="0" indent="0" algn="l" rtl="0">
-              <a:spcBef>
-                <a:spcPts val="0"/>
-              </a:spcBef>
-              <a:spcAft>
-                <a:spcPts val="0"/>
-              </a:spcAft>
-              <a:buNone/>
-            </a:pPr>
+            <a:pPr indent="0" lvl="0" marL="0" rtl="0" algn="l">
+              <a:spcBef>
+                <a:spcPts val="0"/>
+              </a:spcBef>
+              <a:spcAft>
+                <a:spcPts val="0"/>
+              </a:spcAft>
+              <a:buNone/>
+            </a:pPr>
+            <a:r>
+              <a:t/>
+            </a:r>
             <a:endParaRPr/>
           </a:p>
         </p:txBody>
       </p:sp>
       <p:sp>
         <p:nvSpPr>
-          <p:cNvPr id="82" name="Google Shape;82;p16"/>
-          <p:cNvSpPr txBox="1">
-            <a:spLocks noGrp="1"/>
-          </p:cNvSpPr>
+          <p:cNvPr id="83" name="Google Shape;83;p16"/>
+          <p:cNvSpPr txBox="1"/>
           <p:nvPr>
             <p:ph type="title"/>
           </p:nvPr>
@@ -8325,12 +8281,12 @@
           </a:prstGeom>
         </p:spPr>
         <p:txBody>
-          <a:bodyPr spcFirstLastPara="1" wrap="square" lIns="91425" tIns="91425" rIns="91425" bIns="91425" anchor="t" anchorCtr="0">
+          <a:bodyPr anchorCtr="0" anchor="t" bIns="91425" lIns="91425" spcFirstLastPara="1" rIns="91425" wrap="square" tIns="91425">
             <a:noAutofit/>
           </a:bodyPr>
           <a:lstStyle/>
           <a:p>
-            <a:pPr marL="0" lvl="0" indent="0" algn="l" rtl="0">
+            <a:pPr indent="0" lvl="0" marL="0" rtl="0" algn="l">
               <a:spcBef>
                 <a:spcPts val="0"/>
               </a:spcBef>
@@ -8341,16 +8297,16 @@
               <a:buNone/>
             </a:pPr>
             <a:r>
-              <a:rPr lang="el" sz="3020" b="1"/>
+              <a:rPr b="1" lang="el" sz="3020"/>
               <a:t>Ιδανική Λειτουργία</a:t>
             </a:r>
-            <a:endParaRPr sz="3020" b="1"/>
+            <a:endParaRPr b="1" sz="3020"/>
           </a:p>
         </p:txBody>
       </p:sp>
       <p:pic>
         <p:nvPicPr>
-          <p:cNvPr id="83" name="Google Shape;83;p16"/>
+          <p:cNvPr id="84" name="Google Shape;84;p16"/>
           <p:cNvPicPr preferRelativeResize="0"/>
           <p:nvPr/>
         </p:nvPicPr>
@@ -8378,7 +8334,7 @@
       </p:pic>
       <p:pic>
         <p:nvPicPr>
-          <p:cNvPr id="84" name="Google Shape;84;p16"/>
+          <p:cNvPr id="85" name="Google Shape;85;p16"/>
           <p:cNvPicPr preferRelativeResize="0"/>
           <p:nvPr/>
         </p:nvPicPr>
@@ -8406,7 +8362,7 @@
       </p:pic>
       <p:pic>
         <p:nvPicPr>
-          <p:cNvPr id="85" name="Google Shape;85;p16"/>
+          <p:cNvPr id="86" name="Google Shape;86;p16"/>
           <p:cNvPicPr preferRelativeResize="0"/>
           <p:nvPr/>
         </p:nvPicPr>
@@ -8434,7 +8390,7 @@
       </p:pic>
       <p:sp>
         <p:nvSpPr>
-          <p:cNvPr id="86" name="Google Shape;86;p16"/>
+          <p:cNvPr id="87" name="Google Shape;87;p16"/>
           <p:cNvSpPr/>
           <p:nvPr/>
         </p:nvSpPr>
@@ -8445,45 +8401,48 @@
           </a:xfrm>
           <a:prstGeom prst="rightArrow">
             <a:avLst>
-              <a:gd name="adj1" fmla="val 50000"/>
-              <a:gd name="adj2" fmla="val 50000"/>
+              <a:gd fmla="val 50000" name="adj1"/>
+              <a:gd fmla="val 50000" name="adj2"/>
             </a:avLst>
           </a:prstGeom>
           <a:solidFill>
             <a:schemeClr val="lt2"/>
           </a:solidFill>
-          <a:ln w="9525" cap="flat" cmpd="sng">
+          <a:ln cap="flat" cmpd="sng" w="9525">
             <a:solidFill>
               <a:schemeClr val="dk2"/>
             </a:solidFill>
             <a:prstDash val="solid"/>
             <a:round/>
-            <a:headEnd type="none" w="sm" len="sm"/>
-            <a:tailEnd type="none" w="sm" len="sm"/>
+            <a:headEnd len="sm" w="sm" type="none"/>
+            <a:tailEnd len="sm" w="sm" type="none"/>
           </a:ln>
         </p:spPr>
         <p:txBody>
-          <a:bodyPr spcFirstLastPara="1" wrap="square" lIns="91425" tIns="91425" rIns="91425" bIns="91425" anchor="ctr" anchorCtr="0">
+          <a:bodyPr anchorCtr="0" anchor="ctr" bIns="91425" lIns="91425" spcFirstLastPara="1" rIns="91425" wrap="square" tIns="91425">
             <a:noAutofit/>
           </a:bodyPr>
           <a:lstStyle/>
           <a:p>
-            <a:pPr marL="0" lvl="0" indent="0" algn="l" rtl="0">
-              <a:spcBef>
-                <a:spcPts val="0"/>
-              </a:spcBef>
-              <a:spcAft>
-                <a:spcPts val="0"/>
-              </a:spcAft>
-              <a:buNone/>
-            </a:pPr>
+            <a:pPr indent="0" lvl="0" marL="0" rtl="0" algn="l">
+              <a:spcBef>
+                <a:spcPts val="0"/>
+              </a:spcBef>
+              <a:spcAft>
+                <a:spcPts val="0"/>
+              </a:spcAft>
+              <a:buNone/>
+            </a:pPr>
+            <a:r>
+              <a:t/>
+            </a:r>
             <a:endParaRPr/>
           </a:p>
         </p:txBody>
       </p:sp>
       <p:pic>
         <p:nvPicPr>
-          <p:cNvPr id="87" name="Google Shape;87;p16"/>
+          <p:cNvPr id="88" name="Google Shape;88;p16"/>
           <p:cNvPicPr preferRelativeResize="0"/>
           <p:nvPr/>
         </p:nvPicPr>
@@ -8511,7 +8470,7 @@
       </p:pic>
       <p:pic>
         <p:nvPicPr>
-          <p:cNvPr id="88" name="Google Shape;88;p16"/>
+          <p:cNvPr id="89" name="Google Shape;89;p16"/>
           <p:cNvPicPr preferRelativeResize="0"/>
           <p:nvPr/>
         </p:nvPicPr>
@@ -8539,7 +8498,7 @@
       </p:pic>
       <p:pic>
         <p:nvPicPr>
-          <p:cNvPr id="89" name="Google Shape;89;p16"/>
+          <p:cNvPr id="90" name="Google Shape;90;p16"/>
           <p:cNvPicPr preferRelativeResize="0"/>
           <p:nvPr/>
         </p:nvPicPr>
@@ -8567,7 +8526,7 @@
       </p:pic>
       <p:pic>
         <p:nvPicPr>
-          <p:cNvPr id="90" name="Google Shape;90;p16"/>
+          <p:cNvPr id="91" name="Google Shape;91;p16"/>
           <p:cNvPicPr preferRelativeResize="0"/>
           <p:nvPr/>
         </p:nvPicPr>
@@ -8595,7 +8554,7 @@
       </p:pic>
       <p:sp>
         <p:nvSpPr>
-          <p:cNvPr id="91" name="Google Shape;91;p16"/>
+          <p:cNvPr id="92" name="Google Shape;92;p16"/>
           <p:cNvSpPr/>
           <p:nvPr/>
         </p:nvSpPr>
@@ -8606,38 +8565,41 @@
           </a:xfrm>
           <a:prstGeom prst="rightArrow">
             <a:avLst>
-              <a:gd name="adj1" fmla="val 50000"/>
-              <a:gd name="adj2" fmla="val 50000"/>
+              <a:gd fmla="val 50000" name="adj1"/>
+              <a:gd fmla="val 50000" name="adj2"/>
             </a:avLst>
           </a:prstGeom>
           <a:solidFill>
             <a:schemeClr val="lt2"/>
           </a:solidFill>
-          <a:ln w="9525" cap="flat" cmpd="sng">
+          <a:ln cap="flat" cmpd="sng" w="9525">
             <a:solidFill>
               <a:schemeClr val="dk2"/>
             </a:solidFill>
             <a:prstDash val="solid"/>
             <a:round/>
-            <a:headEnd type="none" w="sm" len="sm"/>
-            <a:tailEnd type="none" w="sm" len="sm"/>
+            <a:headEnd len="sm" w="sm" type="none"/>
+            <a:tailEnd len="sm" w="sm" type="none"/>
           </a:ln>
         </p:spPr>
         <p:txBody>
-          <a:bodyPr spcFirstLastPara="1" wrap="square" lIns="91425" tIns="91425" rIns="91425" bIns="91425" anchor="ctr" anchorCtr="0">
+          <a:bodyPr anchorCtr="0" anchor="ctr" bIns="91425" lIns="91425" spcFirstLastPara="1" rIns="91425" wrap="square" tIns="91425">
             <a:noAutofit/>
           </a:bodyPr>
           <a:lstStyle/>
           <a:p>
-            <a:pPr marL="0" lvl="0" indent="0" algn="l" rtl="0">
-              <a:spcBef>
-                <a:spcPts val="0"/>
-              </a:spcBef>
-              <a:spcAft>
-                <a:spcPts val="0"/>
-              </a:spcAft>
-              <a:buNone/>
-            </a:pPr>
+            <a:pPr indent="0" lvl="0" marL="0" rtl="0" algn="l">
+              <a:spcBef>
+                <a:spcPts val="0"/>
+              </a:spcBef>
+              <a:spcAft>
+                <a:spcPts val="0"/>
+              </a:spcAft>
+              <a:buNone/>
+            </a:pPr>
+            <a:r>
+              <a:t/>
+            </a:r>
             <a:endParaRPr/>
           </a:p>
         </p:txBody>
@@ -8651,11 +8613,11 @@
 </file>
 
 <file path=ppt/slides/slide5.xml><?xml version="1.0" encoding="utf-8"?>
-<p:sld xmlns:a="http://schemas.openxmlformats.org/drawingml/2006/main" xmlns:r="http://schemas.openxmlformats.org/officeDocument/2006/relationships" xmlns:p="http://schemas.openxmlformats.org/presentationml/2006/main">
+<p:sld xmlns:a="http://schemas.openxmlformats.org/drawingml/2006/main" xmlns:r="http://schemas.openxmlformats.org/officeDocument/2006/relationships" xmlns:mc="http://schemas.openxmlformats.org/markup-compatibility/2006" xmlns:mv="urn:schemas-microsoft-com:mac:vml" xmlns:p="http://schemas.openxmlformats.org/presentationml/2006/main" xmlns:c="http://schemas.openxmlformats.org/drawingml/2006/chart" xmlns:dgm="http://schemas.openxmlformats.org/drawingml/2006/diagram" xmlns:o="urn:schemas-microsoft-com:office:office" xmlns:v="urn:schemas-microsoft-com:vml" xmlns:pvml="urn:schemas-microsoft-com:office:powerpoint" xmlns:com="http://schemas.openxmlformats.org/drawingml/2006/compatibility" xmlns:p14="http://schemas.microsoft.com/office/powerpoint/2010/main" xmlns:p15="http://schemas.microsoft.com/office/powerpoint/2012/main" xmlns:ahyp="http://schemas.microsoft.com/office/drawing/2018/hyperlinkcolor">
   <p:cSld>
     <p:spTree>
       <p:nvGrpSpPr>
-        <p:cNvPr id="1" name="Shape 101"/>
+        <p:cNvPr id="96" name="Shape 96"/>
         <p:cNvGrpSpPr/>
         <p:nvPr/>
       </p:nvGrpSpPr>
@@ -8669,7 +8631,7 @@
       </p:grpSpPr>
       <p:sp>
         <p:nvSpPr>
-          <p:cNvPr id="102" name="Google Shape;102;p18"/>
+          <p:cNvPr id="97" name="Google Shape;97;p17"/>
           <p:cNvSpPr/>
           <p:nvPr/>
         </p:nvSpPr>
@@ -8695,38 +8657,41 @@
             </a:gsLst>
             <a:lin ang="13500032" scaled="0"/>
           </a:gradFill>
-          <a:ln w="9525" cap="flat" cmpd="sng">
+          <a:ln cap="flat" cmpd="sng" w="9525">
             <a:solidFill>
               <a:schemeClr val="dk2"/>
             </a:solidFill>
             <a:prstDash val="solid"/>
             <a:round/>
-            <a:headEnd type="none" w="sm" len="sm"/>
-            <a:tailEnd type="none" w="sm" len="sm"/>
+            <a:headEnd len="sm" w="sm" type="none"/>
+            <a:tailEnd len="sm" w="sm" type="none"/>
           </a:ln>
         </p:spPr>
         <p:txBody>
-          <a:bodyPr spcFirstLastPara="1" wrap="square" lIns="91425" tIns="91425" rIns="91425" bIns="91425" anchor="ctr" anchorCtr="0">
+          <a:bodyPr anchorCtr="0" anchor="ctr" bIns="91425" lIns="91425" spcFirstLastPara="1" rIns="91425" wrap="square" tIns="91425">
             <a:noAutofit/>
           </a:bodyPr>
           <a:lstStyle/>
           <a:p>
-            <a:pPr marL="0" lvl="0" indent="0" algn="l" rtl="0">
-              <a:spcBef>
-                <a:spcPts val="0"/>
-              </a:spcBef>
-              <a:spcAft>
-                <a:spcPts val="0"/>
-              </a:spcAft>
-              <a:buNone/>
-            </a:pPr>
+            <a:pPr indent="0" lvl="0" marL="0" rtl="0" algn="l">
+              <a:spcBef>
+                <a:spcPts val="0"/>
+              </a:spcBef>
+              <a:spcAft>
+                <a:spcPts val="0"/>
+              </a:spcAft>
+              <a:buNone/>
+            </a:pPr>
+            <a:r>
+              <a:t/>
+            </a:r>
             <a:endParaRPr/>
           </a:p>
         </p:txBody>
       </p:sp>
       <p:pic>
         <p:nvPicPr>
-          <p:cNvPr id="103" name="Google Shape;103;p18"/>
+          <p:cNvPr id="98" name="Google Shape;98;p17"/>
           <p:cNvPicPr preferRelativeResize="0"/>
           <p:nvPr/>
         </p:nvPicPr>
@@ -8761,11 +8726,11 @@
 </file>
 
 <file path=ppt/slides/slide6.xml><?xml version="1.0" encoding="utf-8"?>
-<p:sld xmlns:a="http://schemas.openxmlformats.org/drawingml/2006/main" xmlns:r="http://schemas.openxmlformats.org/officeDocument/2006/relationships" xmlns:p="http://schemas.openxmlformats.org/presentationml/2006/main">
+<p:sld xmlns:a="http://schemas.openxmlformats.org/drawingml/2006/main" xmlns:r="http://schemas.openxmlformats.org/officeDocument/2006/relationships" xmlns:mc="http://schemas.openxmlformats.org/markup-compatibility/2006" xmlns:mv="urn:schemas-microsoft-com:mac:vml" xmlns:p="http://schemas.openxmlformats.org/presentationml/2006/main" xmlns:c="http://schemas.openxmlformats.org/drawingml/2006/chart" xmlns:dgm="http://schemas.openxmlformats.org/drawingml/2006/diagram" xmlns:o="urn:schemas-microsoft-com:office:office" xmlns:v="urn:schemas-microsoft-com:vml" xmlns:pvml="urn:schemas-microsoft-com:office:powerpoint" xmlns:com="http://schemas.openxmlformats.org/drawingml/2006/compatibility" xmlns:p14="http://schemas.microsoft.com/office/powerpoint/2010/main" xmlns:p15="http://schemas.microsoft.com/office/powerpoint/2012/main" xmlns:ahyp="http://schemas.microsoft.com/office/drawing/2018/hyperlinkcolor">
   <p:cSld>
     <p:spTree>
       <p:nvGrpSpPr>
-        <p:cNvPr id="1" name="Shape 114"/>
+        <p:cNvPr id="102" name="Shape 102"/>
         <p:cNvGrpSpPr/>
         <p:nvPr/>
       </p:nvGrpSpPr>
@@ -8779,7 +8744,7 @@
       </p:grpSpPr>
       <p:sp>
         <p:nvSpPr>
-          <p:cNvPr id="115" name="Google Shape;115;p20"/>
+          <p:cNvPr id="103" name="Google Shape;103;p18"/>
           <p:cNvSpPr/>
           <p:nvPr/>
         </p:nvSpPr>
@@ -8805,31 +8770,34 @@
             </a:gsLst>
             <a:lin ang="13500032" scaled="0"/>
           </a:gradFill>
-          <a:ln w="9525" cap="flat" cmpd="sng">
+          <a:ln cap="flat" cmpd="sng" w="9525">
             <a:solidFill>
               <a:schemeClr val="dk2"/>
             </a:solidFill>
             <a:prstDash val="solid"/>
             <a:round/>
-            <a:headEnd type="none" w="sm" len="sm"/>
-            <a:tailEnd type="none" w="sm" len="sm"/>
+            <a:headEnd len="sm" w="sm" type="none"/>
+            <a:tailEnd len="sm" w="sm" type="none"/>
           </a:ln>
         </p:spPr>
         <p:txBody>
-          <a:bodyPr spcFirstLastPara="1" wrap="square" lIns="91425" tIns="91425" rIns="91425" bIns="91425" anchor="ctr" anchorCtr="0">
+          <a:bodyPr anchorCtr="0" anchor="ctr" bIns="91425" lIns="91425" spcFirstLastPara="1" rIns="91425" wrap="square" tIns="91425">
             <a:noAutofit/>
           </a:bodyPr>
           <a:lstStyle/>
           <a:p>
-            <a:pPr marL="0" lvl="0" indent="0" algn="l" rtl="0">
-              <a:spcBef>
-                <a:spcPts val="0"/>
-              </a:spcBef>
-              <a:spcAft>
-                <a:spcPts val="0"/>
-              </a:spcAft>
-              <a:buNone/>
-            </a:pPr>
+            <a:pPr indent="0" lvl="0" marL="0" rtl="0" algn="l">
+              <a:spcBef>
+                <a:spcPts val="0"/>
+              </a:spcBef>
+              <a:spcAft>
+                <a:spcPts val="0"/>
+              </a:spcAft>
+              <a:buNone/>
+            </a:pPr>
+            <a:r>
+              <a:t/>
+            </a:r>
             <a:endParaRPr>
               <a:solidFill>
                 <a:srgbClr val="C2DFE3"/>
@@ -8840,10 +8808,8 @@
       </p:sp>
       <p:sp>
         <p:nvSpPr>
-          <p:cNvPr id="116" name="Google Shape;116;p20"/>
-          <p:cNvSpPr txBox="1">
-            <a:spLocks noGrp="1"/>
-          </p:cNvSpPr>
+          <p:cNvPr id="104" name="Google Shape;104;p18"/>
+          <p:cNvSpPr txBox="1"/>
           <p:nvPr>
             <p:ph type="title"/>
           </p:nvPr>
@@ -8858,31 +8824,31 @@
           </a:prstGeom>
         </p:spPr>
         <p:txBody>
-          <a:bodyPr spcFirstLastPara="1" wrap="square" lIns="91425" tIns="91425" rIns="91425" bIns="91425" anchor="t" anchorCtr="0">
+          <a:bodyPr anchorCtr="0" anchor="t" bIns="91425" lIns="91425" spcFirstLastPara="1" rIns="91425" wrap="square" tIns="91425">
             <a:noAutofit/>
           </a:bodyPr>
           <a:lstStyle/>
           <a:p>
-            <a:pPr marL="0" lvl="0" indent="0" algn="ctr" rtl="0">
-              <a:spcBef>
-                <a:spcPts val="0"/>
-              </a:spcBef>
-              <a:spcAft>
-                <a:spcPts val="0"/>
-              </a:spcAft>
-              <a:buNone/>
-            </a:pPr>
-            <a:r>
-              <a:rPr lang="el" sz="3000" b="1"/>
+            <a:pPr indent="0" lvl="0" marL="0" rtl="0" algn="ctr">
+              <a:spcBef>
+                <a:spcPts val="0"/>
+              </a:spcBef>
+              <a:spcAft>
+                <a:spcPts val="0"/>
+              </a:spcAft>
+              <a:buNone/>
+            </a:pPr>
+            <a:r>
+              <a:rPr b="1" lang="el" sz="3000"/>
               <a:t>Hardware </a:t>
             </a:r>
-            <a:endParaRPr sz="3000" b="1"/>
+            <a:endParaRPr b="1" sz="3000"/>
           </a:p>
         </p:txBody>
       </p:sp>
       <p:sp>
         <p:nvSpPr>
-          <p:cNvPr id="117" name="Google Shape;117;p20"/>
+          <p:cNvPr id="105" name="Google Shape;105;p18"/>
           <p:cNvSpPr txBox="1"/>
           <p:nvPr/>
         </p:nvSpPr>
@@ -8900,12 +8866,12 @@
           </a:ln>
         </p:spPr>
         <p:txBody>
-          <a:bodyPr spcFirstLastPara="1" wrap="square" lIns="91425" tIns="91425" rIns="91425" bIns="91425" anchor="t" anchorCtr="0">
+          <a:bodyPr anchorCtr="0" anchor="t" bIns="91425" lIns="91425" spcFirstLastPara="1" rIns="91425" wrap="square" tIns="91425">
             <a:spAutoFit/>
           </a:bodyPr>
           <a:lstStyle/>
           <a:p>
-            <a:pPr marL="457200" lvl="0" indent="-323850" algn="l" rtl="0">
+            <a:pPr indent="-323850" lvl="0" marL="457200" rtl="0" algn="l">
               <a:spcBef>
                 <a:spcPts val="0"/>
               </a:spcBef>
@@ -8933,7 +8899,7 @@
             </a:endParaRPr>
           </a:p>
           <a:p>
-            <a:pPr marL="457200" lvl="0" indent="-323850" algn="l" rtl="0">
+            <a:pPr indent="-323850" lvl="0" marL="457200" rtl="0" algn="l">
               <a:spcBef>
                 <a:spcPts val="0"/>
               </a:spcBef>
@@ -8961,7 +8927,7 @@
             </a:endParaRPr>
           </a:p>
           <a:p>
-            <a:pPr marL="457200" lvl="0" indent="-323850" algn="l" rtl="0">
+            <a:pPr indent="-323850" lvl="0" marL="457200" rtl="0" algn="l">
               <a:spcBef>
                 <a:spcPts val="0"/>
               </a:spcBef>
@@ -8992,7 +8958,7 @@
       </p:sp>
       <p:sp>
         <p:nvSpPr>
-          <p:cNvPr id="118" name="Google Shape;118;p20"/>
+          <p:cNvPr id="106" name="Google Shape;106;p18"/>
           <p:cNvSpPr txBox="1"/>
           <p:nvPr/>
         </p:nvSpPr>
@@ -9010,31 +8976,31 @@
           </a:ln>
         </p:spPr>
         <p:txBody>
-          <a:bodyPr spcFirstLastPara="1" wrap="square" lIns="91425" tIns="91425" rIns="91425" bIns="91425" anchor="t" anchorCtr="0">
+          <a:bodyPr anchorCtr="0" anchor="t" bIns="91425" lIns="91425" spcFirstLastPara="1" rIns="91425" wrap="square" tIns="91425">
             <a:spAutoFit/>
           </a:bodyPr>
           <a:lstStyle/>
           <a:p>
-            <a:pPr marL="0" lvl="0" indent="0" algn="l" rtl="0">
-              <a:spcBef>
-                <a:spcPts val="0"/>
-              </a:spcBef>
-              <a:spcAft>
-                <a:spcPts val="0"/>
-              </a:spcAft>
-              <a:buNone/>
-            </a:pPr>
-            <a:r>
-              <a:rPr lang="el" sz="2000" b="1"/>
+            <a:pPr indent="0" lvl="0" marL="0" rtl="0" algn="l">
+              <a:spcBef>
+                <a:spcPts val="0"/>
+              </a:spcBef>
+              <a:spcAft>
+                <a:spcPts val="0"/>
+              </a:spcAft>
+              <a:buNone/>
+            </a:pPr>
+            <a:r>
+              <a:rPr b="1" lang="el" sz="2000"/>
               <a:t>Sensors</a:t>
             </a:r>
-            <a:endParaRPr sz="2000" b="1"/>
+            <a:endParaRPr b="1" sz="2000"/>
           </a:p>
         </p:txBody>
       </p:sp>
       <p:sp>
         <p:nvSpPr>
-          <p:cNvPr id="119" name="Google Shape;119;p20"/>
+          <p:cNvPr id="107" name="Google Shape;107;p18"/>
           <p:cNvSpPr txBox="1"/>
           <p:nvPr/>
         </p:nvSpPr>
@@ -9052,12 +9018,12 @@
           </a:ln>
         </p:spPr>
         <p:txBody>
-          <a:bodyPr spcFirstLastPara="1" wrap="square" lIns="91425" tIns="91425" rIns="91425" bIns="91425" anchor="t" anchorCtr="0">
+          <a:bodyPr anchorCtr="0" anchor="t" bIns="91425" lIns="91425" spcFirstLastPara="1" rIns="91425" wrap="square" tIns="91425">
             <a:spAutoFit/>
           </a:bodyPr>
           <a:lstStyle/>
           <a:p>
-            <a:pPr marL="457200" lvl="0" indent="-323850" algn="l" rtl="0">
+            <a:pPr indent="-323850" lvl="0" marL="457200" rtl="0" algn="l">
               <a:spcBef>
                 <a:spcPts val="0"/>
               </a:spcBef>
@@ -9085,7 +9051,7 @@
             </a:endParaRPr>
           </a:p>
           <a:p>
-            <a:pPr marL="457200" lvl="0" indent="-323850" algn="l" rtl="0">
+            <a:pPr indent="-323850" lvl="0" marL="457200" rtl="0" algn="l">
               <a:spcBef>
                 <a:spcPts val="0"/>
               </a:spcBef>
@@ -9113,7 +9079,7 @@
             </a:endParaRPr>
           </a:p>
           <a:p>
-            <a:pPr marL="457200" lvl="0" indent="-323850" algn="l" rtl="0">
+            <a:pPr indent="-323850" lvl="0" marL="457200" rtl="0" algn="l">
               <a:spcBef>
                 <a:spcPts val="0"/>
               </a:spcBef>
@@ -9144,7 +9110,7 @@
       </p:sp>
       <p:sp>
         <p:nvSpPr>
-          <p:cNvPr id="120" name="Google Shape;120;p20"/>
+          <p:cNvPr id="108" name="Google Shape;108;p18"/>
           <p:cNvSpPr txBox="1"/>
           <p:nvPr/>
         </p:nvSpPr>
@@ -9162,31 +9128,31 @@
           </a:ln>
         </p:spPr>
         <p:txBody>
-          <a:bodyPr spcFirstLastPara="1" wrap="square" lIns="91425" tIns="91425" rIns="91425" bIns="91425" anchor="t" anchorCtr="0">
+          <a:bodyPr anchorCtr="0" anchor="t" bIns="91425" lIns="91425" spcFirstLastPara="1" rIns="91425" wrap="square" tIns="91425">
             <a:spAutoFit/>
           </a:bodyPr>
           <a:lstStyle/>
           <a:p>
-            <a:pPr marL="0" lvl="0" indent="0" algn="l" rtl="0">
-              <a:spcBef>
-                <a:spcPts val="0"/>
-              </a:spcBef>
-              <a:spcAft>
-                <a:spcPts val="0"/>
-              </a:spcAft>
-              <a:buNone/>
-            </a:pPr>
-            <a:r>
-              <a:rPr lang="el" sz="2000" b="1"/>
+            <a:pPr indent="0" lvl="0" marL="0" rtl="0" algn="l">
+              <a:spcBef>
+                <a:spcPts val="0"/>
+              </a:spcBef>
+              <a:spcAft>
+                <a:spcPts val="0"/>
+              </a:spcAft>
+              <a:buNone/>
+            </a:pPr>
+            <a:r>
+              <a:rPr b="1" lang="el" sz="2000"/>
               <a:t>Electrical</a:t>
             </a:r>
-            <a:endParaRPr sz="2000" b="1"/>
+            <a:endParaRPr b="1" sz="2000"/>
           </a:p>
         </p:txBody>
       </p:sp>
       <p:sp>
         <p:nvSpPr>
-          <p:cNvPr id="121" name="Google Shape;121;p20"/>
+          <p:cNvPr id="109" name="Google Shape;109;p18"/>
           <p:cNvSpPr txBox="1"/>
           <p:nvPr/>
         </p:nvSpPr>
@@ -9204,12 +9170,12 @@
           </a:ln>
         </p:spPr>
         <p:txBody>
-          <a:bodyPr spcFirstLastPara="1" wrap="square" lIns="91425" tIns="91425" rIns="91425" bIns="91425" anchor="t" anchorCtr="0">
+          <a:bodyPr anchorCtr="0" anchor="t" bIns="91425" lIns="91425" spcFirstLastPara="1" rIns="91425" wrap="square" tIns="91425">
             <a:spAutoFit/>
           </a:bodyPr>
           <a:lstStyle/>
           <a:p>
-            <a:pPr marL="457200" lvl="0" indent="-323850" algn="l" rtl="0">
+            <a:pPr indent="-323850" lvl="0" marL="457200" rtl="0" algn="l">
               <a:spcBef>
                 <a:spcPts val="0"/>
               </a:spcBef>
@@ -9237,7 +9203,7 @@
             </a:endParaRPr>
           </a:p>
           <a:p>
-            <a:pPr marL="457200" lvl="0" indent="-323850" algn="l" rtl="0">
+            <a:pPr indent="-323850" lvl="0" marL="457200" rtl="0" algn="l">
               <a:spcBef>
                 <a:spcPts val="0"/>
               </a:spcBef>
@@ -9268,7 +9234,7 @@
       </p:sp>
       <p:sp>
         <p:nvSpPr>
-          <p:cNvPr id="122" name="Google Shape;122;p20"/>
+          <p:cNvPr id="110" name="Google Shape;110;p18"/>
           <p:cNvSpPr txBox="1"/>
           <p:nvPr/>
         </p:nvSpPr>
@@ -9286,25 +9252,25 @@
           </a:ln>
         </p:spPr>
         <p:txBody>
-          <a:bodyPr spcFirstLastPara="1" wrap="square" lIns="91425" tIns="91425" rIns="91425" bIns="91425" anchor="t" anchorCtr="0">
+          <a:bodyPr anchorCtr="0" anchor="t" bIns="91425" lIns="91425" spcFirstLastPara="1" rIns="91425" wrap="square" tIns="91425">
             <a:spAutoFit/>
           </a:bodyPr>
           <a:lstStyle/>
           <a:p>
-            <a:pPr marL="0" lvl="0" indent="0" algn="l" rtl="0">
-              <a:spcBef>
-                <a:spcPts val="0"/>
-              </a:spcBef>
-              <a:spcAft>
-                <a:spcPts val="0"/>
-              </a:spcAft>
-              <a:buNone/>
-            </a:pPr>
-            <a:r>
-              <a:rPr lang="el" sz="2000" b="1"/>
+            <a:pPr indent="0" lvl="0" marL="0" rtl="0" algn="l">
+              <a:spcBef>
+                <a:spcPts val="0"/>
+              </a:spcBef>
+              <a:spcAft>
+                <a:spcPts val="0"/>
+              </a:spcAft>
+              <a:buNone/>
+            </a:pPr>
+            <a:r>
+              <a:rPr b="1" lang="el" sz="2000"/>
               <a:t>Station</a:t>
             </a:r>
-            <a:endParaRPr sz="2000" b="1"/>
+            <a:endParaRPr b="1" sz="2000"/>
           </a:p>
         </p:txBody>
       </p:sp>
@@ -9317,11 +9283,11 @@
 </file>
 
 <file path=ppt/slides/slide7.xml><?xml version="1.0" encoding="utf-8"?>
-<p:sld xmlns:a="http://schemas.openxmlformats.org/drawingml/2006/main" xmlns:r="http://schemas.openxmlformats.org/officeDocument/2006/relationships" xmlns:p="http://schemas.openxmlformats.org/presentationml/2006/main">
+<p:sld xmlns:a="http://schemas.openxmlformats.org/drawingml/2006/main" xmlns:r="http://schemas.openxmlformats.org/officeDocument/2006/relationships" xmlns:mc="http://schemas.openxmlformats.org/markup-compatibility/2006" xmlns:mv="urn:schemas-microsoft-com:mac:vml" xmlns:p="http://schemas.openxmlformats.org/presentationml/2006/main" xmlns:c="http://schemas.openxmlformats.org/drawingml/2006/chart" xmlns:dgm="http://schemas.openxmlformats.org/drawingml/2006/diagram" xmlns:o="urn:schemas-microsoft-com:office:office" xmlns:v="urn:schemas-microsoft-com:vml" xmlns:pvml="urn:schemas-microsoft-com:office:powerpoint" xmlns:com="http://schemas.openxmlformats.org/drawingml/2006/compatibility" xmlns:p14="http://schemas.microsoft.com/office/powerpoint/2010/main" xmlns:p15="http://schemas.microsoft.com/office/powerpoint/2012/main" xmlns:ahyp="http://schemas.microsoft.com/office/drawing/2018/hyperlinkcolor">
   <p:cSld>
     <p:spTree>
       <p:nvGrpSpPr>
-        <p:cNvPr id="1" name="Shape 126"/>
+        <p:cNvPr id="114" name="Shape 114"/>
         <p:cNvGrpSpPr/>
         <p:nvPr/>
       </p:nvGrpSpPr>
@@ -9335,7 +9301,7 @@
       </p:grpSpPr>
       <p:sp>
         <p:nvSpPr>
-          <p:cNvPr id="127" name="Google Shape;127;p21"/>
+          <p:cNvPr id="115" name="Google Shape;115;p19"/>
           <p:cNvSpPr/>
           <p:nvPr/>
         </p:nvSpPr>
@@ -9361,41 +9327,42 @@
             </a:gsLst>
             <a:lin ang="13500032" scaled="0"/>
           </a:gradFill>
-          <a:ln w="9525" cap="flat" cmpd="sng">
+          <a:ln cap="flat" cmpd="sng" w="9525">
             <a:solidFill>
               <a:schemeClr val="dk2"/>
             </a:solidFill>
             <a:prstDash val="solid"/>
             <a:round/>
-            <a:headEnd type="none" w="sm" len="sm"/>
-            <a:tailEnd type="none" w="sm" len="sm"/>
+            <a:headEnd len="sm" w="sm" type="none"/>
+            <a:tailEnd len="sm" w="sm" type="none"/>
           </a:ln>
         </p:spPr>
         <p:txBody>
-          <a:bodyPr spcFirstLastPara="1" wrap="square" lIns="91425" tIns="91425" rIns="91425" bIns="91425" anchor="ctr" anchorCtr="0">
+          <a:bodyPr anchorCtr="0" anchor="ctr" bIns="91425" lIns="91425" spcFirstLastPara="1" rIns="91425" wrap="square" tIns="91425">
             <a:noAutofit/>
           </a:bodyPr>
           <a:lstStyle/>
           <a:p>
-            <a:pPr marL="0" lvl="0" indent="0" algn="l" rtl="0">
-              <a:spcBef>
-                <a:spcPts val="0"/>
-              </a:spcBef>
-              <a:spcAft>
-                <a:spcPts val="0"/>
-              </a:spcAft>
-              <a:buNone/>
-            </a:pPr>
+            <a:pPr indent="0" lvl="0" marL="0" rtl="0" algn="l">
+              <a:spcBef>
+                <a:spcPts val="0"/>
+              </a:spcBef>
+              <a:spcAft>
+                <a:spcPts val="0"/>
+              </a:spcAft>
+              <a:buNone/>
+            </a:pPr>
+            <a:r>
+              <a:t/>
+            </a:r>
             <a:endParaRPr/>
           </a:p>
         </p:txBody>
       </p:sp>
       <p:sp>
         <p:nvSpPr>
-          <p:cNvPr id="128" name="Google Shape;128;p21"/>
-          <p:cNvSpPr txBox="1">
-            <a:spLocks noGrp="1"/>
-          </p:cNvSpPr>
+          <p:cNvPr id="116" name="Google Shape;116;p19"/>
+          <p:cNvSpPr txBox="1"/>
           <p:nvPr>
             <p:ph type="title"/>
           </p:nvPr>
@@ -9410,12 +9377,12 @@
           </a:prstGeom>
         </p:spPr>
         <p:txBody>
-          <a:bodyPr spcFirstLastPara="1" wrap="square" lIns="91425" tIns="91425" rIns="91425" bIns="91425" anchor="t" anchorCtr="0">
+          <a:bodyPr anchorCtr="0" anchor="t" bIns="91425" lIns="91425" spcFirstLastPara="1" rIns="91425" wrap="square" tIns="91425">
             <a:noAutofit/>
           </a:bodyPr>
           <a:lstStyle/>
           <a:p>
-            <a:pPr marL="0" lvl="0" indent="0" algn="l" rtl="0">
+            <a:pPr indent="0" lvl="0" marL="0" rtl="0" algn="l">
               <a:spcBef>
                 <a:spcPts val="0"/>
               </a:spcBef>
@@ -9426,16 +9393,16 @@
               <a:buNone/>
             </a:pPr>
             <a:r>
-              <a:rPr lang="el" sz="3020" b="1"/>
+              <a:rPr b="1" lang="el" sz="3020"/>
               <a:t>Τελος</a:t>
             </a:r>
-            <a:endParaRPr sz="3020" b="1"/>
+            <a:endParaRPr b="1" sz="3020"/>
           </a:p>
         </p:txBody>
       </p:sp>
       <p:pic>
         <p:nvPicPr>
-          <p:cNvPr id="129" name="Google Shape;129;p21"/>
+          <p:cNvPr id="117" name="Google Shape;117;p19"/>
           <p:cNvPicPr preferRelativeResize="0"/>
           <p:nvPr/>
         </p:nvPicPr>
@@ -9443,7 +9410,7 @@
           <a:blip r:embed="rId3">
             <a:alphaModFix/>
           </a:blip>
-          <a:srcRect l="21240" t="10873" r="17372"/>
+          <a:srcRect b="0" l="21240" r="17372" t="10873"/>
           <a:stretch/>
         </p:blipFill>
         <p:spPr>
@@ -9462,7 +9429,7 @@
       </p:pic>
       <p:sp>
         <p:nvSpPr>
-          <p:cNvPr id="130" name="Google Shape;130;p21"/>
+          <p:cNvPr id="118" name="Google Shape;118;p19"/>
           <p:cNvSpPr txBox="1"/>
           <p:nvPr/>
         </p:nvSpPr>
@@ -9480,12 +9447,12 @@
           </a:ln>
         </p:spPr>
         <p:txBody>
-          <a:bodyPr spcFirstLastPara="1" wrap="square" lIns="91425" tIns="91425" rIns="91425" bIns="91425" anchor="t" anchorCtr="0">
+          <a:bodyPr anchorCtr="0" anchor="t" bIns="91425" lIns="91425" spcFirstLastPara="1" rIns="91425" wrap="square" tIns="91425">
             <a:spAutoFit/>
           </a:bodyPr>
           <a:lstStyle/>
           <a:p>
-            <a:pPr marL="0" lvl="0" indent="0" algn="ctr" rtl="0">
+            <a:pPr indent="0" lvl="0" marL="0" rtl="0" algn="ctr">
               <a:spcBef>
                 <a:spcPts val="0"/>
               </a:spcBef>
@@ -9512,7 +9479,7 @@
       </p:sp>
       <p:sp>
         <p:nvSpPr>
-          <p:cNvPr id="131" name="Google Shape;131;p21"/>
+          <p:cNvPr id="119" name="Google Shape;119;p19"/>
           <p:cNvSpPr txBox="1"/>
           <p:nvPr/>
         </p:nvSpPr>
@@ -9530,12 +9497,12 @@
           </a:ln>
         </p:spPr>
         <p:txBody>
-          <a:bodyPr spcFirstLastPara="1" wrap="square" lIns="91425" tIns="91425" rIns="91425" bIns="91425" anchor="t" anchorCtr="0">
+          <a:bodyPr anchorCtr="0" anchor="t" bIns="91425" lIns="91425" spcFirstLastPara="1" rIns="91425" wrap="square" tIns="91425">
             <a:spAutoFit/>
           </a:bodyPr>
           <a:lstStyle/>
           <a:p>
-            <a:pPr marL="0" lvl="0" indent="0" algn="l" rtl="0">
+            <a:pPr indent="0" lvl="0" marL="0" rtl="0" algn="l">
               <a:spcBef>
                 <a:spcPts val="0"/>
               </a:spcBef>
@@ -9561,7 +9528,7 @@
 </file>
 
 <file path=ppt/theme/theme1.xml><?xml version="1.0" encoding="utf-8"?>
-<a:theme xmlns:a="http://schemas.openxmlformats.org/drawingml/2006/main" name="Simple Light">
+<a:theme xmlns:a="http://schemas.openxmlformats.org/drawingml/2006/main" xmlns:r="http://schemas.openxmlformats.org/officeDocument/2006/relationships" name="Simple Light">
   <a:themeElements>
     <a:clrScheme name="Simple Light">
       <a:dk1>
@@ -9836,13 +9803,11 @@
       </a:bgFillStyleLst>
     </a:fmtScheme>
   </a:themeElements>
-  <a:objectDefaults/>
-  <a:extraClrSchemeLst/>
 </a:theme>
 </file>
 
 <file path=ppt/theme/theme2.xml><?xml version="1.0" encoding="utf-8"?>
-<a:theme xmlns:a="http://schemas.openxmlformats.org/drawingml/2006/main">
+<a:theme xmlns:a="http://schemas.openxmlformats.org/drawingml/2006/main" xmlns:r="http://schemas.openxmlformats.org/officeDocument/2006/relationships">
   <a:themeElements>
     <a:clrScheme name="Default">
       <a:dk1>
@@ -10117,7 +10082,5 @@
       </a:bgFillStyleLst>
     </a:fmtScheme>
   </a:themeElements>
-  <a:objectDefaults/>
-  <a:extraClrSchemeLst/>
 </a:theme>
 </file>